--- a/docs/SUPERMARKET MANAGEMENT SYSTEM.pptx
+++ b/docs/SUPERMARKET MANAGEMENT SYSTEM.pptx
@@ -2,13 +2,15 @@
 <file path=ppt/presentation.xml><?xml version="1.0" encoding="utf-8"?>
 <p:presentation xmlns:a="http://schemas.openxmlformats.org/drawingml/2006/main" xmlns:r="http://schemas.openxmlformats.org/officeDocument/2006/relationships" xmlns:p="http://schemas.openxmlformats.org/presentationml/2006/main" saveSubsetFonts="1">
   <p:sldMasterIdLst>
-    <p:sldMasterId id="2147483750" r:id="rId1"/>
+    <p:sldMasterId id="2147483905" r:id="rId1"/>
   </p:sldMasterIdLst>
   <p:sldIdLst>
     <p:sldId id="259" r:id="rId2"/>
-    <p:sldId id="256" r:id="rId3"/>
-    <p:sldId id="257" r:id="rId4"/>
-    <p:sldId id="258" r:id="rId5"/>
+    <p:sldId id="260" r:id="rId3"/>
+    <p:sldId id="256" r:id="rId4"/>
+    <p:sldId id="257" r:id="rId5"/>
+    <p:sldId id="258" r:id="rId6"/>
+    <p:sldId id="261" r:id="rId7"/>
   </p:sldIdLst>
   <p:sldSz cx="12192000" cy="6858000"/>
   <p:notesSz cx="6858000" cy="9144000"/>
@@ -107,11 +109,16 @@
       </a:defRPr>
     </a:lvl9pPr>
   </p:defaultTextStyle>
+  <p:extLst>
+    <p:ext uri="{EFAFB233-063F-42B5-8137-9DF3F51BA10A}">
+      <p15:sldGuideLst xmlns:p15="http://schemas.microsoft.com/office/powerpoint/2012/main"/>
+    </p:ext>
+  </p:extLst>
 </p:presentation>
 </file>
 
 <file path=ppt/slideLayouts/slideLayout1.xml><?xml version="1.0" encoding="utf-8"?>
-<p:sldLayout xmlns:a="http://schemas.openxmlformats.org/drawingml/2006/main" xmlns:r="http://schemas.openxmlformats.org/officeDocument/2006/relationships" xmlns:p="http://schemas.openxmlformats.org/presentationml/2006/main" type="title" preserve="1">
+<p:sldLayout xmlns:a="http://schemas.openxmlformats.org/drawingml/2006/main" xmlns:r="http://schemas.openxmlformats.org/officeDocument/2006/relationships" xmlns:p="http://schemas.openxmlformats.org/presentationml/2006/main" showMasterSp="0" type="title" preserve="1">
   <p:cSld name="Title Slide">
     <p:spTree>
       <p:nvGrpSpPr>
@@ -127,6 +134,319 @@
           <a:chExt cx="0" cy="0"/>
         </a:xfrm>
       </p:grpSpPr>
+      <p:grpSp>
+        <p:nvGrpSpPr>
+          <p:cNvPr id="19" name="Group 18"/>
+          <p:cNvGrpSpPr/>
+          <p:nvPr/>
+        </p:nvGrpSpPr>
+        <p:grpSpPr>
+          <a:xfrm>
+            <a:off x="546100" y="-4763"/>
+            <a:ext cx="5014912" cy="6862763"/>
+            <a:chOff x="2928938" y="-4763"/>
+            <a:chExt cx="5014912" cy="6862763"/>
+          </a:xfrm>
+        </p:grpSpPr>
+        <p:sp>
+          <p:nvSpPr>
+            <p:cNvPr id="22" name="Freeform 6"/>
+            <p:cNvSpPr/>
+            <p:nvPr/>
+          </p:nvSpPr>
+          <p:spPr bwMode="auto">
+            <a:xfrm>
+              <a:off x="3367088" y="-4763"/>
+              <a:ext cx="1063625" cy="2782888"/>
+            </a:xfrm>
+            <a:custGeom>
+              <a:avLst/>
+              <a:gdLst/>
+              <a:ahLst/>
+              <a:cxnLst/>
+              <a:rect l="0" t="0" r="r" b="b"/>
+              <a:pathLst>
+                <a:path w="670" h="1753">
+                  <a:moveTo>
+                    <a:pt x="0" y="1696"/>
+                  </a:moveTo>
+                  <a:lnTo>
+                    <a:pt x="225" y="1753"/>
+                  </a:lnTo>
+                  <a:lnTo>
+                    <a:pt x="670" y="0"/>
+                  </a:lnTo>
+                  <a:lnTo>
+                    <a:pt x="430" y="0"/>
+                  </a:lnTo>
+                  <a:lnTo>
+                    <a:pt x="0" y="1696"/>
+                  </a:lnTo>
+                  <a:close/>
+                </a:path>
+              </a:pathLst>
+            </a:custGeom>
+            <a:solidFill>
+              <a:schemeClr val="accent1"/>
+            </a:solidFill>
+            <a:ln>
+              <a:noFill/>
+            </a:ln>
+          </p:spPr>
+        </p:sp>
+        <p:sp>
+          <p:nvSpPr>
+            <p:cNvPr id="23" name="Freeform 7"/>
+            <p:cNvSpPr/>
+            <p:nvPr/>
+          </p:nvSpPr>
+          <p:spPr bwMode="auto">
+            <a:xfrm>
+              <a:off x="2928938" y="-4763"/>
+              <a:ext cx="1035050" cy="2673350"/>
+            </a:xfrm>
+            <a:custGeom>
+              <a:avLst/>
+              <a:gdLst/>
+              <a:ahLst/>
+              <a:cxnLst/>
+              <a:rect l="0" t="0" r="r" b="b"/>
+              <a:pathLst>
+                <a:path w="652" h="1684">
+                  <a:moveTo>
+                    <a:pt x="225" y="1684"/>
+                  </a:moveTo>
+                  <a:lnTo>
+                    <a:pt x="652" y="0"/>
+                  </a:lnTo>
+                  <a:lnTo>
+                    <a:pt x="411" y="0"/>
+                  </a:lnTo>
+                  <a:lnTo>
+                    <a:pt x="0" y="1627"/>
+                  </a:lnTo>
+                  <a:lnTo>
+                    <a:pt x="219" y="1681"/>
+                  </a:lnTo>
+                  <a:lnTo>
+                    <a:pt x="225" y="1684"/>
+                  </a:lnTo>
+                  <a:close/>
+                </a:path>
+              </a:pathLst>
+            </a:custGeom>
+            <a:solidFill>
+              <a:schemeClr val="tx1">
+                <a:lumMod val="65000"/>
+                <a:lumOff val="35000"/>
+              </a:schemeClr>
+            </a:solidFill>
+            <a:ln>
+              <a:noFill/>
+            </a:ln>
+          </p:spPr>
+        </p:sp>
+        <p:sp>
+          <p:nvSpPr>
+            <p:cNvPr id="24" name="Freeform 9"/>
+            <p:cNvSpPr/>
+            <p:nvPr/>
+          </p:nvSpPr>
+          <p:spPr bwMode="auto">
+            <a:xfrm>
+              <a:off x="2928938" y="2582862"/>
+              <a:ext cx="2693987" cy="4275138"/>
+            </a:xfrm>
+            <a:custGeom>
+              <a:avLst/>
+              <a:gdLst/>
+              <a:ahLst/>
+              <a:cxnLst/>
+              <a:rect l="0" t="0" r="r" b="b"/>
+              <a:pathLst>
+                <a:path w="1697" h="2693">
+                  <a:moveTo>
+                    <a:pt x="0" y="0"/>
+                  </a:moveTo>
+                  <a:lnTo>
+                    <a:pt x="1622" y="2693"/>
+                  </a:lnTo>
+                  <a:lnTo>
+                    <a:pt x="1697" y="2693"/>
+                  </a:lnTo>
+                  <a:lnTo>
+                    <a:pt x="0" y="0"/>
+                  </a:lnTo>
+                  <a:close/>
+                </a:path>
+              </a:pathLst>
+            </a:custGeom>
+            <a:solidFill>
+              <a:schemeClr val="tx1">
+                <a:lumMod val="85000"/>
+                <a:lumOff val="15000"/>
+              </a:schemeClr>
+            </a:solidFill>
+            <a:ln>
+              <a:noFill/>
+            </a:ln>
+          </p:spPr>
+        </p:sp>
+        <p:sp>
+          <p:nvSpPr>
+            <p:cNvPr id="25" name="Freeform 10"/>
+            <p:cNvSpPr/>
+            <p:nvPr/>
+          </p:nvSpPr>
+          <p:spPr bwMode="auto">
+            <a:xfrm>
+              <a:off x="3371850" y="2692400"/>
+              <a:ext cx="3332162" cy="4165600"/>
+            </a:xfrm>
+            <a:custGeom>
+              <a:avLst/>
+              <a:gdLst/>
+              <a:ahLst/>
+              <a:cxnLst/>
+              <a:rect l="0" t="0" r="r" b="b"/>
+              <a:pathLst>
+                <a:path w="2099" h="2624">
+                  <a:moveTo>
+                    <a:pt x="2099" y="2624"/>
+                  </a:moveTo>
+                  <a:lnTo>
+                    <a:pt x="0" y="0"/>
+                  </a:lnTo>
+                  <a:lnTo>
+                    <a:pt x="2021" y="2624"/>
+                  </a:lnTo>
+                  <a:lnTo>
+                    <a:pt x="2099" y="2624"/>
+                  </a:lnTo>
+                  <a:close/>
+                </a:path>
+              </a:pathLst>
+            </a:custGeom>
+            <a:solidFill>
+              <a:schemeClr val="accent1">
+                <a:lumMod val="50000"/>
+              </a:schemeClr>
+            </a:solidFill>
+            <a:ln>
+              <a:noFill/>
+            </a:ln>
+          </p:spPr>
+        </p:sp>
+        <p:sp>
+          <p:nvSpPr>
+            <p:cNvPr id="26" name="Freeform 11"/>
+            <p:cNvSpPr/>
+            <p:nvPr/>
+          </p:nvSpPr>
+          <p:spPr bwMode="auto">
+            <a:xfrm>
+              <a:off x="3367088" y="2687637"/>
+              <a:ext cx="4576762" cy="4170363"/>
+            </a:xfrm>
+            <a:custGeom>
+              <a:avLst/>
+              <a:gdLst/>
+              <a:ahLst/>
+              <a:cxnLst/>
+              <a:rect l="0" t="0" r="r" b="b"/>
+              <a:pathLst>
+                <a:path w="2883" h="2627">
+                  <a:moveTo>
+                    <a:pt x="0" y="0"/>
+                  </a:moveTo>
+                  <a:lnTo>
+                    <a:pt x="3" y="3"/>
+                  </a:lnTo>
+                  <a:lnTo>
+                    <a:pt x="2102" y="2627"/>
+                  </a:lnTo>
+                  <a:lnTo>
+                    <a:pt x="2883" y="2627"/>
+                  </a:lnTo>
+                  <a:lnTo>
+                    <a:pt x="225" y="57"/>
+                  </a:lnTo>
+                  <a:lnTo>
+                    <a:pt x="0" y="0"/>
+                  </a:lnTo>
+                  <a:close/>
+                </a:path>
+              </a:pathLst>
+            </a:custGeom>
+            <a:solidFill>
+              <a:schemeClr val="accent1">
+                <a:lumMod val="75000"/>
+              </a:schemeClr>
+            </a:solidFill>
+            <a:ln>
+              <a:noFill/>
+            </a:ln>
+          </p:spPr>
+        </p:sp>
+        <p:sp>
+          <p:nvSpPr>
+            <p:cNvPr id="27" name="Freeform 12"/>
+            <p:cNvSpPr/>
+            <p:nvPr/>
+          </p:nvSpPr>
+          <p:spPr bwMode="auto">
+            <a:xfrm>
+              <a:off x="2928938" y="2578100"/>
+              <a:ext cx="3584575" cy="4279900"/>
+            </a:xfrm>
+            <a:custGeom>
+              <a:avLst/>
+              <a:gdLst/>
+              <a:ahLst/>
+              <a:cxnLst/>
+              <a:rect l="0" t="0" r="r" b="b"/>
+              <a:pathLst>
+                <a:path w="2258" h="2696">
+                  <a:moveTo>
+                    <a:pt x="2258" y="2696"/>
+                  </a:moveTo>
+                  <a:lnTo>
+                    <a:pt x="264" y="111"/>
+                  </a:lnTo>
+                  <a:lnTo>
+                    <a:pt x="228" y="60"/>
+                  </a:lnTo>
+                  <a:lnTo>
+                    <a:pt x="225" y="57"/>
+                  </a:lnTo>
+                  <a:lnTo>
+                    <a:pt x="0" y="0"/>
+                  </a:lnTo>
+                  <a:lnTo>
+                    <a:pt x="0" y="3"/>
+                  </a:lnTo>
+                  <a:lnTo>
+                    <a:pt x="1697" y="2696"/>
+                  </a:lnTo>
+                  <a:lnTo>
+                    <a:pt x="2258" y="2696"/>
+                  </a:lnTo>
+                  <a:close/>
+                </a:path>
+              </a:pathLst>
+            </a:custGeom>
+            <a:solidFill>
+              <a:schemeClr val="tx1">
+                <a:lumMod val="75000"/>
+                <a:lumOff val="25000"/>
+              </a:schemeClr>
+            </a:solidFill>
+            <a:ln>
+              <a:noFill/>
+            </a:ln>
+          </p:spPr>
+        </p:sp>
+      </p:grpSp>
       <p:sp>
         <p:nvSpPr>
           <p:cNvPr id="2" name="Title 1"/>
@@ -139,8 +459,8 @@
         </p:nvSpPr>
         <p:spPr>
           <a:xfrm>
-            <a:off x="1370693" y="1769540"/>
-            <a:ext cx="9440034" cy="1828801"/>
+            <a:off x="2928401" y="1380068"/>
+            <a:ext cx="8574622" cy="2616199"/>
           </a:xfrm>
         </p:spPr>
         <p:txBody>
@@ -148,8 +468,10 @@
             <a:normAutofit/>
           </a:bodyPr>
           <a:lstStyle>
-            <a:lvl1pPr algn="ctr">
-              <a:defRPr sz="5400"/>
+            <a:lvl1pPr algn="r">
+              <a:defRPr sz="6000">
+                <a:effectLst/>
+              </a:defRPr>
             </a:lvl1pPr>
           </a:lstStyle>
           <a:p>
@@ -173,16 +495,18 @@
         </p:nvSpPr>
         <p:spPr>
           <a:xfrm>
-            <a:off x="1370693" y="3598339"/>
-            <a:ext cx="9440034" cy="1049867"/>
+            <a:off x="4515377" y="3996267"/>
+            <a:ext cx="6987645" cy="1388534"/>
           </a:xfrm>
         </p:spPr>
         <p:txBody>
-          <a:bodyPr anchor="t"/>
+          <a:bodyPr anchor="t">
+            <a:normAutofit/>
+          </a:bodyPr>
           <a:lstStyle>
-            <a:lvl1pPr marL="0" indent="0" algn="ctr">
-              <a:buNone/>
-              <a:defRPr>
+            <a:lvl1pPr marL="0" indent="0" algn="r">
+              <a:buNone/>
+              <a:defRPr sz="2100">
                 <a:solidFill>
                   <a:schemeClr val="tx1"/>
                 </a:solidFill>
@@ -295,7 +619,7 @@
           <a:p>
             <a:fld id="{B6990C25-D7B9-40D8-BEBB-4A9D5AC8BFDB}" type="datetimeFigureOut">
               <a:rPr lang="en-US" smtClean="0"/>
-              <a:t>5/10/2021</a:t>
+              <a:t>5/17/2021</a:t>
             </a:fld>
             <a:endParaRPr lang="en-US"/>
           </a:p>
@@ -311,7 +635,12 @@
             <p:ph type="ftr" sz="quarter" idx="11"/>
           </p:nvPr>
         </p:nvSpPr>
-        <p:spPr/>
+        <p:spPr>
+          <a:xfrm>
+            <a:off x="5332412" y="5883275"/>
+            <a:ext cx="4324044" cy="365125"/>
+          </a:xfrm>
+        </p:spPr>
         <p:txBody>
           <a:bodyPr/>
           <a:lstStyle/>
@@ -346,7 +675,7 @@
     </p:spTree>
     <p:extLst>
       <p:ext uri="{BB962C8B-B14F-4D97-AF65-F5344CB8AC3E}">
-        <p14:creationId xmlns:p14="http://schemas.microsoft.com/office/powerpoint/2010/main" val="4048484358"/>
+        <p14:creationId xmlns:p14="http://schemas.microsoft.com/office/powerpoint/2010/main" val="3311053798"/>
       </p:ext>
     </p:extLst>
   </p:cSld>
@@ -376,50 +705,20 @@
           <a:chExt cx="0" cy="0"/>
         </a:xfrm>
       </p:grpSpPr>
-      <p:pic>
-        <p:nvPicPr>
-          <p:cNvPr id="16" name="Picture 15" descr="Slate-V2-HD-panoPhotoInset.png"/>
-          <p:cNvPicPr>
-            <a:picLocks noChangeAspect="1"/>
-          </p:cNvPicPr>
-          <p:nvPr/>
-        </p:nvPicPr>
-        <p:blipFill>
-          <a:blip r:embed="rId2">
-            <a:extLst>
-              <a:ext uri="{28A0092B-C50C-407E-A947-70E740481C1C}">
-                <a14:useLocalDpi xmlns:a14="http://schemas.microsoft.com/office/drawing/2010/main" val="0"/>
-              </a:ext>
-            </a:extLst>
-          </a:blip>
-          <a:stretch>
-            <a:fillRect/>
-          </a:stretch>
-        </p:blipFill>
+      <p:sp>
+        <p:nvSpPr>
+          <p:cNvPr id="2" name="Title 1"/>
+          <p:cNvSpPr>
+            <a:spLocks noGrp="1"/>
+          </p:cNvSpPr>
+          <p:nvPr>
+            <p:ph type="title"/>
+          </p:nvPr>
+        </p:nvSpPr>
         <p:spPr>
           <a:xfrm>
-            <a:off x="1013883" y="547807"/>
-            <a:ext cx="10141799" cy="3816806"/>
-          </a:xfrm>
-          <a:prstGeom prst="rect">
-            <a:avLst/>
-          </a:prstGeom>
-        </p:spPr>
-      </p:pic>
-      <p:sp>
-        <p:nvSpPr>
-          <p:cNvPr id="2" name="Title 1"/>
-          <p:cNvSpPr>
-            <a:spLocks noGrp="1"/>
-          </p:cNvSpPr>
-          <p:nvPr>
-            <p:ph type="title"/>
-          </p:nvPr>
-        </p:nvSpPr>
-        <p:spPr>
-          <a:xfrm>
-            <a:off x="913806" y="4565255"/>
-            <a:ext cx="10355326" cy="543472"/>
+            <a:off x="1484311" y="4732865"/>
+            <a:ext cx="10018711" cy="566738"/>
           </a:xfrm>
         </p:spPr>
         <p:txBody>
@@ -428,7 +727,7 @@
           </a:bodyPr>
           <a:lstStyle>
             <a:lvl1pPr algn="ctr">
-              <a:defRPr sz="2800"/>
+              <a:defRPr sz="2400" b="0"/>
             </a:lvl1pPr>
           </a:lstStyle>
           <a:p>
@@ -452,15 +751,36 @@
         </p:nvSpPr>
         <p:spPr>
           <a:xfrm>
-            <a:off x="1169349" y="695009"/>
-            <a:ext cx="9845346" cy="3525671"/>
+            <a:off x="2386012" y="932112"/>
+            <a:ext cx="8225944" cy="3164976"/>
           </a:xfrm>
+          <a:prstGeom prst="roundRect">
+            <a:avLst>
+              <a:gd name="adj" fmla="val 4380"/>
+            </a:avLst>
+          </a:prstGeom>
+          <a:ln w="38100">
+            <a:gradFill flip="none" rotWithShape="1">
+              <a:gsLst>
+                <a:gs pos="0">
+                  <a:schemeClr val="bg2"/>
+                </a:gs>
+                <a:gs pos="100000">
+                  <a:schemeClr val="bg2">
+                    <a:lumMod val="75000"/>
+                  </a:schemeClr>
+                </a:gs>
+              </a:gsLst>
+              <a:lin ang="5400000" scaled="0"/>
+              <a:tileRect/>
+            </a:gradFill>
+          </a:ln>
           <a:effectLst>
-            <a:outerShdw blurRad="38100" dist="25400" dir="4440000">
+            <a:innerShdw blurRad="57150" dist="38100" dir="14460000">
               <a:srgbClr val="000000">
-                <a:alpha val="36000"/>
+                <a:alpha val="70000"/>
               </a:srgbClr>
-            </a:outerShdw>
+            </a:innerShdw>
           </a:effectLst>
         </p:spPr>
         <p:txBody>
@@ -470,107 +790,109 @@
           <a:lstStyle>
             <a:lvl1pPr marL="0" indent="0" algn="ctr">
               <a:buNone/>
-              <a:defRPr sz="2000"/>
-            </a:lvl1pPr>
-            <a:lvl2pPr marL="457200" indent="0">
-              <a:buNone/>
-              <a:defRPr sz="2000"/>
-            </a:lvl2pPr>
-            <a:lvl3pPr marL="914400" indent="0">
-              <a:buNone/>
-              <a:defRPr sz="2000"/>
-            </a:lvl3pPr>
-            <a:lvl4pPr marL="1371600" indent="0">
-              <a:buNone/>
-              <a:defRPr sz="2000"/>
-            </a:lvl4pPr>
-            <a:lvl5pPr marL="1828800" indent="0">
-              <a:buNone/>
-              <a:defRPr sz="2000"/>
-            </a:lvl5pPr>
-            <a:lvl6pPr marL="2286000" indent="0">
-              <a:buNone/>
-              <a:defRPr sz="2000"/>
-            </a:lvl6pPr>
-            <a:lvl7pPr marL="2743200" indent="0">
-              <a:buNone/>
-              <a:defRPr sz="2000"/>
-            </a:lvl7pPr>
-            <a:lvl8pPr marL="3200400" indent="0">
-              <a:buNone/>
-              <a:defRPr sz="2000"/>
-            </a:lvl8pPr>
-            <a:lvl9pPr marL="3657600" indent="0">
-              <a:buNone/>
-              <a:defRPr sz="2000"/>
-            </a:lvl9pPr>
-          </a:lstStyle>
-          <a:p>
-            <a:r>
-              <a:rPr lang="en-US"/>
-              <a:t>Click icon to add picture</a:t>
-            </a:r>
-            <a:endParaRPr lang="en-US" dirty="0"/>
-          </a:p>
-        </p:txBody>
-      </p:sp>
-      <p:sp>
-        <p:nvSpPr>
-          <p:cNvPr id="4" name="Text Placeholder 3"/>
-          <p:cNvSpPr>
-            <a:spLocks noGrp="1"/>
-          </p:cNvSpPr>
-          <p:nvPr>
-            <p:ph type="body" sz="half" idx="2"/>
-          </p:nvPr>
-        </p:nvSpPr>
-        <p:spPr>
-          <a:xfrm>
-            <a:off x="913795" y="5108728"/>
-            <a:ext cx="10353762" cy="682472"/>
-          </a:xfrm>
-        </p:spPr>
-        <p:txBody>
-          <a:bodyPr anchor="t"/>
-          <a:lstStyle>
-            <a:lvl1pPr marL="0" indent="0" algn="ctr">
-              <a:buNone/>
               <a:defRPr sz="1600"/>
             </a:lvl1pPr>
             <a:lvl2pPr marL="457200" indent="0">
               <a:buNone/>
-              <a:defRPr sz="1400"/>
+              <a:defRPr sz="1600"/>
             </a:lvl2pPr>
             <a:lvl3pPr marL="914400" indent="0">
               <a:buNone/>
-              <a:defRPr sz="1200"/>
+              <a:defRPr sz="1600"/>
             </a:lvl3pPr>
             <a:lvl4pPr marL="1371600" indent="0">
               <a:buNone/>
-              <a:defRPr sz="1000"/>
+              <a:defRPr sz="1600"/>
             </a:lvl4pPr>
             <a:lvl5pPr marL="1828800" indent="0">
               <a:buNone/>
-              <a:defRPr sz="1000"/>
+              <a:defRPr sz="1600"/>
             </a:lvl5pPr>
             <a:lvl6pPr marL="2286000" indent="0">
               <a:buNone/>
-              <a:defRPr sz="1000"/>
+              <a:defRPr sz="1600"/>
             </a:lvl6pPr>
             <a:lvl7pPr marL="2743200" indent="0">
               <a:buNone/>
-              <a:defRPr sz="1000"/>
+              <a:defRPr sz="1600"/>
             </a:lvl7pPr>
             <a:lvl8pPr marL="3200400" indent="0">
               <a:buNone/>
-              <a:defRPr sz="1000"/>
+              <a:defRPr sz="1600"/>
             </a:lvl8pPr>
             <a:lvl9pPr marL="3657600" indent="0">
               <a:buNone/>
-              <a:defRPr sz="1000"/>
+              <a:defRPr sz="1600"/>
             </a:lvl9pPr>
           </a:lstStyle>
           <a:p>
+            <a:r>
+              <a:rPr lang="en-US"/>
+              <a:t>Click icon to add picture</a:t>
+            </a:r>
+            <a:endParaRPr lang="en-US" dirty="0"/>
+          </a:p>
+        </p:txBody>
+      </p:sp>
+      <p:sp>
+        <p:nvSpPr>
+          <p:cNvPr id="4" name="Text Placeholder 3"/>
+          <p:cNvSpPr>
+            <a:spLocks noGrp="1"/>
+          </p:cNvSpPr>
+          <p:nvPr>
+            <p:ph type="body" sz="half" idx="2"/>
+          </p:nvPr>
+        </p:nvSpPr>
+        <p:spPr>
+          <a:xfrm>
+            <a:off x="1484311" y="5299603"/>
+            <a:ext cx="10018711" cy="493712"/>
+          </a:xfrm>
+        </p:spPr>
+        <p:txBody>
+          <a:bodyPr>
+            <a:normAutofit/>
+          </a:bodyPr>
+          <a:lstStyle>
+            <a:lvl1pPr marL="0" indent="0" algn="ctr">
+              <a:buNone/>
+              <a:defRPr sz="1400"/>
+            </a:lvl1pPr>
+            <a:lvl2pPr marL="457200" indent="0">
+              <a:buNone/>
+              <a:defRPr sz="1200"/>
+            </a:lvl2pPr>
+            <a:lvl3pPr marL="914400" indent="0">
+              <a:buNone/>
+              <a:defRPr sz="1000"/>
+            </a:lvl3pPr>
+            <a:lvl4pPr marL="1371600" indent="0">
+              <a:buNone/>
+              <a:defRPr sz="900"/>
+            </a:lvl4pPr>
+            <a:lvl5pPr marL="1828800" indent="0">
+              <a:buNone/>
+              <a:defRPr sz="900"/>
+            </a:lvl5pPr>
+            <a:lvl6pPr marL="2286000" indent="0">
+              <a:buNone/>
+              <a:defRPr sz="900"/>
+            </a:lvl6pPr>
+            <a:lvl7pPr marL="2743200" indent="0">
+              <a:buNone/>
+              <a:defRPr sz="900"/>
+            </a:lvl7pPr>
+            <a:lvl8pPr marL="3200400" indent="0">
+              <a:buNone/>
+              <a:defRPr sz="900"/>
+            </a:lvl8pPr>
+            <a:lvl9pPr marL="3657600" indent="0">
+              <a:buNone/>
+              <a:defRPr sz="900"/>
+            </a:lvl9pPr>
+          </a:lstStyle>
+          <a:p>
             <a:pPr lvl="0"/>
             <a:r>
               <a:rPr lang="en-US"/>
@@ -596,7 +918,7 @@
           <a:p>
             <a:fld id="{B6990C25-D7B9-40D8-BEBB-4A9D5AC8BFDB}" type="datetimeFigureOut">
               <a:rPr lang="en-US" smtClean="0"/>
-              <a:t>5/10/2021</a:t>
+              <a:t>5/17/2021</a:t>
             </a:fld>
             <a:endParaRPr lang="en-US"/>
           </a:p>
@@ -647,16 +969,13 @@
     </p:spTree>
     <p:extLst>
       <p:ext uri="{BB962C8B-B14F-4D97-AF65-F5344CB8AC3E}">
-        <p14:creationId xmlns:p14="http://schemas.microsoft.com/office/powerpoint/2010/main" val="2533368798"/>
+        <p14:creationId xmlns:p14="http://schemas.microsoft.com/office/powerpoint/2010/main" val="3317336810"/>
       </p:ext>
     </p:extLst>
   </p:cSld>
   <p:clrMapOvr>
     <a:masterClrMapping/>
   </p:clrMapOvr>
-  <p:transition spd="slow">
-    <p:wipe/>
-  </p:transition>
 </p:sldLayout>
 </file>
 
@@ -689,15 +1008,17 @@
         </p:nvSpPr>
         <p:spPr>
           <a:xfrm>
-            <a:off x="913795" y="608437"/>
-            <a:ext cx="10353762" cy="3534344"/>
+            <a:off x="1484312" y="685800"/>
+            <a:ext cx="10018711" cy="3048000"/>
           </a:xfrm>
         </p:spPr>
         <p:txBody>
-          <a:bodyPr anchor="ctr"/>
+          <a:bodyPr anchor="ctr">
+            <a:normAutofit/>
+          </a:bodyPr>
           <a:lstStyle>
-            <a:lvl1pPr>
-              <a:defRPr sz="3200"/>
+            <a:lvl1pPr algn="ctr">
+              <a:defRPr sz="3200" b="0" cap="none"/>
             </a:lvl1pPr>
           </a:lstStyle>
           <a:p>
@@ -711,58 +1032,112 @@
       </p:sp>
       <p:sp>
         <p:nvSpPr>
-          <p:cNvPr id="4" name="Text Placeholder 3"/>
-          <p:cNvSpPr>
-            <a:spLocks noGrp="1"/>
-          </p:cNvSpPr>
-          <p:nvPr>
-            <p:ph type="body" sz="half" idx="2"/>
+          <p:cNvPr id="3" name="Text Placeholder 2"/>
+          <p:cNvSpPr>
+            <a:spLocks noGrp="1"/>
+          </p:cNvSpPr>
+          <p:nvPr>
+            <p:ph type="body" idx="1"/>
           </p:nvPr>
         </p:nvSpPr>
         <p:spPr>
           <a:xfrm>
-            <a:off x="913794" y="4295180"/>
-            <a:ext cx="10353763" cy="1501826"/>
+            <a:off x="1484312" y="4343400"/>
+            <a:ext cx="10018713" cy="1447800"/>
           </a:xfrm>
         </p:spPr>
         <p:txBody>
-          <a:bodyPr anchor="ctr"/>
+          <a:bodyPr anchor="ctr">
+            <a:normAutofit/>
+          </a:bodyPr>
           <a:lstStyle>
             <a:lvl1pPr marL="0" indent="0" algn="ctr">
               <a:buNone/>
-              <a:defRPr sz="1600"/>
+              <a:defRPr sz="2000">
+                <a:solidFill>
+                  <a:schemeClr val="tx1"/>
+                </a:solidFill>
+              </a:defRPr>
             </a:lvl1pPr>
             <a:lvl2pPr marL="457200" indent="0">
               <a:buNone/>
-              <a:defRPr sz="1400"/>
+              <a:defRPr sz="1800">
+                <a:solidFill>
+                  <a:schemeClr val="tx1">
+                    <a:tint val="75000"/>
+                  </a:schemeClr>
+                </a:solidFill>
+              </a:defRPr>
             </a:lvl2pPr>
             <a:lvl3pPr marL="914400" indent="0">
               <a:buNone/>
-              <a:defRPr sz="1200"/>
+              <a:defRPr sz="1600">
+                <a:solidFill>
+                  <a:schemeClr val="tx1">
+                    <a:tint val="75000"/>
+                  </a:schemeClr>
+                </a:solidFill>
+              </a:defRPr>
             </a:lvl3pPr>
             <a:lvl4pPr marL="1371600" indent="0">
               <a:buNone/>
-              <a:defRPr sz="1000"/>
+              <a:defRPr sz="1400">
+                <a:solidFill>
+                  <a:schemeClr val="tx1">
+                    <a:tint val="75000"/>
+                  </a:schemeClr>
+                </a:solidFill>
+              </a:defRPr>
             </a:lvl4pPr>
             <a:lvl5pPr marL="1828800" indent="0">
               <a:buNone/>
-              <a:defRPr sz="1000"/>
+              <a:defRPr sz="1400">
+                <a:solidFill>
+                  <a:schemeClr val="tx1">
+                    <a:tint val="75000"/>
+                  </a:schemeClr>
+                </a:solidFill>
+              </a:defRPr>
             </a:lvl5pPr>
             <a:lvl6pPr marL="2286000" indent="0">
               <a:buNone/>
-              <a:defRPr sz="1000"/>
+              <a:defRPr sz="1400">
+                <a:solidFill>
+                  <a:schemeClr val="tx1">
+                    <a:tint val="75000"/>
+                  </a:schemeClr>
+                </a:solidFill>
+              </a:defRPr>
             </a:lvl6pPr>
             <a:lvl7pPr marL="2743200" indent="0">
               <a:buNone/>
-              <a:defRPr sz="1000"/>
+              <a:defRPr sz="1400">
+                <a:solidFill>
+                  <a:schemeClr val="tx1">
+                    <a:tint val="75000"/>
+                  </a:schemeClr>
+                </a:solidFill>
+              </a:defRPr>
             </a:lvl7pPr>
             <a:lvl8pPr marL="3200400" indent="0">
               <a:buNone/>
-              <a:defRPr sz="1000"/>
+              <a:defRPr sz="1400">
+                <a:solidFill>
+                  <a:schemeClr val="tx1">
+                    <a:tint val="75000"/>
+                  </a:schemeClr>
+                </a:solidFill>
+              </a:defRPr>
             </a:lvl8pPr>
             <a:lvl9pPr marL="3657600" indent="0">
               <a:buNone/>
-              <a:defRPr sz="1000"/>
+              <a:defRPr sz="1400">
+                <a:solidFill>
+                  <a:schemeClr val="tx1">
+                    <a:tint val="75000"/>
+                  </a:schemeClr>
+                </a:solidFill>
+              </a:defRPr>
             </a:lvl9pPr>
           </a:lstStyle>
           <a:p>
@@ -776,7 +1151,7 @@
       </p:sp>
       <p:sp>
         <p:nvSpPr>
-          <p:cNvPr id="5" name="Date Placeholder 4"/>
+          <p:cNvPr id="4" name="Date Placeholder 3"/>
           <p:cNvSpPr>
             <a:spLocks noGrp="1"/>
           </p:cNvSpPr>
@@ -791,7 +1166,7 @@
           <a:p>
             <a:fld id="{B6990C25-D7B9-40D8-BEBB-4A9D5AC8BFDB}" type="datetimeFigureOut">
               <a:rPr lang="en-US" smtClean="0"/>
-              <a:t>5/10/2021</a:t>
+              <a:t>5/17/2021</a:t>
             </a:fld>
             <a:endParaRPr lang="en-US"/>
           </a:p>
@@ -799,7 +1174,7 @@
       </p:sp>
       <p:sp>
         <p:nvSpPr>
-          <p:cNvPr id="6" name="Footer Placeholder 5"/>
+          <p:cNvPr id="5" name="Footer Placeholder 4"/>
           <p:cNvSpPr>
             <a:spLocks noGrp="1"/>
           </p:cNvSpPr>
@@ -818,7 +1193,7 @@
       </p:sp>
       <p:sp>
         <p:nvSpPr>
-          <p:cNvPr id="7" name="Slide Number Placeholder 6"/>
+          <p:cNvPr id="6" name="Slide Number Placeholder 5"/>
           <p:cNvSpPr>
             <a:spLocks noGrp="1"/>
           </p:cNvSpPr>
@@ -842,16 +1217,13 @@
     </p:spTree>
     <p:extLst>
       <p:ext uri="{BB962C8B-B14F-4D97-AF65-F5344CB8AC3E}">
-        <p14:creationId xmlns:p14="http://schemas.microsoft.com/office/powerpoint/2010/main" val="611380058"/>
+        <p14:creationId xmlns:p14="http://schemas.microsoft.com/office/powerpoint/2010/main" val="1936163748"/>
       </p:ext>
     </p:extLst>
   </p:cSld>
   <p:clrMapOvr>
     <a:masterClrMapping/>
   </p:clrMapOvr>
-  <p:transition spd="slow">
-    <p:wipe/>
-  </p:transition>
 </p:sldLayout>
 </file>
 
@@ -874,244 +1246,13 @@
       </p:grpSpPr>
       <p:sp>
         <p:nvSpPr>
-          <p:cNvPr id="2" name="Title 1"/>
-          <p:cNvSpPr>
-            <a:spLocks noGrp="1"/>
-          </p:cNvSpPr>
-          <p:nvPr>
-            <p:ph type="title"/>
-          </p:nvPr>
+          <p:cNvPr id="14" name="TextBox 13"/>
+          <p:cNvSpPr txBox="1"/>
+          <p:nvPr/>
         </p:nvSpPr>
         <p:spPr>
           <a:xfrm>
-            <a:off x="1446212" y="609600"/>
-            <a:ext cx="9302752" cy="2992904"/>
-          </a:xfrm>
-        </p:spPr>
-        <p:txBody>
-          <a:bodyPr anchor="ctr"/>
-          <a:lstStyle>
-            <a:lvl1pPr>
-              <a:defRPr sz="3200"/>
-            </a:lvl1pPr>
-          </a:lstStyle>
-          <a:p>
-            <a:r>
-              <a:rPr lang="en-US"/>
-              <a:t>Click to edit Master title style</a:t>
-            </a:r>
-            <a:endParaRPr lang="en-US" dirty="0"/>
-          </a:p>
-        </p:txBody>
-      </p:sp>
-      <p:sp>
-        <p:nvSpPr>
-          <p:cNvPr id="12" name="Text Placeholder 3"/>
-          <p:cNvSpPr>
-            <a:spLocks noGrp="1"/>
-          </p:cNvSpPr>
-          <p:nvPr>
-            <p:ph type="body" sz="half" idx="13"/>
-          </p:nvPr>
-        </p:nvSpPr>
-        <p:spPr>
-          <a:xfrm>
-            <a:off x="1720644" y="3610032"/>
-            <a:ext cx="8752299" cy="532749"/>
-          </a:xfrm>
-        </p:spPr>
-        <p:txBody>
-          <a:bodyPr anchor="t">
-            <a:normAutofit/>
-          </a:bodyPr>
-          <a:lstStyle>
-            <a:lvl1pPr marL="0" indent="0" algn="r">
-              <a:buNone/>
-              <a:defRPr sz="1400"/>
-            </a:lvl1pPr>
-            <a:lvl2pPr marL="457200" indent="0">
-              <a:buNone/>
-              <a:defRPr sz="1400"/>
-            </a:lvl2pPr>
-            <a:lvl3pPr marL="914400" indent="0">
-              <a:buNone/>
-              <a:defRPr sz="1200"/>
-            </a:lvl3pPr>
-            <a:lvl4pPr marL="1371600" indent="0">
-              <a:buNone/>
-              <a:defRPr sz="1000"/>
-            </a:lvl4pPr>
-            <a:lvl5pPr marL="1828800" indent="0">
-              <a:buNone/>
-              <a:defRPr sz="1000"/>
-            </a:lvl5pPr>
-            <a:lvl6pPr marL="2286000" indent="0">
-              <a:buNone/>
-              <a:defRPr sz="1000"/>
-            </a:lvl6pPr>
-            <a:lvl7pPr marL="2743200" indent="0">
-              <a:buNone/>
-              <a:defRPr sz="1000"/>
-            </a:lvl7pPr>
-            <a:lvl8pPr marL="3200400" indent="0">
-              <a:buNone/>
-              <a:defRPr sz="1000"/>
-            </a:lvl8pPr>
-            <a:lvl9pPr marL="3657600" indent="0">
-              <a:buNone/>
-              <a:defRPr sz="1000"/>
-            </a:lvl9pPr>
-          </a:lstStyle>
-          <a:p>
-            <a:pPr lvl="0"/>
-            <a:r>
-              <a:rPr lang="en-US"/>
-              <a:t>Click to edit Master text styles</a:t>
-            </a:r>
-          </a:p>
-        </p:txBody>
-      </p:sp>
-      <p:sp>
-        <p:nvSpPr>
-          <p:cNvPr id="4" name="Text Placeholder 3"/>
-          <p:cNvSpPr>
-            <a:spLocks noGrp="1"/>
-          </p:cNvSpPr>
-          <p:nvPr>
-            <p:ph type="body" sz="half" idx="2"/>
-          </p:nvPr>
-        </p:nvSpPr>
-        <p:spPr>
-          <a:xfrm>
-            <a:off x="913794" y="4304353"/>
-            <a:ext cx="10353763" cy="1489496"/>
-          </a:xfrm>
-        </p:spPr>
-        <p:txBody>
-          <a:bodyPr anchor="ctr">
-            <a:normAutofit/>
-          </a:bodyPr>
-          <a:lstStyle>
-            <a:lvl1pPr marL="0" indent="0" algn="ctr">
-              <a:buNone/>
-              <a:defRPr sz="1600"/>
-            </a:lvl1pPr>
-            <a:lvl2pPr marL="457200" indent="0">
-              <a:buNone/>
-              <a:defRPr sz="1400"/>
-            </a:lvl2pPr>
-            <a:lvl3pPr marL="914400" indent="0">
-              <a:buNone/>
-              <a:defRPr sz="1200"/>
-            </a:lvl3pPr>
-            <a:lvl4pPr marL="1371600" indent="0">
-              <a:buNone/>
-              <a:defRPr sz="1000"/>
-            </a:lvl4pPr>
-            <a:lvl5pPr marL="1828800" indent="0">
-              <a:buNone/>
-              <a:defRPr sz="1000"/>
-            </a:lvl5pPr>
-            <a:lvl6pPr marL="2286000" indent="0">
-              <a:buNone/>
-              <a:defRPr sz="1000"/>
-            </a:lvl6pPr>
-            <a:lvl7pPr marL="2743200" indent="0">
-              <a:buNone/>
-              <a:defRPr sz="1000"/>
-            </a:lvl7pPr>
-            <a:lvl8pPr marL="3200400" indent="0">
-              <a:buNone/>
-              <a:defRPr sz="1000"/>
-            </a:lvl8pPr>
-            <a:lvl9pPr marL="3657600" indent="0">
-              <a:buNone/>
-              <a:defRPr sz="1000"/>
-            </a:lvl9pPr>
-          </a:lstStyle>
-          <a:p>
-            <a:pPr lvl="0"/>
-            <a:r>
-              <a:rPr lang="en-US"/>
-              <a:t>Click to edit Master text styles</a:t>
-            </a:r>
-          </a:p>
-        </p:txBody>
-      </p:sp>
-      <p:sp>
-        <p:nvSpPr>
-          <p:cNvPr id="5" name="Date Placeholder 4"/>
-          <p:cNvSpPr>
-            <a:spLocks noGrp="1"/>
-          </p:cNvSpPr>
-          <p:nvPr>
-            <p:ph type="dt" sz="half" idx="10"/>
-          </p:nvPr>
-        </p:nvSpPr>
-        <p:spPr/>
-        <p:txBody>
-          <a:bodyPr/>
-          <a:lstStyle/>
-          <a:p>
-            <a:fld id="{B6990C25-D7B9-40D8-BEBB-4A9D5AC8BFDB}" type="datetimeFigureOut">
-              <a:rPr lang="en-US" smtClean="0"/>
-              <a:t>5/10/2021</a:t>
-            </a:fld>
-            <a:endParaRPr lang="en-US"/>
-          </a:p>
-        </p:txBody>
-      </p:sp>
-      <p:sp>
-        <p:nvSpPr>
-          <p:cNvPr id="6" name="Footer Placeholder 5"/>
-          <p:cNvSpPr>
-            <a:spLocks noGrp="1"/>
-          </p:cNvSpPr>
-          <p:nvPr>
-            <p:ph type="ftr" sz="quarter" idx="11"/>
-          </p:nvPr>
-        </p:nvSpPr>
-        <p:spPr/>
-        <p:txBody>
-          <a:bodyPr/>
-          <a:lstStyle/>
-          <a:p>
-            <a:endParaRPr lang="en-US"/>
-          </a:p>
-        </p:txBody>
-      </p:sp>
-      <p:sp>
-        <p:nvSpPr>
-          <p:cNvPr id="7" name="Slide Number Placeholder 6"/>
-          <p:cNvSpPr>
-            <a:spLocks noGrp="1"/>
-          </p:cNvSpPr>
-          <p:nvPr>
-            <p:ph type="sldNum" sz="quarter" idx="12"/>
-          </p:nvPr>
-        </p:nvSpPr>
-        <p:spPr/>
-        <p:txBody>
-          <a:bodyPr/>
-          <a:lstStyle/>
-          <a:p>
-            <a:fld id="{83B53957-7F2B-46F6-A943-C6CB3383BD4C}" type="slidenum">
-              <a:rPr lang="en-US" smtClean="0"/>
-              <a:t>‹#›</a:t>
-            </a:fld>
-            <a:endParaRPr lang="en-US"/>
-          </a:p>
-        </p:txBody>
-      </p:sp>
-      <p:sp>
-        <p:nvSpPr>
-          <p:cNvPr id="11" name="TextBox 10"/>
-          <p:cNvSpPr txBox="1"/>
-          <p:nvPr/>
-        </p:nvSpPr>
-        <p:spPr>
-          <a:xfrm>
-            <a:off x="990600" y="884796"/>
+            <a:off x="1598612" y="863023"/>
             <a:ext cx="609600" cy="584776"/>
           </a:xfrm>
           <a:prstGeom prst="rect">
@@ -1221,13 +1362,13 @@
       </p:sp>
       <p:sp>
         <p:nvSpPr>
-          <p:cNvPr id="13" name="TextBox 12"/>
+          <p:cNvPr id="15" name="TextBox 14"/>
           <p:cNvSpPr txBox="1"/>
           <p:nvPr/>
         </p:nvSpPr>
         <p:spPr>
           <a:xfrm>
-            <a:off x="10504716" y="2928258"/>
+            <a:off x="10893425" y="2819399"/>
             <a:ext cx="609600" cy="584776"/>
           </a:xfrm>
           <a:prstGeom prst="rect">
@@ -1335,19 +1476,294 @@
           </a:p>
         </p:txBody>
       </p:sp>
+      <p:sp>
+        <p:nvSpPr>
+          <p:cNvPr id="2" name="Title 1"/>
+          <p:cNvSpPr>
+            <a:spLocks noGrp="1"/>
+          </p:cNvSpPr>
+          <p:nvPr>
+            <p:ph type="title"/>
+          </p:nvPr>
+        </p:nvSpPr>
+        <p:spPr>
+          <a:xfrm>
+            <a:off x="2208212" y="685800"/>
+            <a:ext cx="8990012" cy="2743199"/>
+          </a:xfrm>
+        </p:spPr>
+        <p:txBody>
+          <a:bodyPr anchor="ctr">
+            <a:normAutofit/>
+          </a:bodyPr>
+          <a:lstStyle>
+            <a:lvl1pPr algn="ctr">
+              <a:defRPr sz="3200" b="0" cap="none">
+                <a:solidFill>
+                  <a:schemeClr val="tx1"/>
+                </a:solidFill>
+              </a:defRPr>
+            </a:lvl1pPr>
+          </a:lstStyle>
+          <a:p>
+            <a:r>
+              <a:rPr lang="en-US"/>
+              <a:t>Click to edit Master title style</a:t>
+            </a:r>
+            <a:endParaRPr lang="en-US" dirty="0"/>
+          </a:p>
+        </p:txBody>
+      </p:sp>
+      <p:sp>
+        <p:nvSpPr>
+          <p:cNvPr id="10" name="Text Placeholder 9"/>
+          <p:cNvSpPr>
+            <a:spLocks noGrp="1"/>
+          </p:cNvSpPr>
+          <p:nvPr>
+            <p:ph type="body" sz="quarter" idx="13"/>
+          </p:nvPr>
+        </p:nvSpPr>
+        <p:spPr>
+          <a:xfrm>
+            <a:off x="2436811" y="3428999"/>
+            <a:ext cx="8532815" cy="381000"/>
+          </a:xfrm>
+        </p:spPr>
+        <p:txBody>
+          <a:bodyPr anchor="ctr">
+            <a:normAutofit/>
+          </a:bodyPr>
+          <a:lstStyle>
+            <a:lvl1pPr marL="0" indent="0">
+              <a:buFontTx/>
+              <a:buNone/>
+              <a:defRPr sz="1800"/>
+            </a:lvl1pPr>
+            <a:lvl2pPr marL="457200" indent="0">
+              <a:buFontTx/>
+              <a:buNone/>
+              <a:defRPr/>
+            </a:lvl2pPr>
+            <a:lvl3pPr marL="914400" indent="0">
+              <a:buFontTx/>
+              <a:buNone/>
+              <a:defRPr/>
+            </a:lvl3pPr>
+            <a:lvl4pPr marL="1371600" indent="0">
+              <a:buFontTx/>
+              <a:buNone/>
+              <a:defRPr/>
+            </a:lvl4pPr>
+            <a:lvl5pPr marL="1828800" indent="0">
+              <a:buFontTx/>
+              <a:buNone/>
+              <a:defRPr/>
+            </a:lvl5pPr>
+          </a:lstStyle>
+          <a:p>
+            <a:pPr lvl="0"/>
+            <a:r>
+              <a:rPr lang="en-US"/>
+              <a:t>Click to edit Master text styles</a:t>
+            </a:r>
+          </a:p>
+        </p:txBody>
+      </p:sp>
+      <p:sp>
+        <p:nvSpPr>
+          <p:cNvPr id="3" name="Text Placeholder 2"/>
+          <p:cNvSpPr>
+            <a:spLocks noGrp="1"/>
+          </p:cNvSpPr>
+          <p:nvPr>
+            <p:ph type="body" idx="1"/>
+          </p:nvPr>
+        </p:nvSpPr>
+        <p:spPr>
+          <a:xfrm>
+            <a:off x="1484311" y="4343400"/>
+            <a:ext cx="10018711" cy="1447800"/>
+          </a:xfrm>
+        </p:spPr>
+        <p:txBody>
+          <a:bodyPr anchor="ctr">
+            <a:normAutofit/>
+          </a:bodyPr>
+          <a:lstStyle>
+            <a:lvl1pPr marL="0" indent="0" algn="ctr">
+              <a:buNone/>
+              <a:defRPr sz="2000">
+                <a:solidFill>
+                  <a:schemeClr val="tx1"/>
+                </a:solidFill>
+              </a:defRPr>
+            </a:lvl1pPr>
+            <a:lvl2pPr marL="457200" indent="0">
+              <a:buNone/>
+              <a:defRPr sz="1800">
+                <a:solidFill>
+                  <a:schemeClr val="tx1">
+                    <a:tint val="75000"/>
+                  </a:schemeClr>
+                </a:solidFill>
+              </a:defRPr>
+            </a:lvl2pPr>
+            <a:lvl3pPr marL="914400" indent="0">
+              <a:buNone/>
+              <a:defRPr sz="1600">
+                <a:solidFill>
+                  <a:schemeClr val="tx1">
+                    <a:tint val="75000"/>
+                  </a:schemeClr>
+                </a:solidFill>
+              </a:defRPr>
+            </a:lvl3pPr>
+            <a:lvl4pPr marL="1371600" indent="0">
+              <a:buNone/>
+              <a:defRPr sz="1400">
+                <a:solidFill>
+                  <a:schemeClr val="tx1">
+                    <a:tint val="75000"/>
+                  </a:schemeClr>
+                </a:solidFill>
+              </a:defRPr>
+            </a:lvl4pPr>
+            <a:lvl5pPr marL="1828800" indent="0">
+              <a:buNone/>
+              <a:defRPr sz="1400">
+                <a:solidFill>
+                  <a:schemeClr val="tx1">
+                    <a:tint val="75000"/>
+                  </a:schemeClr>
+                </a:solidFill>
+              </a:defRPr>
+            </a:lvl5pPr>
+            <a:lvl6pPr marL="2286000" indent="0">
+              <a:buNone/>
+              <a:defRPr sz="1400">
+                <a:solidFill>
+                  <a:schemeClr val="tx1">
+                    <a:tint val="75000"/>
+                  </a:schemeClr>
+                </a:solidFill>
+              </a:defRPr>
+            </a:lvl6pPr>
+            <a:lvl7pPr marL="2743200" indent="0">
+              <a:buNone/>
+              <a:defRPr sz="1400">
+                <a:solidFill>
+                  <a:schemeClr val="tx1">
+                    <a:tint val="75000"/>
+                  </a:schemeClr>
+                </a:solidFill>
+              </a:defRPr>
+            </a:lvl7pPr>
+            <a:lvl8pPr marL="3200400" indent="0">
+              <a:buNone/>
+              <a:defRPr sz="1400">
+                <a:solidFill>
+                  <a:schemeClr val="tx1">
+                    <a:tint val="75000"/>
+                  </a:schemeClr>
+                </a:solidFill>
+              </a:defRPr>
+            </a:lvl8pPr>
+            <a:lvl9pPr marL="3657600" indent="0">
+              <a:buNone/>
+              <a:defRPr sz="1400">
+                <a:solidFill>
+                  <a:schemeClr val="tx1">
+                    <a:tint val="75000"/>
+                  </a:schemeClr>
+                </a:solidFill>
+              </a:defRPr>
+            </a:lvl9pPr>
+          </a:lstStyle>
+          <a:p>
+            <a:pPr lvl="0"/>
+            <a:r>
+              <a:rPr lang="en-US"/>
+              <a:t>Click to edit Master text styles</a:t>
+            </a:r>
+          </a:p>
+        </p:txBody>
+      </p:sp>
+      <p:sp>
+        <p:nvSpPr>
+          <p:cNvPr id="4" name="Date Placeholder 3"/>
+          <p:cNvSpPr>
+            <a:spLocks noGrp="1"/>
+          </p:cNvSpPr>
+          <p:nvPr>
+            <p:ph type="dt" sz="half" idx="10"/>
+          </p:nvPr>
+        </p:nvSpPr>
+        <p:spPr/>
+        <p:txBody>
+          <a:bodyPr/>
+          <a:lstStyle/>
+          <a:p>
+            <a:fld id="{B6990C25-D7B9-40D8-BEBB-4A9D5AC8BFDB}" type="datetimeFigureOut">
+              <a:rPr lang="en-US" smtClean="0"/>
+              <a:t>5/17/2021</a:t>
+            </a:fld>
+            <a:endParaRPr lang="en-US"/>
+          </a:p>
+        </p:txBody>
+      </p:sp>
+      <p:sp>
+        <p:nvSpPr>
+          <p:cNvPr id="5" name="Footer Placeholder 4"/>
+          <p:cNvSpPr>
+            <a:spLocks noGrp="1"/>
+          </p:cNvSpPr>
+          <p:nvPr>
+            <p:ph type="ftr" sz="quarter" idx="11"/>
+          </p:nvPr>
+        </p:nvSpPr>
+        <p:spPr/>
+        <p:txBody>
+          <a:bodyPr/>
+          <a:lstStyle/>
+          <a:p>
+            <a:endParaRPr lang="en-US"/>
+          </a:p>
+        </p:txBody>
+      </p:sp>
+      <p:sp>
+        <p:nvSpPr>
+          <p:cNvPr id="6" name="Slide Number Placeholder 5"/>
+          <p:cNvSpPr>
+            <a:spLocks noGrp="1"/>
+          </p:cNvSpPr>
+          <p:nvPr>
+            <p:ph type="sldNum" sz="quarter" idx="12"/>
+          </p:nvPr>
+        </p:nvSpPr>
+        <p:spPr/>
+        <p:txBody>
+          <a:bodyPr/>
+          <a:lstStyle/>
+          <a:p>
+            <a:fld id="{83B53957-7F2B-46F6-A943-C6CB3383BD4C}" type="slidenum">
+              <a:rPr lang="en-US" smtClean="0"/>
+              <a:t>‹#›</a:t>
+            </a:fld>
+            <a:endParaRPr lang="en-US"/>
+          </a:p>
+        </p:txBody>
+      </p:sp>
     </p:spTree>
     <p:extLst>
       <p:ext uri="{BB962C8B-B14F-4D97-AF65-F5344CB8AC3E}">
-        <p14:creationId xmlns:p14="http://schemas.microsoft.com/office/powerpoint/2010/main" val="4023678449"/>
+        <p14:creationId xmlns:p14="http://schemas.microsoft.com/office/powerpoint/2010/main" val="28604262"/>
       </p:ext>
     </p:extLst>
   </p:cSld>
   <p:clrMapOvr>
     <a:masterClrMapping/>
   </p:clrMapOvr>
-  <p:transition spd="slow">
-    <p:wipe/>
-  </p:transition>
 </p:sldLayout>
 </file>
 
@@ -1380,15 +1796,17 @@
         </p:nvSpPr>
         <p:spPr>
           <a:xfrm>
-            <a:off x="913794" y="2126942"/>
-            <a:ext cx="10353763" cy="2511835"/>
+            <a:off x="1484313" y="3308581"/>
+            <a:ext cx="10018709" cy="1468800"/>
           </a:xfrm>
         </p:spPr>
         <p:txBody>
-          <a:bodyPr anchor="b"/>
+          <a:bodyPr anchor="b">
+            <a:normAutofit/>
+          </a:bodyPr>
           <a:lstStyle>
-            <a:lvl1pPr>
-              <a:defRPr sz="3200"/>
+            <a:lvl1pPr algn="r">
+              <a:defRPr sz="3200" b="0" cap="none"/>
             </a:lvl1pPr>
           </a:lstStyle>
           <a:p>
@@ -1402,58 +1820,112 @@
       </p:sp>
       <p:sp>
         <p:nvSpPr>
-          <p:cNvPr id="4" name="Text Placeholder 3"/>
-          <p:cNvSpPr>
-            <a:spLocks noGrp="1"/>
-          </p:cNvSpPr>
-          <p:nvPr>
-            <p:ph type="body" sz="half" idx="2"/>
+          <p:cNvPr id="3" name="Text Placeholder 2"/>
+          <p:cNvSpPr>
+            <a:spLocks noGrp="1"/>
+          </p:cNvSpPr>
+          <p:nvPr>
+            <p:ph type="body" idx="1"/>
           </p:nvPr>
         </p:nvSpPr>
         <p:spPr>
           <a:xfrm>
-            <a:off x="913784" y="4650556"/>
-            <a:ext cx="10352199" cy="1140644"/>
+            <a:off x="1484312" y="4777381"/>
+            <a:ext cx="10018710" cy="860400"/>
           </a:xfrm>
         </p:spPr>
         <p:txBody>
-          <a:bodyPr anchor="t"/>
+          <a:bodyPr anchor="t">
+            <a:normAutofit/>
+          </a:bodyPr>
           <a:lstStyle>
-            <a:lvl1pPr marL="0" indent="0" algn="ctr">
-              <a:buNone/>
-              <a:defRPr sz="1600"/>
+            <a:lvl1pPr marL="0" indent="0" algn="r">
+              <a:buNone/>
+              <a:defRPr sz="2000">
+                <a:solidFill>
+                  <a:schemeClr val="tx1"/>
+                </a:solidFill>
+              </a:defRPr>
             </a:lvl1pPr>
             <a:lvl2pPr marL="457200" indent="0">
               <a:buNone/>
-              <a:defRPr sz="1400"/>
+              <a:defRPr sz="1800">
+                <a:solidFill>
+                  <a:schemeClr val="tx1">
+                    <a:tint val="75000"/>
+                  </a:schemeClr>
+                </a:solidFill>
+              </a:defRPr>
             </a:lvl2pPr>
             <a:lvl3pPr marL="914400" indent="0">
               <a:buNone/>
-              <a:defRPr sz="1200"/>
+              <a:defRPr sz="1600">
+                <a:solidFill>
+                  <a:schemeClr val="tx1">
+                    <a:tint val="75000"/>
+                  </a:schemeClr>
+                </a:solidFill>
+              </a:defRPr>
             </a:lvl3pPr>
             <a:lvl4pPr marL="1371600" indent="0">
               <a:buNone/>
-              <a:defRPr sz="1000"/>
+              <a:defRPr sz="1400">
+                <a:solidFill>
+                  <a:schemeClr val="tx1">
+                    <a:tint val="75000"/>
+                  </a:schemeClr>
+                </a:solidFill>
+              </a:defRPr>
             </a:lvl4pPr>
             <a:lvl5pPr marL="1828800" indent="0">
               <a:buNone/>
-              <a:defRPr sz="1000"/>
+              <a:defRPr sz="1400">
+                <a:solidFill>
+                  <a:schemeClr val="tx1">
+                    <a:tint val="75000"/>
+                  </a:schemeClr>
+                </a:solidFill>
+              </a:defRPr>
             </a:lvl5pPr>
             <a:lvl6pPr marL="2286000" indent="0">
               <a:buNone/>
-              <a:defRPr sz="1000"/>
+              <a:defRPr sz="1400">
+                <a:solidFill>
+                  <a:schemeClr val="tx1">
+                    <a:tint val="75000"/>
+                  </a:schemeClr>
+                </a:solidFill>
+              </a:defRPr>
             </a:lvl6pPr>
             <a:lvl7pPr marL="2743200" indent="0">
               <a:buNone/>
-              <a:defRPr sz="1000"/>
+              <a:defRPr sz="1400">
+                <a:solidFill>
+                  <a:schemeClr val="tx1">
+                    <a:tint val="75000"/>
+                  </a:schemeClr>
+                </a:solidFill>
+              </a:defRPr>
             </a:lvl7pPr>
             <a:lvl8pPr marL="3200400" indent="0">
               <a:buNone/>
-              <a:defRPr sz="1000"/>
+              <a:defRPr sz="1400">
+                <a:solidFill>
+                  <a:schemeClr val="tx1">
+                    <a:tint val="75000"/>
+                  </a:schemeClr>
+                </a:solidFill>
+              </a:defRPr>
             </a:lvl8pPr>
             <a:lvl9pPr marL="3657600" indent="0">
               <a:buNone/>
-              <a:defRPr sz="1000"/>
+              <a:defRPr sz="1400">
+                <a:solidFill>
+                  <a:schemeClr val="tx1">
+                    <a:tint val="75000"/>
+                  </a:schemeClr>
+                </a:solidFill>
+              </a:defRPr>
             </a:lvl9pPr>
           </a:lstStyle>
           <a:p>
@@ -1467,7 +1939,7 @@
       </p:sp>
       <p:sp>
         <p:nvSpPr>
-          <p:cNvPr id="5" name="Date Placeholder 4"/>
+          <p:cNvPr id="4" name="Date Placeholder 3"/>
           <p:cNvSpPr>
             <a:spLocks noGrp="1"/>
           </p:cNvSpPr>
@@ -1482,7 +1954,7 @@
           <a:p>
             <a:fld id="{B6990C25-D7B9-40D8-BEBB-4A9D5AC8BFDB}" type="datetimeFigureOut">
               <a:rPr lang="en-US" smtClean="0"/>
-              <a:t>5/10/2021</a:t>
+              <a:t>5/17/2021</a:t>
             </a:fld>
             <a:endParaRPr lang="en-US"/>
           </a:p>
@@ -1490,7 +1962,7 @@
       </p:sp>
       <p:sp>
         <p:nvSpPr>
-          <p:cNvPr id="6" name="Footer Placeholder 5"/>
+          <p:cNvPr id="5" name="Footer Placeholder 4"/>
           <p:cNvSpPr>
             <a:spLocks noGrp="1"/>
           </p:cNvSpPr>
@@ -1509,7 +1981,7 @@
       </p:sp>
       <p:sp>
         <p:nvSpPr>
-          <p:cNvPr id="7" name="Slide Number Placeholder 6"/>
+          <p:cNvPr id="6" name="Slide Number Placeholder 5"/>
           <p:cNvSpPr>
             <a:spLocks noGrp="1"/>
           </p:cNvSpPr>
@@ -1533,22 +2005,19 @@
     </p:spTree>
     <p:extLst>
       <p:ext uri="{BB962C8B-B14F-4D97-AF65-F5344CB8AC3E}">
-        <p14:creationId xmlns:p14="http://schemas.microsoft.com/office/powerpoint/2010/main" val="1849988786"/>
+        <p14:creationId xmlns:p14="http://schemas.microsoft.com/office/powerpoint/2010/main" val="401863469"/>
       </p:ext>
     </p:extLst>
   </p:cSld>
   <p:clrMapOvr>
     <a:masterClrMapping/>
   </p:clrMapOvr>
-  <p:transition spd="slow">
-    <p:wipe/>
-  </p:transition>
 </p:sldLayout>
 </file>
 
 <file path=ppt/slideLayouts/slideLayout14.xml><?xml version="1.0" encoding="utf-8"?>
 <p:sldLayout xmlns:a="http://schemas.openxmlformats.org/drawingml/2006/main" xmlns:r="http://schemas.openxmlformats.org/officeDocument/2006/relationships" xmlns:p="http://schemas.openxmlformats.org/presentationml/2006/main" preserve="1">
-  <p:cSld name="3 Column">
+  <p:cSld name="Quote Name Card">
     <p:spTree>
       <p:nvGrpSpPr>
         <p:cNvPr id="1" name=""/>
@@ -1565,117 +2034,336 @@
       </p:grpSpPr>
       <p:sp>
         <p:nvSpPr>
-          <p:cNvPr id="15" name="Title 1"/>
-          <p:cNvSpPr>
-            <a:spLocks noGrp="1"/>
-          </p:cNvSpPr>
-          <p:nvPr>
-            <p:ph type="title"/>
-          </p:nvPr>
+          <p:cNvPr id="14" name="TextBox 13"/>
+          <p:cNvSpPr txBox="1"/>
+          <p:nvPr/>
         </p:nvSpPr>
         <p:spPr>
           <a:xfrm>
-            <a:off x="913795" y="609600"/>
-            <a:ext cx="10353762" cy="970450"/>
+            <a:off x="1598612" y="863023"/>
+            <a:ext cx="609600" cy="584776"/>
           </a:xfrm>
+          <a:prstGeom prst="rect">
+            <a:avLst/>
+          </a:prstGeom>
         </p:spPr>
         <p:txBody>
-          <a:bodyPr/>
-          <a:lstStyle/>
-          <a:p>
-            <a:r>
-              <a:rPr lang="en-US"/>
-              <a:t>Click to edit Master title style</a:t>
-            </a:r>
-            <a:endParaRPr lang="en-US" dirty="0"/>
-          </a:p>
-        </p:txBody>
-      </p:sp>
-      <p:sp>
-        <p:nvSpPr>
-          <p:cNvPr id="7" name="Text Placeholder 2"/>
-          <p:cNvSpPr>
-            <a:spLocks noGrp="1"/>
-          </p:cNvSpPr>
-          <p:nvPr>
-            <p:ph type="body" idx="1"/>
-          </p:nvPr>
-        </p:nvSpPr>
-        <p:spPr>
-          <a:xfrm>
-            <a:off x="913795" y="1885950"/>
-            <a:ext cx="3300984" cy="576262"/>
-          </a:xfrm>
-        </p:spPr>
-        <p:txBody>
-          <a:bodyPr anchor="b">
+          <a:bodyPr vert="horz" lIns="91440" tIns="45720" rIns="91440" bIns="45720" rtlCol="0" anchor="ctr">
             <a:noAutofit/>
           </a:bodyPr>
           <a:lstStyle>
-            <a:lvl1pPr marL="0" indent="0" algn="ctr">
-              <a:buNone/>
-              <a:defRPr sz="2400" b="0">
-                <a:solidFill>
-                  <a:schemeClr val="tx1"/>
-                </a:solidFill>
+            <a:lvl1pPr>
+              <a:spcBef>
+                <a:spcPct val="0"/>
+              </a:spcBef>
+              <a:buNone/>
+              <a:defRPr sz="3200" b="0" cap="all">
+                <a:ln w="3175" cmpd="sng">
+                  <a:noFill/>
+                </a:ln>
+                <a:effectLst>
+                  <a:glow rad="38100">
+                    <a:schemeClr val="bg1">
+                      <a:lumMod val="65000"/>
+                      <a:lumOff val="35000"/>
+                      <a:alpha val="40000"/>
+                    </a:schemeClr>
+                  </a:glow>
+                  <a:outerShdw blurRad="28575" dist="38100" dir="14040000" algn="tl" rotWithShape="0">
+                    <a:srgbClr val="000000">
+                      <a:alpha val="25000"/>
+                    </a:srgbClr>
+                  </a:outerShdw>
+                </a:effectLst>
               </a:defRPr>
             </a:lvl1pPr>
-            <a:lvl2pPr marL="457200" indent="0">
-              <a:buNone/>
-              <a:defRPr sz="2000" b="1"/>
+            <a:lvl2pPr>
+              <a:defRPr>
+                <a:solidFill>
+                  <a:schemeClr val="tx2"/>
+                </a:solidFill>
+              </a:defRPr>
             </a:lvl2pPr>
-            <a:lvl3pPr marL="914400" indent="0">
-              <a:buNone/>
-              <a:defRPr sz="1800" b="1"/>
+            <a:lvl3pPr>
+              <a:defRPr>
+                <a:solidFill>
+                  <a:schemeClr val="tx2"/>
+                </a:solidFill>
+              </a:defRPr>
             </a:lvl3pPr>
-            <a:lvl4pPr marL="1371600" indent="0">
-              <a:buNone/>
-              <a:defRPr sz="1600" b="1"/>
+            <a:lvl4pPr>
+              <a:defRPr>
+                <a:solidFill>
+                  <a:schemeClr val="tx2"/>
+                </a:solidFill>
+              </a:defRPr>
             </a:lvl4pPr>
-            <a:lvl5pPr marL="1828800" indent="0">
-              <a:buNone/>
-              <a:defRPr sz="1600" b="1"/>
+            <a:lvl5pPr>
+              <a:defRPr>
+                <a:solidFill>
+                  <a:schemeClr val="tx2"/>
+                </a:solidFill>
+              </a:defRPr>
             </a:lvl5pPr>
-            <a:lvl6pPr marL="2286000" indent="0">
-              <a:buNone/>
-              <a:defRPr sz="1600" b="1"/>
+            <a:lvl6pPr>
+              <a:defRPr>
+                <a:solidFill>
+                  <a:schemeClr val="tx2"/>
+                </a:solidFill>
+              </a:defRPr>
             </a:lvl6pPr>
-            <a:lvl7pPr marL="2743200" indent="0">
-              <a:buNone/>
-              <a:defRPr sz="1600" b="1"/>
+            <a:lvl7pPr>
+              <a:defRPr>
+                <a:solidFill>
+                  <a:schemeClr val="tx2"/>
+                </a:solidFill>
+              </a:defRPr>
             </a:lvl7pPr>
-            <a:lvl8pPr marL="3200400" indent="0">
-              <a:buNone/>
-              <a:defRPr sz="1600" b="1"/>
+            <a:lvl8pPr>
+              <a:defRPr>
+                <a:solidFill>
+                  <a:schemeClr val="tx2"/>
+                </a:solidFill>
+              </a:defRPr>
             </a:lvl8pPr>
-            <a:lvl9pPr marL="3657600" indent="0">
-              <a:buNone/>
-              <a:defRPr sz="1600" b="1"/>
+            <a:lvl9pPr>
+              <a:defRPr>
+                <a:solidFill>
+                  <a:schemeClr val="tx2"/>
+                </a:solidFill>
+              </a:defRPr>
             </a:lvl9pPr>
           </a:lstStyle>
           <a:p>
             <a:pPr lvl="0"/>
             <a:r>
-              <a:rPr lang="en-US"/>
-              <a:t>Click to edit Master text styles</a:t>
-            </a:r>
-          </a:p>
-        </p:txBody>
-      </p:sp>
-      <p:sp>
-        <p:nvSpPr>
-          <p:cNvPr id="8" name="Text Placeholder 3"/>
-          <p:cNvSpPr>
-            <a:spLocks noGrp="1"/>
-          </p:cNvSpPr>
-          <p:nvPr>
-            <p:ph type="body" sz="half" idx="15"/>
-          </p:nvPr>
+              <a:rPr lang="en-US" sz="8000" dirty="0">
+                <a:solidFill>
+                  <a:schemeClr val="tx1"/>
+                </a:solidFill>
+                <a:effectLst/>
+              </a:rPr>
+              <a:t>“</a:t>
+            </a:r>
+          </a:p>
+        </p:txBody>
+      </p:sp>
+      <p:sp>
+        <p:nvSpPr>
+          <p:cNvPr id="15" name="TextBox 14"/>
+          <p:cNvSpPr txBox="1"/>
+          <p:nvPr/>
         </p:nvSpPr>
         <p:spPr>
           <a:xfrm>
-            <a:off x="913795" y="2571750"/>
-            <a:ext cx="3300984" cy="3219450"/>
+            <a:off x="10893425" y="2819399"/>
+            <a:ext cx="609600" cy="584776"/>
+          </a:xfrm>
+          <a:prstGeom prst="rect">
+            <a:avLst/>
+          </a:prstGeom>
+        </p:spPr>
+        <p:txBody>
+          <a:bodyPr vert="horz" lIns="91440" tIns="45720" rIns="91440" bIns="45720" rtlCol="0" anchor="ctr">
+            <a:noAutofit/>
+          </a:bodyPr>
+          <a:lstStyle>
+            <a:lvl1pPr>
+              <a:spcBef>
+                <a:spcPct val="0"/>
+              </a:spcBef>
+              <a:buNone/>
+              <a:defRPr sz="3200" b="0" cap="all">
+                <a:ln w="3175" cmpd="sng">
+                  <a:noFill/>
+                </a:ln>
+                <a:effectLst>
+                  <a:glow rad="38100">
+                    <a:schemeClr val="bg1">
+                      <a:lumMod val="65000"/>
+                      <a:lumOff val="35000"/>
+                      <a:alpha val="40000"/>
+                    </a:schemeClr>
+                  </a:glow>
+                  <a:outerShdw blurRad="28575" dist="38100" dir="14040000" algn="tl" rotWithShape="0">
+                    <a:srgbClr val="000000">
+                      <a:alpha val="25000"/>
+                    </a:srgbClr>
+                  </a:outerShdw>
+                </a:effectLst>
+              </a:defRPr>
+            </a:lvl1pPr>
+            <a:lvl2pPr>
+              <a:defRPr>
+                <a:solidFill>
+                  <a:schemeClr val="tx2"/>
+                </a:solidFill>
+              </a:defRPr>
+            </a:lvl2pPr>
+            <a:lvl3pPr>
+              <a:defRPr>
+                <a:solidFill>
+                  <a:schemeClr val="tx2"/>
+                </a:solidFill>
+              </a:defRPr>
+            </a:lvl3pPr>
+            <a:lvl4pPr>
+              <a:defRPr>
+                <a:solidFill>
+                  <a:schemeClr val="tx2"/>
+                </a:solidFill>
+              </a:defRPr>
+            </a:lvl4pPr>
+            <a:lvl5pPr>
+              <a:defRPr>
+                <a:solidFill>
+                  <a:schemeClr val="tx2"/>
+                </a:solidFill>
+              </a:defRPr>
+            </a:lvl5pPr>
+            <a:lvl6pPr>
+              <a:defRPr>
+                <a:solidFill>
+                  <a:schemeClr val="tx2"/>
+                </a:solidFill>
+              </a:defRPr>
+            </a:lvl6pPr>
+            <a:lvl7pPr>
+              <a:defRPr>
+                <a:solidFill>
+                  <a:schemeClr val="tx2"/>
+                </a:solidFill>
+              </a:defRPr>
+            </a:lvl7pPr>
+            <a:lvl8pPr>
+              <a:defRPr>
+                <a:solidFill>
+                  <a:schemeClr val="tx2"/>
+                </a:solidFill>
+              </a:defRPr>
+            </a:lvl8pPr>
+            <a:lvl9pPr>
+              <a:defRPr>
+                <a:solidFill>
+                  <a:schemeClr val="tx2"/>
+                </a:solidFill>
+              </a:defRPr>
+            </a:lvl9pPr>
+          </a:lstStyle>
+          <a:p>
+            <a:pPr lvl="0" algn="r"/>
+            <a:r>
+              <a:rPr lang="en-US" sz="8000" dirty="0">
+                <a:solidFill>
+                  <a:schemeClr val="tx1"/>
+                </a:solidFill>
+                <a:effectLst/>
+              </a:rPr>
+              <a:t>”</a:t>
+            </a:r>
+          </a:p>
+        </p:txBody>
+      </p:sp>
+      <p:sp>
+        <p:nvSpPr>
+          <p:cNvPr id="2" name="Title 1"/>
+          <p:cNvSpPr>
+            <a:spLocks noGrp="1"/>
+          </p:cNvSpPr>
+          <p:nvPr>
+            <p:ph type="title"/>
+          </p:nvPr>
+        </p:nvSpPr>
+        <p:spPr>
+          <a:xfrm>
+            <a:off x="2208212" y="685800"/>
+            <a:ext cx="8990012" cy="2743199"/>
+          </a:xfrm>
+        </p:spPr>
+        <p:txBody>
+          <a:bodyPr anchor="ctr">
+            <a:normAutofit/>
+          </a:bodyPr>
+          <a:lstStyle>
+            <a:lvl1pPr algn="ctr">
+              <a:defRPr sz="3200" b="0" cap="none">
+                <a:solidFill>
+                  <a:schemeClr val="tx1"/>
+                </a:solidFill>
+              </a:defRPr>
+            </a:lvl1pPr>
+          </a:lstStyle>
+          <a:p>
+            <a:r>
+              <a:rPr lang="en-US"/>
+              <a:t>Click to edit Master title style</a:t>
+            </a:r>
+            <a:endParaRPr lang="en-US" dirty="0"/>
+          </a:p>
+        </p:txBody>
+      </p:sp>
+      <p:sp>
+        <p:nvSpPr>
+          <p:cNvPr id="10" name="Text Placeholder 9"/>
+          <p:cNvSpPr>
+            <a:spLocks noGrp="1"/>
+          </p:cNvSpPr>
+          <p:nvPr>
+            <p:ph type="body" sz="quarter" idx="13"/>
+          </p:nvPr>
+        </p:nvSpPr>
+        <p:spPr>
+          <a:xfrm>
+            <a:off x="1484313" y="3886200"/>
+            <a:ext cx="10018710" cy="889000"/>
+          </a:xfrm>
+        </p:spPr>
+        <p:txBody>
+          <a:bodyPr vert="horz" lIns="91440" tIns="45720" rIns="91440" bIns="45720" rtlCol="0" anchor="b">
+            <a:normAutofit/>
+          </a:bodyPr>
+          <a:lstStyle>
+            <a:lvl1pPr algn="r">
+              <a:buNone/>
+              <a:defRPr lang="en-US" sz="2400" b="0" cap="none" dirty="0">
+                <a:ln w="3175" cmpd="sng">
+                  <a:noFill/>
+                </a:ln>
+                <a:solidFill>
+                  <a:schemeClr val="tx1"/>
+                </a:solidFill>
+                <a:effectLst/>
+              </a:defRPr>
+            </a:lvl1pPr>
+          </a:lstStyle>
+          <a:p>
+            <a:pPr marL="0" lvl="0">
+              <a:spcBef>
+                <a:spcPct val="0"/>
+              </a:spcBef>
+              <a:buNone/>
+            </a:pPr>
+            <a:r>
+              <a:rPr lang="en-US"/>
+              <a:t>Click to edit Master text styles</a:t>
+            </a:r>
+          </a:p>
+        </p:txBody>
+      </p:sp>
+      <p:sp>
+        <p:nvSpPr>
+          <p:cNvPr id="3" name="Text Placeholder 2"/>
+          <p:cNvSpPr>
+            <a:spLocks noGrp="1"/>
+          </p:cNvSpPr>
+          <p:nvPr>
+            <p:ph type="body" idx="1"/>
+          </p:nvPr>
+        </p:nvSpPr>
+        <p:spPr>
+          <a:xfrm>
+            <a:off x="1484312" y="4775200"/>
+            <a:ext cx="10018710" cy="1016000"/>
           </a:xfrm>
         </p:spPr>
         <p:txBody>
@@ -1683,41 +2371,93 @@
             <a:normAutofit/>
           </a:bodyPr>
           <a:lstStyle>
-            <a:lvl1pPr marL="0" indent="0" algn="ctr">
-              <a:buNone/>
-              <a:defRPr sz="1400"/>
+            <a:lvl1pPr marL="0" indent="0" algn="r">
+              <a:buNone/>
+              <a:defRPr sz="1800">
+                <a:solidFill>
+                  <a:schemeClr val="tx1"/>
+                </a:solidFill>
+              </a:defRPr>
             </a:lvl1pPr>
             <a:lvl2pPr marL="457200" indent="0">
               <a:buNone/>
-              <a:defRPr sz="1200"/>
+              <a:defRPr sz="1800">
+                <a:solidFill>
+                  <a:schemeClr val="tx1">
+                    <a:tint val="75000"/>
+                  </a:schemeClr>
+                </a:solidFill>
+              </a:defRPr>
             </a:lvl2pPr>
             <a:lvl3pPr marL="914400" indent="0">
               <a:buNone/>
-              <a:defRPr sz="1000"/>
+              <a:defRPr sz="1600">
+                <a:solidFill>
+                  <a:schemeClr val="tx1">
+                    <a:tint val="75000"/>
+                  </a:schemeClr>
+                </a:solidFill>
+              </a:defRPr>
             </a:lvl3pPr>
             <a:lvl4pPr marL="1371600" indent="0">
               <a:buNone/>
-              <a:defRPr sz="900"/>
+              <a:defRPr sz="1400">
+                <a:solidFill>
+                  <a:schemeClr val="tx1">
+                    <a:tint val="75000"/>
+                  </a:schemeClr>
+                </a:solidFill>
+              </a:defRPr>
             </a:lvl4pPr>
             <a:lvl5pPr marL="1828800" indent="0">
               <a:buNone/>
-              <a:defRPr sz="900"/>
+              <a:defRPr sz="1400">
+                <a:solidFill>
+                  <a:schemeClr val="tx1">
+                    <a:tint val="75000"/>
+                  </a:schemeClr>
+                </a:solidFill>
+              </a:defRPr>
             </a:lvl5pPr>
             <a:lvl6pPr marL="2286000" indent="0">
               <a:buNone/>
-              <a:defRPr sz="900"/>
+              <a:defRPr sz="1400">
+                <a:solidFill>
+                  <a:schemeClr val="tx1">
+                    <a:tint val="75000"/>
+                  </a:schemeClr>
+                </a:solidFill>
+              </a:defRPr>
             </a:lvl6pPr>
             <a:lvl7pPr marL="2743200" indent="0">
               <a:buNone/>
-              <a:defRPr sz="900"/>
+              <a:defRPr sz="1400">
+                <a:solidFill>
+                  <a:schemeClr val="tx1">
+                    <a:tint val="75000"/>
+                  </a:schemeClr>
+                </a:solidFill>
+              </a:defRPr>
             </a:lvl7pPr>
             <a:lvl8pPr marL="3200400" indent="0">
               <a:buNone/>
-              <a:defRPr sz="900"/>
+              <a:defRPr sz="1400">
+                <a:solidFill>
+                  <a:schemeClr val="tx1">
+                    <a:tint val="75000"/>
+                  </a:schemeClr>
+                </a:solidFill>
+              </a:defRPr>
             </a:lvl8pPr>
             <a:lvl9pPr marL="3657600" indent="0">
               <a:buNone/>
-              <a:defRPr sz="900"/>
+              <a:defRPr sz="1400">
+                <a:solidFill>
+                  <a:schemeClr val="tx1">
+                    <a:tint val="75000"/>
+                  </a:schemeClr>
+                </a:solidFill>
+              </a:defRPr>
             </a:lvl9pPr>
           </a:lstStyle>
           <a:p>
@@ -1731,283 +2471,7 @@
       </p:sp>
       <p:sp>
         <p:nvSpPr>
-          <p:cNvPr id="9" name="Text Placeholder 4"/>
-          <p:cNvSpPr>
-            <a:spLocks noGrp="1"/>
-          </p:cNvSpPr>
-          <p:nvPr>
-            <p:ph type="body" sz="quarter" idx="3"/>
-          </p:nvPr>
-        </p:nvSpPr>
-        <p:spPr>
-          <a:xfrm>
-            <a:off x="4446711" y="1885950"/>
-            <a:ext cx="3300984" cy="576262"/>
-          </a:xfrm>
-        </p:spPr>
-        <p:txBody>
-          <a:bodyPr anchor="b">
-            <a:noAutofit/>
-          </a:bodyPr>
-          <a:lstStyle>
-            <a:lvl1pPr marL="0" indent="0" algn="ctr">
-              <a:buNone/>
-              <a:defRPr sz="2400" b="0">
-                <a:solidFill>
-                  <a:schemeClr val="tx1"/>
-                </a:solidFill>
-              </a:defRPr>
-            </a:lvl1pPr>
-            <a:lvl2pPr marL="457200" indent="0">
-              <a:buNone/>
-              <a:defRPr sz="2000" b="1"/>
-            </a:lvl2pPr>
-            <a:lvl3pPr marL="914400" indent="0">
-              <a:buNone/>
-              <a:defRPr sz="1800" b="1"/>
-            </a:lvl3pPr>
-            <a:lvl4pPr marL="1371600" indent="0">
-              <a:buNone/>
-              <a:defRPr sz="1600" b="1"/>
-            </a:lvl4pPr>
-            <a:lvl5pPr marL="1828800" indent="0">
-              <a:buNone/>
-              <a:defRPr sz="1600" b="1"/>
-            </a:lvl5pPr>
-            <a:lvl6pPr marL="2286000" indent="0">
-              <a:buNone/>
-              <a:defRPr sz="1600" b="1"/>
-            </a:lvl6pPr>
-            <a:lvl7pPr marL="2743200" indent="0">
-              <a:buNone/>
-              <a:defRPr sz="1600" b="1"/>
-            </a:lvl7pPr>
-            <a:lvl8pPr marL="3200400" indent="0">
-              <a:buNone/>
-              <a:defRPr sz="1600" b="1"/>
-            </a:lvl8pPr>
-            <a:lvl9pPr marL="3657600" indent="0">
-              <a:buNone/>
-              <a:defRPr sz="1600" b="1"/>
-            </a:lvl9pPr>
-          </a:lstStyle>
-          <a:p>
-            <a:pPr lvl="0"/>
-            <a:r>
-              <a:rPr lang="en-US"/>
-              <a:t>Click to edit Master text styles</a:t>
-            </a:r>
-          </a:p>
-        </p:txBody>
-      </p:sp>
-      <p:sp>
-        <p:nvSpPr>
-          <p:cNvPr id="10" name="Text Placeholder 3"/>
-          <p:cNvSpPr>
-            <a:spLocks noGrp="1"/>
-          </p:cNvSpPr>
-          <p:nvPr>
-            <p:ph type="body" sz="half" idx="16"/>
-          </p:nvPr>
-        </p:nvSpPr>
-        <p:spPr>
-          <a:xfrm>
-            <a:off x="4441435" y="2571750"/>
-            <a:ext cx="3300984" cy="3219450"/>
-          </a:xfrm>
-        </p:spPr>
-        <p:txBody>
-          <a:bodyPr anchor="t">
-            <a:normAutofit/>
-          </a:bodyPr>
-          <a:lstStyle>
-            <a:lvl1pPr marL="0" indent="0" algn="ctr">
-              <a:buNone/>
-              <a:defRPr sz="1400"/>
-            </a:lvl1pPr>
-            <a:lvl2pPr marL="457200" indent="0">
-              <a:buNone/>
-              <a:defRPr sz="1200"/>
-            </a:lvl2pPr>
-            <a:lvl3pPr marL="914400" indent="0">
-              <a:buNone/>
-              <a:defRPr sz="1000"/>
-            </a:lvl3pPr>
-            <a:lvl4pPr marL="1371600" indent="0">
-              <a:buNone/>
-              <a:defRPr sz="900"/>
-            </a:lvl4pPr>
-            <a:lvl5pPr marL="1828800" indent="0">
-              <a:buNone/>
-              <a:defRPr sz="900"/>
-            </a:lvl5pPr>
-            <a:lvl6pPr marL="2286000" indent="0">
-              <a:buNone/>
-              <a:defRPr sz="900"/>
-            </a:lvl6pPr>
-            <a:lvl7pPr marL="2743200" indent="0">
-              <a:buNone/>
-              <a:defRPr sz="900"/>
-            </a:lvl7pPr>
-            <a:lvl8pPr marL="3200400" indent="0">
-              <a:buNone/>
-              <a:defRPr sz="900"/>
-            </a:lvl8pPr>
-            <a:lvl9pPr marL="3657600" indent="0">
-              <a:buNone/>
-              <a:defRPr sz="900"/>
-            </a:lvl9pPr>
-          </a:lstStyle>
-          <a:p>
-            <a:pPr lvl="0"/>
-            <a:r>
-              <a:rPr lang="en-US"/>
-              <a:t>Click to edit Master text styles</a:t>
-            </a:r>
-          </a:p>
-        </p:txBody>
-      </p:sp>
-      <p:sp>
-        <p:nvSpPr>
-          <p:cNvPr id="11" name="Text Placeholder 4"/>
-          <p:cNvSpPr>
-            <a:spLocks noGrp="1"/>
-          </p:cNvSpPr>
-          <p:nvPr>
-            <p:ph type="body" sz="quarter" idx="13"/>
-          </p:nvPr>
-        </p:nvSpPr>
-        <p:spPr>
-          <a:xfrm>
-            <a:off x="7966572" y="1885950"/>
-            <a:ext cx="3300984" cy="576262"/>
-          </a:xfrm>
-        </p:spPr>
-        <p:txBody>
-          <a:bodyPr anchor="b">
-            <a:noAutofit/>
-          </a:bodyPr>
-          <a:lstStyle>
-            <a:lvl1pPr marL="0" indent="0" algn="ctr">
-              <a:buNone/>
-              <a:defRPr sz="2400" b="0">
-                <a:solidFill>
-                  <a:schemeClr val="tx1"/>
-                </a:solidFill>
-              </a:defRPr>
-            </a:lvl1pPr>
-            <a:lvl2pPr marL="457200" indent="0">
-              <a:buNone/>
-              <a:defRPr sz="2000" b="1"/>
-            </a:lvl2pPr>
-            <a:lvl3pPr marL="914400" indent="0">
-              <a:buNone/>
-              <a:defRPr sz="1800" b="1"/>
-            </a:lvl3pPr>
-            <a:lvl4pPr marL="1371600" indent="0">
-              <a:buNone/>
-              <a:defRPr sz="1600" b="1"/>
-            </a:lvl4pPr>
-            <a:lvl5pPr marL="1828800" indent="0">
-              <a:buNone/>
-              <a:defRPr sz="1600" b="1"/>
-            </a:lvl5pPr>
-            <a:lvl6pPr marL="2286000" indent="0">
-              <a:buNone/>
-              <a:defRPr sz="1600" b="1"/>
-            </a:lvl6pPr>
-            <a:lvl7pPr marL="2743200" indent="0">
-              <a:buNone/>
-              <a:defRPr sz="1600" b="1"/>
-            </a:lvl7pPr>
-            <a:lvl8pPr marL="3200400" indent="0">
-              <a:buNone/>
-              <a:defRPr sz="1600" b="1"/>
-            </a:lvl8pPr>
-            <a:lvl9pPr marL="3657600" indent="0">
-              <a:buNone/>
-              <a:defRPr sz="1600" b="1"/>
-            </a:lvl9pPr>
-          </a:lstStyle>
-          <a:p>
-            <a:pPr lvl="0"/>
-            <a:r>
-              <a:rPr lang="en-US"/>
-              <a:t>Click to edit Master text styles</a:t>
-            </a:r>
-          </a:p>
-        </p:txBody>
-      </p:sp>
-      <p:sp>
-        <p:nvSpPr>
-          <p:cNvPr id="12" name="Text Placeholder 3"/>
-          <p:cNvSpPr>
-            <a:spLocks noGrp="1"/>
-          </p:cNvSpPr>
-          <p:nvPr>
-            <p:ph type="body" sz="half" idx="17"/>
-          </p:nvPr>
-        </p:nvSpPr>
-        <p:spPr>
-          <a:xfrm>
-            <a:off x="7966572" y="2571750"/>
-            <a:ext cx="3300984" cy="3219450"/>
-          </a:xfrm>
-        </p:spPr>
-        <p:txBody>
-          <a:bodyPr anchor="t">
-            <a:normAutofit/>
-          </a:bodyPr>
-          <a:lstStyle>
-            <a:lvl1pPr marL="0" indent="0" algn="ctr">
-              <a:buNone/>
-              <a:defRPr sz="1400"/>
-            </a:lvl1pPr>
-            <a:lvl2pPr marL="457200" indent="0">
-              <a:buNone/>
-              <a:defRPr sz="1200"/>
-            </a:lvl2pPr>
-            <a:lvl3pPr marL="914400" indent="0">
-              <a:buNone/>
-              <a:defRPr sz="1000"/>
-            </a:lvl3pPr>
-            <a:lvl4pPr marL="1371600" indent="0">
-              <a:buNone/>
-              <a:defRPr sz="900"/>
-            </a:lvl4pPr>
-            <a:lvl5pPr marL="1828800" indent="0">
-              <a:buNone/>
-              <a:defRPr sz="900"/>
-            </a:lvl5pPr>
-            <a:lvl6pPr marL="2286000" indent="0">
-              <a:buNone/>
-              <a:defRPr sz="900"/>
-            </a:lvl6pPr>
-            <a:lvl7pPr marL="2743200" indent="0">
-              <a:buNone/>
-              <a:defRPr sz="900"/>
-            </a:lvl7pPr>
-            <a:lvl8pPr marL="3200400" indent="0">
-              <a:buNone/>
-              <a:defRPr sz="900"/>
-            </a:lvl8pPr>
-            <a:lvl9pPr marL="3657600" indent="0">
-              <a:buNone/>
-              <a:defRPr sz="900"/>
-            </a:lvl9pPr>
-          </a:lstStyle>
-          <a:p>
-            <a:pPr lvl="0"/>
-            <a:r>
-              <a:rPr lang="en-US"/>
-              <a:t>Click to edit Master text styles</a:t>
-            </a:r>
-          </a:p>
-        </p:txBody>
-      </p:sp>
-      <p:sp>
-        <p:nvSpPr>
-          <p:cNvPr id="3" name="Date Placeholder 2"/>
+          <p:cNvPr id="4" name="Date Placeholder 3"/>
           <p:cNvSpPr>
             <a:spLocks noGrp="1"/>
           </p:cNvSpPr>
@@ -2022,7 +2486,7 @@
           <a:p>
             <a:fld id="{B6990C25-D7B9-40D8-BEBB-4A9D5AC8BFDB}" type="datetimeFigureOut">
               <a:rPr lang="en-US" smtClean="0"/>
-              <a:t>5/10/2021</a:t>
+              <a:t>5/17/2021</a:t>
             </a:fld>
             <a:endParaRPr lang="en-US"/>
           </a:p>
@@ -2030,7 +2494,7 @@
       </p:sp>
       <p:sp>
         <p:nvSpPr>
-          <p:cNvPr id="4" name="Footer Placeholder 3"/>
+          <p:cNvPr id="5" name="Footer Placeholder 4"/>
           <p:cNvSpPr>
             <a:spLocks noGrp="1"/>
           </p:cNvSpPr>
@@ -2049,7 +2513,7 @@
       </p:sp>
       <p:sp>
         <p:nvSpPr>
-          <p:cNvPr id="5" name="Slide Number Placeholder 4"/>
+          <p:cNvPr id="6" name="Slide Number Placeholder 5"/>
           <p:cNvSpPr>
             <a:spLocks noGrp="1"/>
           </p:cNvSpPr>
@@ -2073,22 +2537,19 @@
     </p:spTree>
     <p:extLst>
       <p:ext uri="{BB962C8B-B14F-4D97-AF65-F5344CB8AC3E}">
-        <p14:creationId xmlns:p14="http://schemas.microsoft.com/office/powerpoint/2010/main" val="2908258645"/>
+        <p14:creationId xmlns:p14="http://schemas.microsoft.com/office/powerpoint/2010/main" val="471148444"/>
       </p:ext>
     </p:extLst>
   </p:cSld>
   <p:clrMapOvr>
     <a:masterClrMapping/>
   </p:clrMapOvr>
-  <p:transition spd="slow">
-    <p:wipe/>
-  </p:transition>
 </p:sldLayout>
 </file>
 
 <file path=ppt/slideLayouts/slideLayout15.xml><?xml version="1.0" encoding="utf-8"?>
 <p:sldLayout xmlns:a="http://schemas.openxmlformats.org/drawingml/2006/main" xmlns:r="http://schemas.openxmlformats.org/officeDocument/2006/relationships" xmlns:p="http://schemas.openxmlformats.org/presentationml/2006/main" preserve="1">
-  <p:cSld name="3 Picture Column">
+  <p:cSld name="True or False">
     <p:spTree>
       <p:nvGrpSpPr>
         <p:cNvPr id="1" name=""/>
@@ -2103,333 +2564,200 @@
           <a:chExt cx="0" cy="0"/>
         </a:xfrm>
       </p:grpSpPr>
-      <p:pic>
-        <p:nvPicPr>
-          <p:cNvPr id="2" name="Picture 1" descr="Slate-V2-HD-3colPhotoInset.png"/>
-          <p:cNvPicPr>
-            <a:picLocks noChangeAspect="1"/>
-          </p:cNvPicPr>
-          <p:nvPr/>
-        </p:nvPicPr>
-        <p:blipFill>
-          <a:blip r:embed="rId2">
-            <a:extLst>
-              <a:ext uri="{28A0092B-C50C-407E-A947-70E740481C1C}">
-                <a14:useLocalDpi xmlns:a14="http://schemas.microsoft.com/office/drawing/2010/main" val="0"/>
-              </a:ext>
-            </a:extLst>
-          </a:blip>
-          <a:stretch>
-            <a:fillRect/>
-          </a:stretch>
-        </p:blipFill>
+      <p:sp>
+        <p:nvSpPr>
+          <p:cNvPr id="2" name="Title 1"/>
+          <p:cNvSpPr>
+            <a:spLocks noGrp="1"/>
+          </p:cNvSpPr>
+          <p:nvPr>
+            <p:ph type="title"/>
+          </p:nvPr>
+        </p:nvSpPr>
         <p:spPr>
           <a:xfrm>
-            <a:off x="897962" y="1818214"/>
-            <a:ext cx="3339972" cy="1847851"/>
+            <a:off x="1484313" y="685800"/>
+            <a:ext cx="10018712" cy="2727325"/>
           </a:xfrm>
-          <a:prstGeom prst="rect">
-            <a:avLst/>
-          </a:prstGeom>
         </p:spPr>
-      </p:pic>
-      <p:pic>
-        <p:nvPicPr>
-          <p:cNvPr id="36" name="Picture 35" descr="Slate-V2-HD-3colPhotoInset.png"/>
-          <p:cNvPicPr>
-            <a:picLocks noChangeAspect="1"/>
-          </p:cNvPicPr>
-          <p:nvPr/>
-        </p:nvPicPr>
-        <p:blipFill>
-          <a:blip r:embed="rId2">
-            <a:extLst>
-              <a:ext uri="{28A0092B-C50C-407E-A947-70E740481C1C}">
-                <a14:useLocalDpi xmlns:a14="http://schemas.microsoft.com/office/drawing/2010/main" val="0"/>
-              </a:ext>
-            </a:extLst>
-          </a:blip>
-          <a:stretch>
-            <a:fillRect/>
-          </a:stretch>
-        </p:blipFill>
+        <p:txBody>
+          <a:bodyPr vert="horz" lIns="91440" tIns="45720" rIns="91440" bIns="45720" rtlCol="0" anchor="ctr">
+            <a:normAutofit/>
+          </a:bodyPr>
+          <a:lstStyle>
+            <a:lvl1pPr>
+              <a:defRPr lang="en-US" b="0" dirty="0"/>
+            </a:lvl1pPr>
+          </a:lstStyle>
+          <a:p>
+            <a:pPr marL="0" lvl="0"/>
+            <a:r>
+              <a:rPr lang="en-US"/>
+              <a:t>Click to edit Master title style</a:t>
+            </a:r>
+            <a:endParaRPr lang="en-US" dirty="0"/>
+          </a:p>
+        </p:txBody>
+      </p:sp>
+      <p:sp>
+        <p:nvSpPr>
+          <p:cNvPr id="10" name="Text Placeholder 9"/>
+          <p:cNvSpPr>
+            <a:spLocks noGrp="1"/>
+          </p:cNvSpPr>
+          <p:nvPr>
+            <p:ph type="body" sz="quarter" idx="13"/>
+          </p:nvPr>
+        </p:nvSpPr>
         <p:spPr>
           <a:xfrm>
-            <a:off x="4403800" y="1818214"/>
-            <a:ext cx="3339972" cy="1847851"/>
+            <a:off x="1484312" y="3505200"/>
+            <a:ext cx="10018713" cy="838200"/>
           </a:xfrm>
-          <a:prstGeom prst="rect">
-            <a:avLst/>
-          </a:prstGeom>
         </p:spPr>
-      </p:pic>
-      <p:pic>
-        <p:nvPicPr>
-          <p:cNvPr id="37" name="Picture 36" descr="Slate-V2-HD-3colPhotoInset.png"/>
-          <p:cNvPicPr>
-            <a:picLocks noChangeAspect="1"/>
-          </p:cNvPicPr>
-          <p:nvPr/>
-        </p:nvPicPr>
-        <p:blipFill>
-          <a:blip r:embed="rId2">
-            <a:extLst>
-              <a:ext uri="{28A0092B-C50C-407E-A947-70E740481C1C}">
-                <a14:useLocalDpi xmlns:a14="http://schemas.microsoft.com/office/drawing/2010/main" val="0"/>
-              </a:ext>
-            </a:extLst>
-          </a:blip>
-          <a:stretch>
-            <a:fillRect/>
-          </a:stretch>
-        </p:blipFill>
+        <p:txBody>
+          <a:bodyPr vert="horz" lIns="91440" tIns="45720" rIns="91440" bIns="45720" rtlCol="0" anchor="b">
+            <a:normAutofit/>
+          </a:bodyPr>
+          <a:lstStyle>
+            <a:lvl1pPr>
+              <a:buNone/>
+              <a:defRPr lang="en-US" sz="2800" b="0" cap="none" dirty="0">
+                <a:ln w="3175" cmpd="sng">
+                  <a:noFill/>
+                </a:ln>
+                <a:solidFill>
+                  <a:schemeClr val="tx1"/>
+                </a:solidFill>
+                <a:effectLst/>
+              </a:defRPr>
+            </a:lvl1pPr>
+          </a:lstStyle>
+          <a:p>
+            <a:pPr marL="0" lvl="0">
+              <a:spcBef>
+                <a:spcPct val="0"/>
+              </a:spcBef>
+              <a:buNone/>
+            </a:pPr>
+            <a:r>
+              <a:rPr lang="en-US"/>
+              <a:t>Click to edit Master text styles</a:t>
+            </a:r>
+          </a:p>
+        </p:txBody>
+      </p:sp>
+      <p:sp>
+        <p:nvSpPr>
+          <p:cNvPr id="3" name="Text Placeholder 2"/>
+          <p:cNvSpPr>
+            <a:spLocks noGrp="1"/>
+          </p:cNvSpPr>
+          <p:nvPr>
+            <p:ph type="body" idx="1"/>
+          </p:nvPr>
+        </p:nvSpPr>
         <p:spPr>
           <a:xfrm>
-            <a:off x="7936051" y="1818214"/>
-            <a:ext cx="3339972" cy="1847851"/>
+            <a:off x="1484311" y="4343400"/>
+            <a:ext cx="10018713" cy="1447800"/>
           </a:xfrm>
-          <a:prstGeom prst="rect">
-            <a:avLst/>
-          </a:prstGeom>
-        </p:spPr>
-      </p:pic>
-      <p:sp>
-        <p:nvSpPr>
-          <p:cNvPr id="30" name="Title 1"/>
-          <p:cNvSpPr>
-            <a:spLocks noGrp="1"/>
-          </p:cNvSpPr>
-          <p:nvPr>
-            <p:ph type="title"/>
-          </p:nvPr>
-        </p:nvSpPr>
-        <p:spPr>
-          <a:xfrm>
-            <a:off x="913794" y="609600"/>
-            <a:ext cx="10353763" cy="970450"/>
-          </a:xfrm>
-        </p:spPr>
-        <p:txBody>
-          <a:bodyPr/>
-          <a:lstStyle/>
-          <a:p>
-            <a:r>
-              <a:rPr lang="en-US"/>
-              <a:t>Click to edit Master title style</a:t>
-            </a:r>
-            <a:endParaRPr lang="en-US" dirty="0"/>
-          </a:p>
-        </p:txBody>
-      </p:sp>
-      <p:sp>
-        <p:nvSpPr>
-          <p:cNvPr id="19" name="Text Placeholder 2"/>
-          <p:cNvSpPr>
-            <a:spLocks noGrp="1"/>
-          </p:cNvSpPr>
-          <p:nvPr>
-            <p:ph type="body" idx="1"/>
-          </p:nvPr>
-        </p:nvSpPr>
-        <p:spPr>
-          <a:xfrm>
-            <a:off x="913795" y="3904106"/>
-            <a:ext cx="3300984" cy="576262"/>
-          </a:xfrm>
-        </p:spPr>
-        <p:txBody>
-          <a:bodyPr anchor="b">
-            <a:noAutofit/>
-          </a:bodyPr>
-          <a:lstStyle>
-            <a:lvl1pPr marL="0" indent="0" algn="ctr">
-              <a:buNone/>
-              <a:defRPr sz="2000" b="0">
-                <a:solidFill>
-                  <a:schemeClr val="tx1"/>
-                </a:solidFill>
-              </a:defRPr>
-            </a:lvl1pPr>
-            <a:lvl2pPr marL="457200" indent="0">
-              <a:buNone/>
-              <a:defRPr sz="2000" b="1"/>
-            </a:lvl2pPr>
-            <a:lvl3pPr marL="914400" indent="0">
-              <a:buNone/>
-              <a:defRPr sz="1800" b="1"/>
-            </a:lvl3pPr>
-            <a:lvl4pPr marL="1371600" indent="0">
-              <a:buNone/>
-              <a:defRPr sz="1600" b="1"/>
-            </a:lvl4pPr>
-            <a:lvl5pPr marL="1828800" indent="0">
-              <a:buNone/>
-              <a:defRPr sz="1600" b="1"/>
-            </a:lvl5pPr>
-            <a:lvl6pPr marL="2286000" indent="0">
-              <a:buNone/>
-              <a:defRPr sz="1600" b="1"/>
-            </a:lvl6pPr>
-            <a:lvl7pPr marL="2743200" indent="0">
-              <a:buNone/>
-              <a:defRPr sz="1600" b="1"/>
-            </a:lvl7pPr>
-            <a:lvl8pPr marL="3200400" indent="0">
-              <a:buNone/>
-              <a:defRPr sz="1600" b="1"/>
-            </a:lvl8pPr>
-            <a:lvl9pPr marL="3657600" indent="0">
-              <a:buNone/>
-              <a:defRPr sz="1600" b="1"/>
-            </a:lvl9pPr>
-          </a:lstStyle>
-          <a:p>
-            <a:pPr lvl="0"/>
-            <a:r>
-              <a:rPr lang="en-US"/>
-              <a:t>Click to edit Master text styles</a:t>
-            </a:r>
-          </a:p>
-        </p:txBody>
-      </p:sp>
-      <p:sp>
-        <p:nvSpPr>
-          <p:cNvPr id="20" name="Picture Placeholder 2"/>
-          <p:cNvSpPr>
-            <a:spLocks noGrp="1" noChangeAspect="1"/>
-          </p:cNvSpPr>
-          <p:nvPr>
-            <p:ph type="pic" idx="15"/>
-          </p:nvPr>
-        </p:nvSpPr>
-        <p:spPr>
-          <a:xfrm>
-            <a:off x="1018102" y="1938918"/>
-            <a:ext cx="3092368" cy="1602954"/>
-          </a:xfrm>
-          <a:prstGeom prst="roundRect">
-            <a:avLst>
-              <a:gd name="adj" fmla="val 1858"/>
-            </a:avLst>
-          </a:prstGeom>
-          <a:effectLst>
-            <a:outerShdw blurRad="38100" dist="25400" dir="4440000">
-              <a:srgbClr val="000000">
-                <a:alpha val="36000"/>
-              </a:srgbClr>
-            </a:outerShdw>
-          </a:effectLst>
         </p:spPr>
         <p:txBody>
           <a:bodyPr anchor="t">
             <a:normAutofit/>
           </a:bodyPr>
           <a:lstStyle>
-            <a:lvl1pPr marL="0" indent="0" algn="ctr">
-              <a:buNone/>
-              <a:defRPr sz="1600"/>
+            <a:lvl1pPr marL="0" indent="0" algn="l">
+              <a:buNone/>
+              <a:defRPr sz="1800">
+                <a:solidFill>
+                  <a:schemeClr val="tx1"/>
+                </a:solidFill>
+              </a:defRPr>
             </a:lvl1pPr>
             <a:lvl2pPr marL="457200" indent="0">
               <a:buNone/>
-              <a:defRPr sz="1600"/>
+              <a:defRPr sz="1800">
+                <a:solidFill>
+                  <a:schemeClr val="tx1">
+                    <a:tint val="75000"/>
+                  </a:schemeClr>
+                </a:solidFill>
+              </a:defRPr>
             </a:lvl2pPr>
             <a:lvl3pPr marL="914400" indent="0">
               <a:buNone/>
-              <a:defRPr sz="1600"/>
+              <a:defRPr sz="1600">
+                <a:solidFill>
+                  <a:schemeClr val="tx1">
+                    <a:tint val="75000"/>
+                  </a:schemeClr>
+                </a:solidFill>
+              </a:defRPr>
             </a:lvl3pPr>
             <a:lvl4pPr marL="1371600" indent="0">
               <a:buNone/>
-              <a:defRPr sz="1600"/>
+              <a:defRPr sz="1400">
+                <a:solidFill>
+                  <a:schemeClr val="tx1">
+                    <a:tint val="75000"/>
+                  </a:schemeClr>
+                </a:solidFill>
+              </a:defRPr>
             </a:lvl4pPr>
             <a:lvl5pPr marL="1828800" indent="0">
               <a:buNone/>
-              <a:defRPr sz="1600"/>
+              <a:defRPr sz="1400">
+                <a:solidFill>
+                  <a:schemeClr val="tx1">
+                    <a:tint val="75000"/>
+                  </a:schemeClr>
+                </a:solidFill>
+              </a:defRPr>
             </a:lvl5pPr>
             <a:lvl6pPr marL="2286000" indent="0">
               <a:buNone/>
-              <a:defRPr sz="1600"/>
+              <a:defRPr sz="1400">
+                <a:solidFill>
+                  <a:schemeClr val="tx1">
+                    <a:tint val="75000"/>
+                  </a:schemeClr>
+                </a:solidFill>
+              </a:defRPr>
             </a:lvl6pPr>
             <a:lvl7pPr marL="2743200" indent="0">
               <a:buNone/>
-              <a:defRPr sz="1600"/>
+              <a:defRPr sz="1400">
+                <a:solidFill>
+                  <a:schemeClr val="tx1">
+                    <a:tint val="75000"/>
+                  </a:schemeClr>
+                </a:solidFill>
+              </a:defRPr>
             </a:lvl7pPr>
             <a:lvl8pPr marL="3200400" indent="0">
               <a:buNone/>
-              <a:defRPr sz="1600"/>
+              <a:defRPr sz="1400">
+                <a:solidFill>
+                  <a:schemeClr val="tx1">
+                    <a:tint val="75000"/>
+                  </a:schemeClr>
+                </a:solidFill>
+              </a:defRPr>
             </a:lvl8pPr>
             <a:lvl9pPr marL="3657600" indent="0">
               <a:buNone/>
-              <a:defRPr sz="1600"/>
+              <a:defRPr sz="1400">
+                <a:solidFill>
+                  <a:schemeClr val="tx1">
+                    <a:tint val="75000"/>
+                  </a:schemeClr>
+                </a:solidFill>
+              </a:defRPr>
             </a:lvl9pPr>
           </a:lstStyle>
           <a:p>
-            <a:r>
-              <a:rPr lang="en-US"/>
-              <a:t>Click icon to add picture</a:t>
-            </a:r>
-            <a:endParaRPr lang="en-US" dirty="0"/>
-          </a:p>
-        </p:txBody>
-      </p:sp>
-      <p:sp>
-        <p:nvSpPr>
-          <p:cNvPr id="21" name="Text Placeholder 3"/>
-          <p:cNvSpPr>
-            <a:spLocks noGrp="1"/>
-          </p:cNvSpPr>
-          <p:nvPr>
-            <p:ph type="body" sz="half" idx="18"/>
-          </p:nvPr>
-        </p:nvSpPr>
-        <p:spPr>
-          <a:xfrm>
-            <a:off x="913795" y="4480368"/>
-            <a:ext cx="3300984" cy="1310833"/>
-          </a:xfrm>
-        </p:spPr>
-        <p:txBody>
-          <a:bodyPr anchor="t">
-            <a:normAutofit/>
-          </a:bodyPr>
-          <a:lstStyle>
-            <a:lvl1pPr marL="0" indent="0" algn="ctr">
-              <a:buNone/>
-              <a:defRPr sz="1400"/>
-            </a:lvl1pPr>
-            <a:lvl2pPr marL="457200" indent="0">
-              <a:buNone/>
-              <a:defRPr sz="1200"/>
-            </a:lvl2pPr>
-            <a:lvl3pPr marL="914400" indent="0">
-              <a:buNone/>
-              <a:defRPr sz="1000"/>
-            </a:lvl3pPr>
-            <a:lvl4pPr marL="1371600" indent="0">
-              <a:buNone/>
-              <a:defRPr sz="900"/>
-            </a:lvl4pPr>
-            <a:lvl5pPr marL="1828800" indent="0">
-              <a:buNone/>
-              <a:defRPr sz="900"/>
-            </a:lvl5pPr>
-            <a:lvl6pPr marL="2286000" indent="0">
-              <a:buNone/>
-              <a:defRPr sz="900"/>
-            </a:lvl6pPr>
-            <a:lvl7pPr marL="2743200" indent="0">
-              <a:buNone/>
-              <a:defRPr sz="900"/>
-            </a:lvl7pPr>
-            <a:lvl8pPr marL="3200400" indent="0">
-              <a:buNone/>
-              <a:defRPr sz="900"/>
-            </a:lvl8pPr>
-            <a:lvl9pPr marL="3657600" indent="0">
-              <a:buNone/>
-              <a:defRPr sz="900"/>
-            </a:lvl9pPr>
-          </a:lstStyle>
-          <a:p>
             <a:pPr lvl="0"/>
             <a:r>
               <a:rPr lang="en-US"/>
@@ -2440,441 +2768,7 @@
       </p:sp>
       <p:sp>
         <p:nvSpPr>
-          <p:cNvPr id="22" name="Text Placeholder 4"/>
-          <p:cNvSpPr>
-            <a:spLocks noGrp="1"/>
-          </p:cNvSpPr>
-          <p:nvPr>
-            <p:ph type="body" sz="quarter" idx="3"/>
-          </p:nvPr>
-        </p:nvSpPr>
-        <p:spPr>
-          <a:xfrm>
-            <a:off x="4442788" y="3904106"/>
-            <a:ext cx="3300984" cy="576262"/>
-          </a:xfrm>
-        </p:spPr>
-        <p:txBody>
-          <a:bodyPr anchor="b">
-            <a:noAutofit/>
-          </a:bodyPr>
-          <a:lstStyle>
-            <a:lvl1pPr marL="0" indent="0" algn="ctr">
-              <a:buNone/>
-              <a:defRPr sz="2000" b="0">
-                <a:solidFill>
-                  <a:schemeClr val="tx1"/>
-                </a:solidFill>
-              </a:defRPr>
-            </a:lvl1pPr>
-            <a:lvl2pPr marL="457200" indent="0">
-              <a:buNone/>
-              <a:defRPr sz="2000" b="1"/>
-            </a:lvl2pPr>
-            <a:lvl3pPr marL="914400" indent="0">
-              <a:buNone/>
-              <a:defRPr sz="1800" b="1"/>
-            </a:lvl3pPr>
-            <a:lvl4pPr marL="1371600" indent="0">
-              <a:buNone/>
-              <a:defRPr sz="1600" b="1"/>
-            </a:lvl4pPr>
-            <a:lvl5pPr marL="1828800" indent="0">
-              <a:buNone/>
-              <a:defRPr sz="1600" b="1"/>
-            </a:lvl5pPr>
-            <a:lvl6pPr marL="2286000" indent="0">
-              <a:buNone/>
-              <a:defRPr sz="1600" b="1"/>
-            </a:lvl6pPr>
-            <a:lvl7pPr marL="2743200" indent="0">
-              <a:buNone/>
-              <a:defRPr sz="1600" b="1"/>
-            </a:lvl7pPr>
-            <a:lvl8pPr marL="3200400" indent="0">
-              <a:buNone/>
-              <a:defRPr sz="1600" b="1"/>
-            </a:lvl8pPr>
-            <a:lvl9pPr marL="3657600" indent="0">
-              <a:buNone/>
-              <a:defRPr sz="1600" b="1"/>
-            </a:lvl9pPr>
-          </a:lstStyle>
-          <a:p>
-            <a:pPr lvl="0"/>
-            <a:r>
-              <a:rPr lang="en-US"/>
-              <a:t>Click to edit Master text styles</a:t>
-            </a:r>
-          </a:p>
-        </p:txBody>
-      </p:sp>
-      <p:sp>
-        <p:nvSpPr>
-          <p:cNvPr id="23" name="Picture Placeholder 2"/>
-          <p:cNvSpPr>
-            <a:spLocks noGrp="1" noChangeAspect="1"/>
-          </p:cNvSpPr>
-          <p:nvPr>
-            <p:ph type="pic" idx="21"/>
-          </p:nvPr>
-        </p:nvSpPr>
-        <p:spPr>
-          <a:xfrm>
-            <a:off x="4545743" y="1939094"/>
-            <a:ext cx="3092368" cy="1608164"/>
-          </a:xfrm>
-          <a:prstGeom prst="roundRect">
-            <a:avLst>
-              <a:gd name="adj" fmla="val 1858"/>
-            </a:avLst>
-          </a:prstGeom>
-          <a:effectLst>
-            <a:outerShdw blurRad="38100" dist="25400" dir="4440000">
-              <a:srgbClr val="000000">
-                <a:alpha val="36000"/>
-              </a:srgbClr>
-            </a:outerShdw>
-          </a:effectLst>
-        </p:spPr>
-        <p:txBody>
-          <a:bodyPr anchor="t">
-            <a:normAutofit/>
-          </a:bodyPr>
-          <a:lstStyle>
-            <a:lvl1pPr marL="0" indent="0" algn="ctr">
-              <a:buNone/>
-              <a:defRPr sz="1600"/>
-            </a:lvl1pPr>
-            <a:lvl2pPr marL="457200" indent="0">
-              <a:buNone/>
-              <a:defRPr sz="1600"/>
-            </a:lvl2pPr>
-            <a:lvl3pPr marL="914400" indent="0">
-              <a:buNone/>
-              <a:defRPr sz="1600"/>
-            </a:lvl3pPr>
-            <a:lvl4pPr marL="1371600" indent="0">
-              <a:buNone/>
-              <a:defRPr sz="1600"/>
-            </a:lvl4pPr>
-            <a:lvl5pPr marL="1828800" indent="0">
-              <a:buNone/>
-              <a:defRPr sz="1600"/>
-            </a:lvl5pPr>
-            <a:lvl6pPr marL="2286000" indent="0">
-              <a:buNone/>
-              <a:defRPr sz="1600"/>
-            </a:lvl6pPr>
-            <a:lvl7pPr marL="2743200" indent="0">
-              <a:buNone/>
-              <a:defRPr sz="1600"/>
-            </a:lvl7pPr>
-            <a:lvl8pPr marL="3200400" indent="0">
-              <a:buNone/>
-              <a:defRPr sz="1600"/>
-            </a:lvl8pPr>
-            <a:lvl9pPr marL="3657600" indent="0">
-              <a:buNone/>
-              <a:defRPr sz="1600"/>
-            </a:lvl9pPr>
-          </a:lstStyle>
-          <a:p>
-            <a:r>
-              <a:rPr lang="en-US"/>
-              <a:t>Click icon to add picture</a:t>
-            </a:r>
-            <a:endParaRPr lang="en-US" dirty="0"/>
-          </a:p>
-        </p:txBody>
-      </p:sp>
-      <p:sp>
-        <p:nvSpPr>
-          <p:cNvPr id="24" name="Text Placeholder 3"/>
-          <p:cNvSpPr>
-            <a:spLocks noGrp="1"/>
-          </p:cNvSpPr>
-          <p:nvPr>
-            <p:ph type="body" sz="half" idx="19"/>
-          </p:nvPr>
-        </p:nvSpPr>
-        <p:spPr>
-          <a:xfrm>
-            <a:off x="4441435" y="4480367"/>
-            <a:ext cx="3300984" cy="1310833"/>
-          </a:xfrm>
-        </p:spPr>
-        <p:txBody>
-          <a:bodyPr anchor="t">
-            <a:normAutofit/>
-          </a:bodyPr>
-          <a:lstStyle>
-            <a:lvl1pPr marL="0" indent="0" algn="ctr">
-              <a:buNone/>
-              <a:defRPr sz="1400"/>
-            </a:lvl1pPr>
-            <a:lvl2pPr marL="457200" indent="0">
-              <a:buNone/>
-              <a:defRPr sz="1200"/>
-            </a:lvl2pPr>
-            <a:lvl3pPr marL="914400" indent="0">
-              <a:buNone/>
-              <a:defRPr sz="1000"/>
-            </a:lvl3pPr>
-            <a:lvl4pPr marL="1371600" indent="0">
-              <a:buNone/>
-              <a:defRPr sz="900"/>
-            </a:lvl4pPr>
-            <a:lvl5pPr marL="1828800" indent="0">
-              <a:buNone/>
-              <a:defRPr sz="900"/>
-            </a:lvl5pPr>
-            <a:lvl6pPr marL="2286000" indent="0">
-              <a:buNone/>
-              <a:defRPr sz="900"/>
-            </a:lvl6pPr>
-            <a:lvl7pPr marL="2743200" indent="0">
-              <a:buNone/>
-              <a:defRPr sz="900"/>
-            </a:lvl7pPr>
-            <a:lvl8pPr marL="3200400" indent="0">
-              <a:buNone/>
-              <a:defRPr sz="900"/>
-            </a:lvl8pPr>
-            <a:lvl9pPr marL="3657600" indent="0">
-              <a:buNone/>
-              <a:defRPr sz="900"/>
-            </a:lvl9pPr>
-          </a:lstStyle>
-          <a:p>
-            <a:pPr lvl="0"/>
-            <a:r>
-              <a:rPr lang="en-US"/>
-              <a:t>Click to edit Master text styles</a:t>
-            </a:r>
-          </a:p>
-        </p:txBody>
-      </p:sp>
-      <p:sp>
-        <p:nvSpPr>
-          <p:cNvPr id="25" name="Text Placeholder 4"/>
-          <p:cNvSpPr>
-            <a:spLocks noGrp="1"/>
-          </p:cNvSpPr>
-          <p:nvPr>
-            <p:ph type="body" sz="quarter" idx="13"/>
-          </p:nvPr>
-        </p:nvSpPr>
-        <p:spPr>
-          <a:xfrm>
-            <a:off x="7966697" y="3904106"/>
-            <a:ext cx="3300984" cy="576262"/>
-          </a:xfrm>
-        </p:spPr>
-        <p:txBody>
-          <a:bodyPr anchor="b">
-            <a:noAutofit/>
-          </a:bodyPr>
-          <a:lstStyle>
-            <a:lvl1pPr marL="0" indent="0" algn="ctr">
-              <a:buNone/>
-              <a:defRPr sz="2000" b="0">
-                <a:solidFill>
-                  <a:schemeClr val="tx1"/>
-                </a:solidFill>
-              </a:defRPr>
-            </a:lvl1pPr>
-            <a:lvl2pPr marL="457200" indent="0">
-              <a:buNone/>
-              <a:defRPr sz="2000" b="1"/>
-            </a:lvl2pPr>
-            <a:lvl3pPr marL="914400" indent="0">
-              <a:buNone/>
-              <a:defRPr sz="1800" b="1"/>
-            </a:lvl3pPr>
-            <a:lvl4pPr marL="1371600" indent="0">
-              <a:buNone/>
-              <a:defRPr sz="1600" b="1"/>
-            </a:lvl4pPr>
-            <a:lvl5pPr marL="1828800" indent="0">
-              <a:buNone/>
-              <a:defRPr sz="1600" b="1"/>
-            </a:lvl5pPr>
-            <a:lvl6pPr marL="2286000" indent="0">
-              <a:buNone/>
-              <a:defRPr sz="1600" b="1"/>
-            </a:lvl6pPr>
-            <a:lvl7pPr marL="2743200" indent="0">
-              <a:buNone/>
-              <a:defRPr sz="1600" b="1"/>
-            </a:lvl7pPr>
-            <a:lvl8pPr marL="3200400" indent="0">
-              <a:buNone/>
-              <a:defRPr sz="1600" b="1"/>
-            </a:lvl8pPr>
-            <a:lvl9pPr marL="3657600" indent="0">
-              <a:buNone/>
-              <a:defRPr sz="1600" b="1"/>
-            </a:lvl9pPr>
-          </a:lstStyle>
-          <a:p>
-            <a:pPr lvl="0"/>
-            <a:r>
-              <a:rPr lang="en-US"/>
-              <a:t>Click to edit Master text styles</a:t>
-            </a:r>
-          </a:p>
-        </p:txBody>
-      </p:sp>
-      <p:sp>
-        <p:nvSpPr>
-          <p:cNvPr id="26" name="Picture Placeholder 2"/>
-          <p:cNvSpPr>
-            <a:spLocks noGrp="1" noChangeAspect="1"/>
-          </p:cNvSpPr>
-          <p:nvPr>
-            <p:ph type="pic" idx="22"/>
-          </p:nvPr>
-        </p:nvSpPr>
-        <p:spPr>
-          <a:xfrm>
-            <a:off x="8075698" y="1934432"/>
-            <a:ext cx="3092368" cy="1607294"/>
-          </a:xfrm>
-          <a:prstGeom prst="roundRect">
-            <a:avLst>
-              <a:gd name="adj" fmla="val 1858"/>
-            </a:avLst>
-          </a:prstGeom>
-          <a:effectLst>
-            <a:outerShdw blurRad="38100" dist="25400" dir="4440000">
-              <a:srgbClr val="000000">
-                <a:alpha val="36000"/>
-              </a:srgbClr>
-            </a:outerShdw>
-          </a:effectLst>
-        </p:spPr>
-        <p:txBody>
-          <a:bodyPr anchor="t">
-            <a:normAutofit/>
-          </a:bodyPr>
-          <a:lstStyle>
-            <a:lvl1pPr marL="0" indent="0" algn="ctr">
-              <a:buNone/>
-              <a:defRPr sz="1600"/>
-            </a:lvl1pPr>
-            <a:lvl2pPr marL="457200" indent="0">
-              <a:buNone/>
-              <a:defRPr sz="1600"/>
-            </a:lvl2pPr>
-            <a:lvl3pPr marL="914400" indent="0">
-              <a:buNone/>
-              <a:defRPr sz="1600"/>
-            </a:lvl3pPr>
-            <a:lvl4pPr marL="1371600" indent="0">
-              <a:buNone/>
-              <a:defRPr sz="1600"/>
-            </a:lvl4pPr>
-            <a:lvl5pPr marL="1828800" indent="0">
-              <a:buNone/>
-              <a:defRPr sz="1600"/>
-            </a:lvl5pPr>
-            <a:lvl6pPr marL="2286000" indent="0">
-              <a:buNone/>
-              <a:defRPr sz="1600"/>
-            </a:lvl6pPr>
-            <a:lvl7pPr marL="2743200" indent="0">
-              <a:buNone/>
-              <a:defRPr sz="1600"/>
-            </a:lvl7pPr>
-            <a:lvl8pPr marL="3200400" indent="0">
-              <a:buNone/>
-              <a:defRPr sz="1600"/>
-            </a:lvl8pPr>
-            <a:lvl9pPr marL="3657600" indent="0">
-              <a:buNone/>
-              <a:defRPr sz="1600"/>
-            </a:lvl9pPr>
-          </a:lstStyle>
-          <a:p>
-            <a:r>
-              <a:rPr lang="en-US"/>
-              <a:t>Click icon to add picture</a:t>
-            </a:r>
-            <a:endParaRPr lang="en-US" dirty="0"/>
-          </a:p>
-        </p:txBody>
-      </p:sp>
-      <p:sp>
-        <p:nvSpPr>
-          <p:cNvPr id="27" name="Text Placeholder 3"/>
-          <p:cNvSpPr>
-            <a:spLocks noGrp="1"/>
-          </p:cNvSpPr>
-          <p:nvPr>
-            <p:ph type="body" sz="half" idx="20"/>
-          </p:nvPr>
-        </p:nvSpPr>
-        <p:spPr>
-          <a:xfrm>
-            <a:off x="7966572" y="4480365"/>
-            <a:ext cx="3300984" cy="1310835"/>
-          </a:xfrm>
-        </p:spPr>
-        <p:txBody>
-          <a:bodyPr anchor="t">
-            <a:normAutofit/>
-          </a:bodyPr>
-          <a:lstStyle>
-            <a:lvl1pPr marL="0" indent="0" algn="ctr">
-              <a:buNone/>
-              <a:defRPr sz="1400"/>
-            </a:lvl1pPr>
-            <a:lvl2pPr marL="457200" indent="0">
-              <a:buNone/>
-              <a:defRPr sz="1200"/>
-            </a:lvl2pPr>
-            <a:lvl3pPr marL="914400" indent="0">
-              <a:buNone/>
-              <a:defRPr sz="1000"/>
-            </a:lvl3pPr>
-            <a:lvl4pPr marL="1371600" indent="0">
-              <a:buNone/>
-              <a:defRPr sz="900"/>
-            </a:lvl4pPr>
-            <a:lvl5pPr marL="1828800" indent="0">
-              <a:buNone/>
-              <a:defRPr sz="900"/>
-            </a:lvl5pPr>
-            <a:lvl6pPr marL="2286000" indent="0">
-              <a:buNone/>
-              <a:defRPr sz="900"/>
-            </a:lvl6pPr>
-            <a:lvl7pPr marL="2743200" indent="0">
-              <a:buNone/>
-              <a:defRPr sz="900"/>
-            </a:lvl7pPr>
-            <a:lvl8pPr marL="3200400" indent="0">
-              <a:buNone/>
-              <a:defRPr sz="900"/>
-            </a:lvl8pPr>
-            <a:lvl9pPr marL="3657600" indent="0">
-              <a:buNone/>
-              <a:defRPr sz="900"/>
-            </a:lvl9pPr>
-          </a:lstStyle>
-          <a:p>
-            <a:pPr lvl="0"/>
-            <a:r>
-              <a:rPr lang="en-US"/>
-              <a:t>Click to edit Master text styles</a:t>
-            </a:r>
-          </a:p>
-        </p:txBody>
-      </p:sp>
-      <p:sp>
-        <p:nvSpPr>
-          <p:cNvPr id="3" name="Date Placeholder 2"/>
+          <p:cNvPr id="4" name="Date Placeholder 3"/>
           <p:cNvSpPr>
             <a:spLocks noGrp="1"/>
           </p:cNvSpPr>
@@ -2889,7 +2783,7 @@
           <a:p>
             <a:fld id="{B6990C25-D7B9-40D8-BEBB-4A9D5AC8BFDB}" type="datetimeFigureOut">
               <a:rPr lang="en-US" smtClean="0"/>
-              <a:t>5/10/2021</a:t>
+              <a:t>5/17/2021</a:t>
             </a:fld>
             <a:endParaRPr lang="en-US"/>
           </a:p>
@@ -2897,7 +2791,7 @@
       </p:sp>
       <p:sp>
         <p:nvSpPr>
-          <p:cNvPr id="4" name="Footer Placeholder 3"/>
+          <p:cNvPr id="5" name="Footer Placeholder 4"/>
           <p:cNvSpPr>
             <a:spLocks noGrp="1"/>
           </p:cNvSpPr>
@@ -2916,7 +2810,7 @@
       </p:sp>
       <p:sp>
         <p:nvSpPr>
-          <p:cNvPr id="5" name="Slide Number Placeholder 4"/>
+          <p:cNvPr id="6" name="Slide Number Placeholder 5"/>
           <p:cNvSpPr>
             <a:spLocks noGrp="1"/>
           </p:cNvSpPr>
@@ -2940,16 +2834,13 @@
     </p:spTree>
     <p:extLst>
       <p:ext uri="{BB962C8B-B14F-4D97-AF65-F5344CB8AC3E}">
-        <p14:creationId xmlns:p14="http://schemas.microsoft.com/office/powerpoint/2010/main" val="2921809814"/>
+        <p14:creationId xmlns:p14="http://schemas.microsoft.com/office/powerpoint/2010/main" val="1609316246"/>
       </p:ext>
     </p:extLst>
   </p:cSld>
   <p:clrMapOvr>
     <a:masterClrMapping/>
   </p:clrMapOvr>
-  <p:transition spd="slow">
-    <p:wipe/>
-  </p:transition>
 </p:sldLayout>
 </file>
 
@@ -2983,7 +2874,11 @@
         <p:spPr/>
         <p:txBody>
           <a:bodyPr/>
-          <a:lstStyle/>
+          <a:lstStyle>
+            <a:lvl1pPr algn="ctr">
+              <a:defRPr/>
+            </a:lvl1pPr>
+          </a:lstStyle>
           <a:p>
             <a:r>
               <a:rPr lang="en-US"/>
@@ -3062,7 +2957,7 @@
           <a:p>
             <a:fld id="{B6990C25-D7B9-40D8-BEBB-4A9D5AC8BFDB}" type="datetimeFigureOut">
               <a:rPr lang="en-US" smtClean="0"/>
-              <a:t>5/10/2021</a:t>
+              <a:t>5/17/2021</a:t>
             </a:fld>
             <a:endParaRPr lang="en-US"/>
           </a:p>
@@ -3113,7 +3008,7 @@
     </p:spTree>
     <p:extLst>
       <p:ext uri="{BB962C8B-B14F-4D97-AF65-F5344CB8AC3E}">
-        <p14:creationId xmlns:p14="http://schemas.microsoft.com/office/powerpoint/2010/main" val="654729071"/>
+        <p14:creationId xmlns:p14="http://schemas.microsoft.com/office/powerpoint/2010/main" val="3495825447"/>
       </p:ext>
     </p:extLst>
   </p:cSld>
@@ -3155,17 +3050,13 @@
         </p:nvSpPr>
         <p:spPr>
           <a:xfrm>
-            <a:off x="8983068" y="609599"/>
-            <a:ext cx="2284487" cy="5181601"/>
+            <a:off x="9732655" y="685800"/>
+            <a:ext cx="1770369" cy="5105400"/>
           </a:xfrm>
         </p:spPr>
         <p:txBody>
           <a:bodyPr vert="eaVert"/>
-          <a:lstStyle>
-            <a:lvl1pPr algn="l">
-              <a:defRPr/>
-            </a:lvl1pPr>
-          </a:lstStyle>
+          <a:lstStyle/>
           <a:p>
             <a:r>
               <a:rPr lang="en-US"/>
@@ -3187,8 +3078,8 @@
         </p:nvSpPr>
         <p:spPr>
           <a:xfrm>
-            <a:off x="913796" y="609599"/>
-            <a:ext cx="7916872" cy="5181601"/>
+            <a:off x="1484312" y="685800"/>
+            <a:ext cx="8019742" cy="5105400"/>
           </a:xfrm>
         </p:spPr>
         <p:txBody>
@@ -3249,7 +3140,7 @@
           <a:p>
             <a:fld id="{B6990C25-D7B9-40D8-BEBB-4A9D5AC8BFDB}" type="datetimeFigureOut">
               <a:rPr lang="en-US" smtClean="0"/>
-              <a:t>5/10/2021</a:t>
+              <a:t>5/17/2021</a:t>
             </a:fld>
             <a:endParaRPr lang="en-US"/>
           </a:p>
@@ -3300,7 +3191,7 @@
     </p:spTree>
     <p:extLst>
       <p:ext uri="{BB962C8B-B14F-4D97-AF65-F5344CB8AC3E}">
-        <p14:creationId xmlns:p14="http://schemas.microsoft.com/office/powerpoint/2010/main" val="3635017316"/>
+        <p14:creationId xmlns:p14="http://schemas.microsoft.com/office/powerpoint/2010/main" val="232267348"/>
       </p:ext>
     </p:extLst>
   </p:cSld>
@@ -3365,54 +3256,77 @@
         </p:nvSpPr>
         <p:spPr/>
         <p:txBody>
+          <a:bodyPr anchor="ctr"/>
+          <a:lstStyle/>
+          <a:p>
+            <a:pPr lvl="0"/>
+            <a:r>
+              <a:rPr lang="en-US"/>
+              <a:t>Click to edit Master text styles</a:t>
+            </a:r>
+          </a:p>
+          <a:p>
+            <a:pPr lvl="1"/>
+            <a:r>
+              <a:rPr lang="en-US"/>
+              <a:t>Second level</a:t>
+            </a:r>
+          </a:p>
+          <a:p>
+            <a:pPr lvl="2"/>
+            <a:r>
+              <a:rPr lang="en-US"/>
+              <a:t>Third level</a:t>
+            </a:r>
+          </a:p>
+          <a:p>
+            <a:pPr lvl="3"/>
+            <a:r>
+              <a:rPr lang="en-US"/>
+              <a:t>Fourth level</a:t>
+            </a:r>
+          </a:p>
+          <a:p>
+            <a:pPr lvl="4"/>
+            <a:r>
+              <a:rPr lang="en-US"/>
+              <a:t>Fifth level</a:t>
+            </a:r>
+            <a:endParaRPr lang="en-US" dirty="0"/>
+          </a:p>
+        </p:txBody>
+      </p:sp>
+      <p:sp>
+        <p:nvSpPr>
+          <p:cNvPr id="4" name="Date Placeholder 3"/>
+          <p:cNvSpPr>
+            <a:spLocks noGrp="1"/>
+          </p:cNvSpPr>
+          <p:nvPr>
+            <p:ph type="dt" sz="half" idx="10"/>
+          </p:nvPr>
+        </p:nvSpPr>
+        <p:spPr/>
+        <p:txBody>
           <a:bodyPr/>
           <a:lstStyle/>
           <a:p>
-            <a:pPr lvl="0"/>
-            <a:r>
-              <a:rPr lang="en-US"/>
-              <a:t>Click to edit Master text styles</a:t>
-            </a:r>
-          </a:p>
-          <a:p>
-            <a:pPr lvl="1"/>
-            <a:r>
-              <a:rPr lang="en-US"/>
-              <a:t>Second level</a:t>
-            </a:r>
-          </a:p>
-          <a:p>
-            <a:pPr lvl="2"/>
-            <a:r>
-              <a:rPr lang="en-US"/>
-              <a:t>Third level</a:t>
-            </a:r>
-          </a:p>
-          <a:p>
-            <a:pPr lvl="3"/>
-            <a:r>
-              <a:rPr lang="en-US"/>
-              <a:t>Fourth level</a:t>
-            </a:r>
-          </a:p>
-          <a:p>
-            <a:pPr lvl="4"/>
-            <a:r>
-              <a:rPr lang="en-US"/>
-              <a:t>Fifth level</a:t>
-            </a:r>
-            <a:endParaRPr lang="en-US" dirty="0"/>
-          </a:p>
-        </p:txBody>
-      </p:sp>
-      <p:sp>
-        <p:nvSpPr>
-          <p:cNvPr id="4" name="Date Placeholder 3"/>
-          <p:cNvSpPr>
-            <a:spLocks noGrp="1"/>
-          </p:cNvSpPr>
-          <p:nvPr>
-            <p:ph type="dt" sz="half" idx="10"/>
+            <a:fld id="{B6990C25-D7B9-40D8-BEBB-4A9D5AC8BFDB}" type="datetimeFigureOut">
+              <a:rPr lang="en-US" smtClean="0"/>
+              <a:t>5/17/2021</a:t>
+            </a:fld>
+            <a:endParaRPr lang="en-US"/>
+          </a:p>
+        </p:txBody>
+      </p:sp>
+      <p:sp>
+        <p:nvSpPr>
+          <p:cNvPr id="5" name="Footer Placeholder 4"/>
+          <p:cNvSpPr>
+            <a:spLocks noGrp="1"/>
+          </p:cNvSpPr>
+          <p:nvPr>
+            <p:ph type="ftr" sz="quarter" idx="11"/>
           </p:nvPr>
         </p:nvSpPr>
         <p:spPr/>
@@ -3420,35 +3334,12 @@
           <a:bodyPr/>
           <a:lstStyle/>
           <a:p>
-            <a:fld id="{B6990C25-D7B9-40D8-BEBB-4A9D5AC8BFDB}" type="datetimeFigureOut">
-              <a:rPr lang="en-US" smtClean="0"/>
-              <a:t>5/10/2021</a:t>
-            </a:fld>
             <a:endParaRPr lang="en-US"/>
           </a:p>
         </p:txBody>
       </p:sp>
       <p:sp>
         <p:nvSpPr>
-          <p:cNvPr id="5" name="Footer Placeholder 4"/>
-          <p:cNvSpPr>
-            <a:spLocks noGrp="1"/>
-          </p:cNvSpPr>
-          <p:nvPr>
-            <p:ph type="ftr" sz="quarter" idx="11"/>
-          </p:nvPr>
-        </p:nvSpPr>
-        <p:spPr/>
-        <p:txBody>
-          <a:bodyPr/>
-          <a:lstStyle/>
-          <a:p>
-            <a:endParaRPr lang="en-US"/>
-          </a:p>
-        </p:txBody>
-      </p:sp>
-      <p:sp>
-        <p:nvSpPr>
           <p:cNvPr id="6" name="Slide Number Placeholder 5"/>
           <p:cNvSpPr>
             <a:spLocks noGrp="1"/>
@@ -3457,7 +3348,12 @@
             <p:ph type="sldNum" sz="quarter" idx="12"/>
           </p:nvPr>
         </p:nvSpPr>
-        <p:spPr/>
+        <p:spPr>
+          <a:xfrm>
+            <a:off x="10951856" y="5867131"/>
+            <a:ext cx="551167" cy="365125"/>
+          </a:xfrm>
+        </p:spPr>
         <p:txBody>
           <a:bodyPr/>
           <a:lstStyle/>
@@ -3473,7 +3369,7 @@
     </p:spTree>
     <p:extLst>
       <p:ext uri="{BB962C8B-B14F-4D97-AF65-F5344CB8AC3E}">
-        <p14:creationId xmlns:p14="http://schemas.microsoft.com/office/powerpoint/2010/main" val="1093895055"/>
+        <p14:creationId xmlns:p14="http://schemas.microsoft.com/office/powerpoint/2010/main" val="2866785752"/>
       </p:ext>
     </p:extLst>
   </p:cSld>
@@ -3515,14 +3411,14 @@
         </p:nvSpPr>
         <p:spPr>
           <a:xfrm>
-            <a:off x="1295401" y="1761067"/>
-            <a:ext cx="9590550" cy="1828813"/>
+            <a:off x="2572279" y="2666999"/>
+            <a:ext cx="8930747" cy="2110382"/>
           </a:xfrm>
         </p:spPr>
         <p:txBody>
           <a:bodyPr anchor="b"/>
           <a:lstStyle>
-            <a:lvl1pPr algn="ctr">
+            <a:lvl1pPr algn="r">
               <a:defRPr sz="4000" b="0" cap="none"/>
             </a:lvl1pPr>
           </a:lstStyle>
@@ -3547,14 +3443,16 @@
         </p:nvSpPr>
         <p:spPr>
           <a:xfrm>
-            <a:off x="1295401" y="3589879"/>
-            <a:ext cx="9590550" cy="1507054"/>
+            <a:off x="2572278" y="4777381"/>
+            <a:ext cx="8930748" cy="860400"/>
           </a:xfrm>
         </p:spPr>
         <p:txBody>
-          <a:bodyPr anchor="t"/>
+          <a:bodyPr anchor="t">
+            <a:normAutofit/>
+          </a:bodyPr>
           <a:lstStyle>
-            <a:lvl1pPr marL="0" indent="0" algn="ctr">
+            <a:lvl1pPr marL="0" indent="0" algn="r">
               <a:buNone/>
               <a:defRPr sz="2000">
                 <a:solidFill>
@@ -3669,7 +3567,7 @@
           <a:p>
             <a:fld id="{B6990C25-D7B9-40D8-BEBB-4A9D5AC8BFDB}" type="datetimeFigureOut">
               <a:rPr lang="en-US" smtClean="0"/>
-              <a:t>5/10/2021</a:t>
+              <a:t>5/17/2021</a:t>
             </a:fld>
             <a:endParaRPr lang="en-US"/>
           </a:p>
@@ -3720,7 +3618,7 @@
     </p:spTree>
     <p:extLst>
       <p:ext uri="{BB962C8B-B14F-4D97-AF65-F5344CB8AC3E}">
-        <p14:creationId xmlns:p14="http://schemas.microsoft.com/office/powerpoint/2010/main" val="4180608520"/>
+        <p14:creationId xmlns:p14="http://schemas.microsoft.com/office/powerpoint/2010/main" val="431694618"/>
       </p:ext>
     </p:extLst>
   </p:cSld>
@@ -3760,7 +3658,12 @@
             <p:ph type="title"/>
           </p:nvPr>
         </p:nvSpPr>
-        <p:spPr/>
+        <p:spPr>
+          <a:xfrm>
+            <a:off x="1484311" y="685800"/>
+            <a:ext cx="10018713" cy="1752599"/>
+          </a:xfrm>
+        </p:spPr>
         <p:txBody>
           <a:bodyPr/>
           <a:lstStyle/>
@@ -3785,15 +3688,43 @@
         </p:nvSpPr>
         <p:spPr>
           <a:xfrm>
-            <a:off x="913795" y="1732449"/>
-            <a:ext cx="5060497" cy="4058750"/>
+            <a:off x="1484312" y="2666999"/>
+            <a:ext cx="4895055" cy="3124201"/>
           </a:xfrm>
         </p:spPr>
         <p:txBody>
-          <a:bodyPr anchor="t">
+          <a:bodyPr>
             <a:normAutofit/>
           </a:bodyPr>
-          <a:lstStyle/>
+          <a:lstStyle>
+            <a:lvl1pPr>
+              <a:defRPr sz="1800"/>
+            </a:lvl1pPr>
+            <a:lvl2pPr>
+              <a:defRPr sz="1600"/>
+            </a:lvl2pPr>
+            <a:lvl3pPr>
+              <a:defRPr sz="1400"/>
+            </a:lvl3pPr>
+            <a:lvl4pPr>
+              <a:defRPr sz="1200"/>
+            </a:lvl4pPr>
+            <a:lvl5pPr>
+              <a:defRPr sz="1200"/>
+            </a:lvl5pPr>
+            <a:lvl6pPr>
+              <a:defRPr sz="1200"/>
+            </a:lvl6pPr>
+            <a:lvl7pPr>
+              <a:defRPr sz="1200"/>
+            </a:lvl7pPr>
+            <a:lvl8pPr>
+              <a:defRPr sz="1200"/>
+            </a:lvl8pPr>
+            <a:lvl9pPr>
+              <a:defRPr sz="1200"/>
+            </a:lvl9pPr>
+          </a:lstStyle>
           <a:p>
             <a:pPr lvl="0"/>
             <a:r>
@@ -3844,15 +3775,43 @@
         </p:nvSpPr>
         <p:spPr>
           <a:xfrm>
-            <a:off x="6202892" y="1732449"/>
-            <a:ext cx="5064665" cy="4058751"/>
+            <a:off x="6607967" y="2667000"/>
+            <a:ext cx="4895056" cy="3124200"/>
           </a:xfrm>
         </p:spPr>
         <p:txBody>
-          <a:bodyPr anchor="t">
+          <a:bodyPr>
             <a:normAutofit/>
           </a:bodyPr>
-          <a:lstStyle/>
+          <a:lstStyle>
+            <a:lvl1pPr>
+              <a:defRPr sz="1800"/>
+            </a:lvl1pPr>
+            <a:lvl2pPr>
+              <a:defRPr sz="1600"/>
+            </a:lvl2pPr>
+            <a:lvl3pPr>
+              <a:defRPr sz="1400"/>
+            </a:lvl3pPr>
+            <a:lvl4pPr>
+              <a:defRPr sz="1200"/>
+            </a:lvl4pPr>
+            <a:lvl5pPr>
+              <a:defRPr sz="1200"/>
+            </a:lvl5pPr>
+            <a:lvl6pPr>
+              <a:defRPr sz="1200"/>
+            </a:lvl6pPr>
+            <a:lvl7pPr>
+              <a:defRPr sz="1200"/>
+            </a:lvl7pPr>
+            <a:lvl8pPr>
+              <a:defRPr sz="1200"/>
+            </a:lvl8pPr>
+            <a:lvl9pPr>
+              <a:defRPr sz="1200"/>
+            </a:lvl9pPr>
+          </a:lstStyle>
           <a:p>
             <a:pPr lvl="0"/>
             <a:r>
@@ -3908,7 +3867,7 @@
           <a:p>
             <a:fld id="{B6990C25-D7B9-40D8-BEBB-4A9D5AC8BFDB}" type="datetimeFigureOut">
               <a:rPr lang="en-US" smtClean="0"/>
-              <a:t>5/10/2021</a:t>
+              <a:t>5/17/2021</a:t>
             </a:fld>
             <a:endParaRPr lang="en-US"/>
           </a:p>
@@ -3959,7 +3918,7 @@
     </p:spTree>
     <p:extLst>
       <p:ext uri="{BB962C8B-B14F-4D97-AF65-F5344CB8AC3E}">
-        <p14:creationId xmlns:p14="http://schemas.microsoft.com/office/powerpoint/2010/main" val="1764579869"/>
+        <p14:creationId xmlns:p14="http://schemas.microsoft.com/office/powerpoint/2010/main" val="3604290204"/>
       </p:ext>
     </p:extLst>
   </p:cSld>
@@ -3989,66 +3948,6 @@
           <a:chExt cx="0" cy="0"/>
         </a:xfrm>
       </p:grpSpPr>
-      <p:pic>
-        <p:nvPicPr>
-          <p:cNvPr id="20" name="Picture 19" descr="Slate-V2-HD-compPhotoInset.png"/>
-          <p:cNvPicPr>
-            <a:picLocks noChangeAspect="1"/>
-          </p:cNvPicPr>
-          <p:nvPr/>
-        </p:nvPicPr>
-        <p:blipFill>
-          <a:blip r:embed="rId2">
-            <a:extLst>
-              <a:ext uri="{28A0092B-C50C-407E-A947-70E740481C1C}">
-                <a14:useLocalDpi xmlns:a14="http://schemas.microsoft.com/office/drawing/2010/main" val="0"/>
-              </a:ext>
-            </a:extLst>
-          </a:blip>
-          <a:stretch>
-            <a:fillRect/>
-          </a:stretch>
-        </p:blipFill>
-        <p:spPr>
-          <a:xfrm>
-            <a:off x="913795" y="1734506"/>
-            <a:ext cx="5089072" cy="4148769"/>
-          </a:xfrm>
-          <a:prstGeom prst="rect">
-            <a:avLst/>
-          </a:prstGeom>
-        </p:spPr>
-      </p:pic>
-      <p:pic>
-        <p:nvPicPr>
-          <p:cNvPr id="21" name="Picture 20" descr="Slate-V2-HD-compPhotoInset.png"/>
-          <p:cNvPicPr>
-            <a:picLocks noChangeAspect="1"/>
-          </p:cNvPicPr>
-          <p:nvPr/>
-        </p:nvPicPr>
-        <p:blipFill>
-          <a:blip r:embed="rId2">
-            <a:extLst>
-              <a:ext uri="{28A0092B-C50C-407E-A947-70E740481C1C}">
-                <a14:useLocalDpi xmlns:a14="http://schemas.microsoft.com/office/drawing/2010/main" val="0"/>
-              </a:ext>
-            </a:extLst>
-          </a:blip>
-          <a:stretch>
-            <a:fillRect/>
-          </a:stretch>
-        </p:blipFill>
-        <p:spPr>
-          <a:xfrm>
-            <a:off x="6178485" y="1734506"/>
-            <a:ext cx="5089072" cy="4148769"/>
-          </a:xfrm>
-          <a:prstGeom prst="rect">
-            <a:avLst/>
-          </a:prstGeom>
-        </p:spPr>
-      </p:pic>
       <p:sp>
         <p:nvSpPr>
           <p:cNvPr id="2" name="Title 1"/>
@@ -4088,8 +3987,8 @@
         </p:nvSpPr>
         <p:spPr>
           <a:xfrm>
-            <a:off x="1005872" y="1835254"/>
-            <a:ext cx="4876344" cy="544884"/>
+            <a:off x="1772179" y="2658533"/>
+            <a:ext cx="4607188" cy="576262"/>
           </a:xfrm>
         </p:spPr>
         <p:txBody>
@@ -4097,9 +3996,15 @@
             <a:noAutofit/>
           </a:bodyPr>
           <a:lstStyle>
-            <a:lvl1pPr marL="0" indent="0" algn="ctr">
-              <a:buNone/>
-              <a:defRPr sz="2400" b="0"/>
+            <a:lvl1pPr marL="0" indent="0">
+              <a:buNone/>
+              <a:defRPr sz="2800" b="0">
+                <a:solidFill>
+                  <a:schemeClr val="accent1">
+                    <a:lumMod val="75000"/>
+                  </a:schemeClr>
+                </a:solidFill>
+              </a:defRPr>
             </a:lvl1pPr>
             <a:lvl2pPr marL="457200" indent="0">
               <a:buNone/>
@@ -4155,8 +4060,8 @@
         </p:nvSpPr>
         <p:spPr>
           <a:xfrm>
-            <a:off x="1005872" y="2380137"/>
-            <a:ext cx="4876344" cy="3411063"/>
+            <a:off x="1484311" y="3335337"/>
+            <a:ext cx="4895056" cy="2455862"/>
           </a:xfrm>
         </p:spPr>
         <p:txBody>
@@ -4179,6 +4084,18 @@
             <a:lvl5pPr>
               <a:defRPr sz="1200"/>
             </a:lvl5pPr>
+            <a:lvl6pPr>
+              <a:defRPr sz="1200"/>
+            </a:lvl6pPr>
+            <a:lvl7pPr>
+              <a:defRPr sz="1200"/>
+            </a:lvl7pPr>
+            <a:lvl8pPr>
+              <a:defRPr sz="1200"/>
+            </a:lvl8pPr>
+            <a:lvl9pPr>
+              <a:defRPr sz="1200"/>
+            </a:lvl9pPr>
           </a:lstStyle>
           <a:p>
             <a:pPr lvl="0"/>
@@ -4230,8 +4147,8 @@
         </p:nvSpPr>
         <p:spPr>
           <a:xfrm>
-            <a:off x="6294967" y="1835254"/>
-            <a:ext cx="4895330" cy="544883"/>
+            <a:off x="6880487" y="2667000"/>
+            <a:ext cx="4622537" cy="576262"/>
           </a:xfrm>
         </p:spPr>
         <p:txBody>
@@ -4239,9 +4156,15 @@
             <a:noAutofit/>
           </a:bodyPr>
           <a:lstStyle>
-            <a:lvl1pPr marL="0" indent="0" algn="ctr">
-              <a:buNone/>
-              <a:defRPr sz="2400" b="0"/>
+            <a:lvl1pPr marL="0" indent="0">
+              <a:buNone/>
+              <a:defRPr sz="2800" b="0">
+                <a:solidFill>
+                  <a:schemeClr val="accent1">
+                    <a:lumMod val="75000"/>
+                  </a:schemeClr>
+                </a:solidFill>
+              </a:defRPr>
             </a:lvl1pPr>
             <a:lvl2pPr marL="457200" indent="0">
               <a:buNone/>
@@ -4297,8 +4220,8 @@
         </p:nvSpPr>
         <p:spPr>
           <a:xfrm>
-            <a:off x="6294967" y="2380137"/>
-            <a:ext cx="4895330" cy="3411063"/>
+            <a:off x="6607967" y="3335337"/>
+            <a:ext cx="4895056" cy="2455862"/>
           </a:xfrm>
         </p:spPr>
         <p:txBody>
@@ -4321,6 +4244,18 @@
             <a:lvl5pPr>
               <a:defRPr sz="1200"/>
             </a:lvl5pPr>
+            <a:lvl6pPr>
+              <a:defRPr sz="1200"/>
+            </a:lvl6pPr>
+            <a:lvl7pPr>
+              <a:defRPr sz="1200"/>
+            </a:lvl7pPr>
+            <a:lvl8pPr>
+              <a:defRPr sz="1200"/>
+            </a:lvl8pPr>
+            <a:lvl9pPr>
+              <a:defRPr sz="1200"/>
+            </a:lvl9pPr>
           </a:lstStyle>
           <a:p>
             <a:pPr lvl="0"/>
@@ -4377,7 +4312,7 @@
           <a:p>
             <a:fld id="{B6990C25-D7B9-40D8-BEBB-4A9D5AC8BFDB}" type="datetimeFigureOut">
               <a:rPr lang="en-US" smtClean="0"/>
-              <a:t>5/10/2021</a:t>
+              <a:t>5/17/2021</a:t>
             </a:fld>
             <a:endParaRPr lang="en-US"/>
           </a:p>
@@ -4428,7 +4363,7 @@
     </p:spTree>
     <p:extLst>
       <p:ext uri="{BB962C8B-B14F-4D97-AF65-F5344CB8AC3E}">
-        <p14:creationId xmlns:p14="http://schemas.microsoft.com/office/powerpoint/2010/main" val="3713196554"/>
+        <p14:creationId xmlns:p14="http://schemas.microsoft.com/office/powerpoint/2010/main" val="1221591607"/>
       </p:ext>
     </p:extLst>
   </p:cSld>
@@ -4498,7 +4433,7 @@
           <a:p>
             <a:fld id="{B6990C25-D7B9-40D8-BEBB-4A9D5AC8BFDB}" type="datetimeFigureOut">
               <a:rPr lang="en-US" smtClean="0"/>
-              <a:t>5/10/2021</a:t>
+              <a:t>5/17/2021</a:t>
             </a:fld>
             <a:endParaRPr lang="en-US"/>
           </a:p>
@@ -4549,7 +4484,7 @@
     </p:spTree>
     <p:extLst>
       <p:ext uri="{BB962C8B-B14F-4D97-AF65-F5344CB8AC3E}">
-        <p14:creationId xmlns:p14="http://schemas.microsoft.com/office/powerpoint/2010/main" val="3568645086"/>
+        <p14:creationId xmlns:p14="http://schemas.microsoft.com/office/powerpoint/2010/main" val="253235697"/>
       </p:ext>
     </p:extLst>
   </p:cSld>
@@ -4596,7 +4531,7 @@
           <a:p>
             <a:fld id="{B6990C25-D7B9-40D8-BEBB-4A9D5AC8BFDB}" type="datetimeFigureOut">
               <a:rPr lang="en-US" smtClean="0"/>
-              <a:t>5/10/2021</a:t>
+              <a:t>5/17/2021</a:t>
             </a:fld>
             <a:endParaRPr lang="en-US"/>
           </a:p>
@@ -4647,7 +4582,7 @@
     </p:spTree>
     <p:extLst>
       <p:ext uri="{BB962C8B-B14F-4D97-AF65-F5344CB8AC3E}">
-        <p14:creationId xmlns:p14="http://schemas.microsoft.com/office/powerpoint/2010/main" val="2717565132"/>
+        <p14:creationId xmlns:p14="http://schemas.microsoft.com/office/powerpoint/2010/main" val="755807490"/>
       </p:ext>
     </p:extLst>
   </p:cSld>
@@ -4689,8 +4624,8 @@
         </p:nvSpPr>
         <p:spPr>
           <a:xfrm>
-            <a:off x="913795" y="609600"/>
-            <a:ext cx="3706889" cy="1821918"/>
+            <a:off x="1484312" y="1600200"/>
+            <a:ext cx="3549121" cy="1371600"/>
           </a:xfrm>
         </p:spPr>
         <p:txBody>
@@ -4723,15 +4658,43 @@
         </p:nvSpPr>
         <p:spPr>
           <a:xfrm>
-            <a:off x="4855633" y="609600"/>
-            <a:ext cx="6411924" cy="5181600"/>
+            <a:off x="5262033" y="685799"/>
+            <a:ext cx="6240990" cy="5105401"/>
           </a:xfrm>
         </p:spPr>
         <p:txBody>
-          <a:bodyPr>
+          <a:bodyPr anchor="ctr">
             <a:normAutofit/>
           </a:bodyPr>
-          <a:lstStyle/>
+          <a:lstStyle>
+            <a:lvl1pPr>
+              <a:defRPr sz="2000"/>
+            </a:lvl1pPr>
+            <a:lvl2pPr>
+              <a:defRPr sz="1800"/>
+            </a:lvl2pPr>
+            <a:lvl3pPr>
+              <a:defRPr sz="1600"/>
+            </a:lvl3pPr>
+            <a:lvl4pPr>
+              <a:defRPr sz="1400"/>
+            </a:lvl4pPr>
+            <a:lvl5pPr>
+              <a:defRPr sz="1400"/>
+            </a:lvl5pPr>
+            <a:lvl6pPr>
+              <a:defRPr sz="1400"/>
+            </a:lvl6pPr>
+            <a:lvl7pPr>
+              <a:defRPr sz="1400"/>
+            </a:lvl7pPr>
+            <a:lvl8pPr>
+              <a:defRPr sz="1400"/>
+            </a:lvl8pPr>
+            <a:lvl9pPr>
+              <a:defRPr sz="1400"/>
+            </a:lvl9pPr>
+          </a:lstStyle>
           <a:p>
             <a:pPr lvl="0"/>
             <a:r>
@@ -4782,12 +4745,12 @@
         </p:nvSpPr>
         <p:spPr>
           <a:xfrm>
-            <a:off x="913795" y="2431518"/>
-            <a:ext cx="3706889" cy="3359681"/>
+            <a:off x="1484312" y="2971800"/>
+            <a:ext cx="3549121" cy="1828800"/>
           </a:xfrm>
         </p:spPr>
         <p:txBody>
-          <a:bodyPr anchor="t">
+          <a:bodyPr>
             <a:normAutofit/>
           </a:bodyPr>
           <a:lstStyle>
@@ -4854,7 +4817,7 @@
           <a:p>
             <a:fld id="{B6990C25-D7B9-40D8-BEBB-4A9D5AC8BFDB}" type="datetimeFigureOut">
               <a:rPr lang="en-US" smtClean="0"/>
-              <a:t>5/10/2021</a:t>
+              <a:t>5/17/2021</a:t>
             </a:fld>
             <a:endParaRPr lang="en-US"/>
           </a:p>
@@ -4905,7 +4868,7 @@
     </p:spTree>
     <p:extLst>
       <p:ext uri="{BB962C8B-B14F-4D97-AF65-F5344CB8AC3E}">
-        <p14:creationId xmlns:p14="http://schemas.microsoft.com/office/powerpoint/2010/main" val="3140215217"/>
+        <p14:creationId xmlns:p14="http://schemas.microsoft.com/office/powerpoint/2010/main" val="2319678280"/>
       </p:ext>
     </p:extLst>
   </p:cSld>
@@ -4935,59 +4898,29 @@
           <a:chExt cx="0" cy="0"/>
         </a:xfrm>
       </p:grpSpPr>
-      <p:pic>
-        <p:nvPicPr>
-          <p:cNvPr id="22" name="Picture 21" descr="Slate-V2-HD-vertPhotoInset.png"/>
-          <p:cNvPicPr>
-            <a:picLocks noChangeAspect="1"/>
-          </p:cNvPicPr>
-          <p:nvPr/>
-        </p:nvPicPr>
-        <p:blipFill>
-          <a:blip r:embed="rId2">
-            <a:extLst>
-              <a:ext uri="{28A0092B-C50C-407E-A947-70E740481C1C}">
-                <a14:useLocalDpi xmlns:a14="http://schemas.microsoft.com/office/drawing/2010/main" val="0"/>
-              </a:ext>
-            </a:extLst>
-          </a:blip>
-          <a:stretch>
-            <a:fillRect/>
-          </a:stretch>
-        </p:blipFill>
+      <p:sp>
+        <p:nvSpPr>
+          <p:cNvPr id="2" name="Title 1"/>
+          <p:cNvSpPr>
+            <a:spLocks noGrp="1"/>
+          </p:cNvSpPr>
+          <p:nvPr>
+            <p:ph type="title"/>
+          </p:nvPr>
+        </p:nvSpPr>
         <p:spPr>
           <a:xfrm>
-            <a:off x="7293665" y="609600"/>
-            <a:ext cx="3584166" cy="5204832"/>
-          </a:xfrm>
-          <a:prstGeom prst="rect">
-            <a:avLst/>
-          </a:prstGeom>
-        </p:spPr>
-      </p:pic>
-      <p:sp>
-        <p:nvSpPr>
-          <p:cNvPr id="2" name="Title 1"/>
-          <p:cNvSpPr>
-            <a:spLocks noGrp="1"/>
-          </p:cNvSpPr>
-          <p:nvPr>
-            <p:ph type="title"/>
-          </p:nvPr>
-        </p:nvSpPr>
-        <p:spPr>
-          <a:xfrm>
-            <a:off x="913795" y="609923"/>
-            <a:ext cx="5934949" cy="1829338"/>
+            <a:off x="1482724" y="1752599"/>
+            <a:ext cx="5426158" cy="1371600"/>
           </a:xfrm>
         </p:spPr>
         <p:txBody>
           <a:bodyPr anchor="b">
-            <a:noAutofit/>
+            <a:normAutofit/>
           </a:bodyPr>
           <a:lstStyle>
             <a:lvl1pPr algn="ctr">
-              <a:defRPr sz="3200" b="0"/>
+              <a:defRPr sz="2800" b="0"/>
             </a:lvl1pPr>
           </a:lstStyle>
           <a:p>
@@ -5001,7 +4934,7 @@
       </p:sp>
       <p:sp>
         <p:nvSpPr>
-          <p:cNvPr id="3" name="Picture Placeholder 2"/>
+          <p:cNvPr id="14" name="Picture Placeholder 2"/>
           <p:cNvSpPr>
             <a:spLocks noGrp="1" noChangeAspect="1"/>
           </p:cNvSpPr>
@@ -5011,15 +4944,36 @@
         </p:nvSpPr>
         <p:spPr>
           <a:xfrm>
-            <a:off x="7442551" y="763702"/>
-            <a:ext cx="3275751" cy="4912822"/>
+            <a:off x="7594682" y="914400"/>
+            <a:ext cx="3280974" cy="4572000"/>
           </a:xfrm>
+          <a:prstGeom prst="roundRect">
+            <a:avLst>
+              <a:gd name="adj" fmla="val 4280"/>
+            </a:avLst>
+          </a:prstGeom>
+          <a:ln w="38100">
+            <a:gradFill flip="none" rotWithShape="1">
+              <a:gsLst>
+                <a:gs pos="0">
+                  <a:schemeClr val="bg2"/>
+                </a:gs>
+                <a:gs pos="100000">
+                  <a:schemeClr val="bg2">
+                    <a:lumMod val="75000"/>
+                  </a:schemeClr>
+                </a:gs>
+              </a:gsLst>
+              <a:lin ang="5400000" scaled="0"/>
+              <a:tileRect/>
+            </a:gradFill>
+          </a:ln>
           <a:effectLst>
-            <a:outerShdw blurRad="38100" dist="25400" dir="4440000">
+            <a:innerShdw blurRad="57150" dist="38100" dir="14460000">
               <a:srgbClr val="000000">
-                <a:alpha val="36000"/>
+                <a:alpha val="70000"/>
               </a:srgbClr>
-            </a:outerShdw>
+            </a:innerShdw>
           </a:effectLst>
         </p:spPr>
         <p:txBody>
@@ -5085,18 +5039,18 @@
         </p:nvSpPr>
         <p:spPr>
           <a:xfrm>
-            <a:off x="913795" y="2439261"/>
-            <a:ext cx="5934949" cy="3376134"/>
+            <a:off x="1482724" y="3124199"/>
+            <a:ext cx="5426158" cy="1828800"/>
           </a:xfrm>
         </p:spPr>
         <p:txBody>
-          <a:bodyPr anchor="t">
+          <a:bodyPr>
             <a:normAutofit/>
           </a:bodyPr>
           <a:lstStyle>
             <a:lvl1pPr marL="0" indent="0" algn="ctr">
               <a:buNone/>
-              <a:defRPr sz="1600"/>
+              <a:defRPr sz="1800"/>
             </a:lvl1pPr>
             <a:lvl2pPr marL="457200" indent="0">
               <a:buNone/>
@@ -5157,7 +5111,7 @@
           <a:p>
             <a:fld id="{B6990C25-D7B9-40D8-BEBB-4A9D5AC8BFDB}" type="datetimeFigureOut">
               <a:rPr lang="en-US" smtClean="0"/>
-              <a:t>5/10/2021</a:t>
+              <a:t>5/17/2021</a:t>
             </a:fld>
             <a:endParaRPr lang="en-US"/>
           </a:p>
@@ -5208,7 +5162,7 @@
     </p:spTree>
     <p:extLst>
       <p:ext uri="{BB962C8B-B14F-4D97-AF65-F5344CB8AC3E}">
-        <p14:creationId xmlns:p14="http://schemas.microsoft.com/office/powerpoint/2010/main" val="3733145057"/>
+        <p14:creationId xmlns:p14="http://schemas.microsoft.com/office/powerpoint/2010/main" val="2853474422"/>
       </p:ext>
     </p:extLst>
   </p:cSld>
@@ -5243,6 +5197,322 @@
           <a:chExt cx="0" cy="0"/>
         </a:xfrm>
       </p:grpSpPr>
+      <p:grpSp>
+        <p:nvGrpSpPr>
+          <p:cNvPr id="7" name="Group 6"/>
+          <p:cNvGrpSpPr/>
+          <p:nvPr/>
+        </p:nvGrpSpPr>
+        <p:grpSpPr>
+          <a:xfrm>
+            <a:off x="150812" y="0"/>
+            <a:ext cx="2436813" cy="6858001"/>
+            <a:chOff x="1320800" y="0"/>
+            <a:chExt cx="2436813" cy="6858001"/>
+          </a:xfrm>
+        </p:grpSpPr>
+        <p:sp>
+          <p:nvSpPr>
+            <p:cNvPr id="8" name="Freeform 6"/>
+            <p:cNvSpPr/>
+            <p:nvPr/>
+          </p:nvSpPr>
+          <p:spPr bwMode="auto">
+            <a:xfrm>
+              <a:off x="1627188" y="0"/>
+              <a:ext cx="1122363" cy="5329238"/>
+            </a:xfrm>
+            <a:custGeom>
+              <a:avLst/>
+              <a:gdLst/>
+              <a:ahLst/>
+              <a:cxnLst/>
+              <a:rect l="0" t="0" r="r" b="b"/>
+              <a:pathLst>
+                <a:path w="707" h="3357">
+                  <a:moveTo>
+                    <a:pt x="0" y="3330"/>
+                  </a:moveTo>
+                  <a:lnTo>
+                    <a:pt x="156" y="3357"/>
+                  </a:lnTo>
+                  <a:lnTo>
+                    <a:pt x="707" y="0"/>
+                  </a:lnTo>
+                  <a:lnTo>
+                    <a:pt x="547" y="0"/>
+                  </a:lnTo>
+                  <a:lnTo>
+                    <a:pt x="0" y="3330"/>
+                  </a:lnTo>
+                  <a:close/>
+                </a:path>
+              </a:pathLst>
+            </a:custGeom>
+            <a:solidFill>
+              <a:schemeClr val="accent1"/>
+            </a:solidFill>
+            <a:ln>
+              <a:noFill/>
+            </a:ln>
+          </p:spPr>
+        </p:sp>
+        <p:sp>
+          <p:nvSpPr>
+            <p:cNvPr id="9" name="Freeform 7"/>
+            <p:cNvSpPr/>
+            <p:nvPr/>
+          </p:nvSpPr>
+          <p:spPr bwMode="auto">
+            <a:xfrm>
+              <a:off x="1320800" y="0"/>
+              <a:ext cx="1117600" cy="5276850"/>
+            </a:xfrm>
+            <a:custGeom>
+              <a:avLst/>
+              <a:gdLst/>
+              <a:ahLst/>
+              <a:cxnLst/>
+              <a:rect l="0" t="0" r="r" b="b"/>
+              <a:pathLst>
+                <a:path w="704" h="3324">
+                  <a:moveTo>
+                    <a:pt x="704" y="0"/>
+                  </a:moveTo>
+                  <a:lnTo>
+                    <a:pt x="545" y="0"/>
+                  </a:lnTo>
+                  <a:lnTo>
+                    <a:pt x="0" y="3300"/>
+                  </a:lnTo>
+                  <a:lnTo>
+                    <a:pt x="157" y="3324"/>
+                  </a:lnTo>
+                  <a:lnTo>
+                    <a:pt x="704" y="0"/>
+                  </a:lnTo>
+                  <a:close/>
+                </a:path>
+              </a:pathLst>
+            </a:custGeom>
+            <a:solidFill>
+              <a:schemeClr val="tx1">
+                <a:lumMod val="65000"/>
+                <a:lumOff val="35000"/>
+              </a:schemeClr>
+            </a:solidFill>
+            <a:ln>
+              <a:noFill/>
+            </a:ln>
+          </p:spPr>
+        </p:sp>
+        <p:sp>
+          <p:nvSpPr>
+            <p:cNvPr id="10" name="Freeform 8"/>
+            <p:cNvSpPr/>
+            <p:nvPr/>
+          </p:nvSpPr>
+          <p:spPr bwMode="auto">
+            <a:xfrm>
+              <a:off x="1320800" y="5238750"/>
+              <a:ext cx="1228725" cy="1619250"/>
+            </a:xfrm>
+            <a:custGeom>
+              <a:avLst/>
+              <a:gdLst/>
+              <a:ahLst/>
+              <a:cxnLst/>
+              <a:rect l="0" t="0" r="r" b="b"/>
+              <a:pathLst>
+                <a:path w="774" h="1020">
+                  <a:moveTo>
+                    <a:pt x="0" y="0"/>
+                  </a:moveTo>
+                  <a:lnTo>
+                    <a:pt x="740" y="1020"/>
+                  </a:lnTo>
+                  <a:lnTo>
+                    <a:pt x="774" y="1020"/>
+                  </a:lnTo>
+                  <a:lnTo>
+                    <a:pt x="0" y="0"/>
+                  </a:lnTo>
+                  <a:close/>
+                </a:path>
+              </a:pathLst>
+            </a:custGeom>
+            <a:solidFill>
+              <a:schemeClr val="tx1">
+                <a:lumMod val="85000"/>
+                <a:lumOff val="15000"/>
+              </a:schemeClr>
+            </a:solidFill>
+            <a:ln>
+              <a:noFill/>
+            </a:ln>
+          </p:spPr>
+        </p:sp>
+        <p:sp>
+          <p:nvSpPr>
+            <p:cNvPr id="11" name="Freeform 9"/>
+            <p:cNvSpPr/>
+            <p:nvPr/>
+          </p:nvSpPr>
+          <p:spPr bwMode="auto">
+            <a:xfrm>
+              <a:off x="1627188" y="5291138"/>
+              <a:ext cx="1495425" cy="1566863"/>
+            </a:xfrm>
+            <a:custGeom>
+              <a:avLst/>
+              <a:gdLst/>
+              <a:ahLst/>
+              <a:cxnLst/>
+              <a:rect l="0" t="0" r="r" b="b"/>
+              <a:pathLst>
+                <a:path w="942" h="987">
+                  <a:moveTo>
+                    <a:pt x="0" y="0"/>
+                  </a:moveTo>
+                  <a:lnTo>
+                    <a:pt x="909" y="987"/>
+                  </a:lnTo>
+                  <a:lnTo>
+                    <a:pt x="942" y="987"/>
+                  </a:lnTo>
+                  <a:lnTo>
+                    <a:pt x="0" y="0"/>
+                  </a:lnTo>
+                  <a:close/>
+                </a:path>
+              </a:pathLst>
+            </a:custGeom>
+            <a:solidFill>
+              <a:schemeClr val="accent1">
+                <a:lumMod val="50000"/>
+              </a:schemeClr>
+            </a:solidFill>
+            <a:ln>
+              <a:noFill/>
+            </a:ln>
+          </p:spPr>
+        </p:sp>
+        <p:sp>
+          <p:nvSpPr>
+            <p:cNvPr id="12" name="Freeform 10"/>
+            <p:cNvSpPr/>
+            <p:nvPr/>
+          </p:nvSpPr>
+          <p:spPr bwMode="auto">
+            <a:xfrm>
+              <a:off x="1627188" y="5286375"/>
+              <a:ext cx="2130425" cy="1571625"/>
+            </a:xfrm>
+            <a:custGeom>
+              <a:avLst/>
+              <a:gdLst/>
+              <a:ahLst/>
+              <a:cxnLst/>
+              <a:rect l="0" t="0" r="r" b="b"/>
+              <a:pathLst>
+                <a:path w="1342" h="990">
+                  <a:moveTo>
+                    <a:pt x="0" y="3"/>
+                  </a:moveTo>
+                  <a:lnTo>
+                    <a:pt x="942" y="990"/>
+                  </a:lnTo>
+                  <a:lnTo>
+                    <a:pt x="1342" y="990"/>
+                  </a:lnTo>
+                  <a:lnTo>
+                    <a:pt x="156" y="27"/>
+                  </a:lnTo>
+                  <a:lnTo>
+                    <a:pt x="0" y="0"/>
+                  </a:lnTo>
+                  <a:lnTo>
+                    <a:pt x="0" y="3"/>
+                  </a:lnTo>
+                  <a:close/>
+                </a:path>
+              </a:pathLst>
+            </a:custGeom>
+            <a:solidFill>
+              <a:schemeClr val="accent1">
+                <a:lumMod val="75000"/>
+              </a:schemeClr>
+            </a:solidFill>
+            <a:ln>
+              <a:noFill/>
+            </a:ln>
+          </p:spPr>
+        </p:sp>
+        <p:sp>
+          <p:nvSpPr>
+            <p:cNvPr id="13" name="Freeform 11"/>
+            <p:cNvSpPr/>
+            <p:nvPr/>
+          </p:nvSpPr>
+          <p:spPr bwMode="auto">
+            <a:xfrm>
+              <a:off x="1320800" y="5238750"/>
+              <a:ext cx="1695450" cy="1619250"/>
+            </a:xfrm>
+            <a:custGeom>
+              <a:avLst/>
+              <a:gdLst/>
+              <a:ahLst/>
+              <a:cxnLst/>
+              <a:rect l="0" t="0" r="r" b="b"/>
+              <a:pathLst>
+                <a:path w="1068" h="1020">
+                  <a:moveTo>
+                    <a:pt x="1068" y="1020"/>
+                  </a:moveTo>
+                  <a:lnTo>
+                    <a:pt x="184" y="60"/>
+                  </a:lnTo>
+                  <a:lnTo>
+                    <a:pt x="154" y="27"/>
+                  </a:lnTo>
+                  <a:lnTo>
+                    <a:pt x="157" y="27"/>
+                  </a:lnTo>
+                  <a:lnTo>
+                    <a:pt x="157" y="24"/>
+                  </a:lnTo>
+                  <a:lnTo>
+                    <a:pt x="154" y="24"/>
+                  </a:lnTo>
+                  <a:lnTo>
+                    <a:pt x="0" y="0"/>
+                  </a:lnTo>
+                  <a:lnTo>
+                    <a:pt x="0" y="0"/>
+                  </a:lnTo>
+                  <a:lnTo>
+                    <a:pt x="774" y="1020"/>
+                  </a:lnTo>
+                  <a:lnTo>
+                    <a:pt x="1068" y="1020"/>
+                  </a:lnTo>
+                  <a:close/>
+                </a:path>
+              </a:pathLst>
+            </a:custGeom>
+            <a:solidFill>
+              <a:schemeClr val="tx1">
+                <a:lumMod val="75000"/>
+                <a:lumOff val="25000"/>
+              </a:schemeClr>
+            </a:solidFill>
+            <a:ln>
+              <a:noFill/>
+            </a:ln>
+          </p:spPr>
+        </p:sp>
+      </p:grpSp>
       <p:sp>
         <p:nvSpPr>
           <p:cNvPr id="2" name="Title Placeholder 1"/>
@@ -5255,19 +5525,13 @@
         </p:nvSpPr>
         <p:spPr>
           <a:xfrm>
-            <a:off x="913795" y="609600"/>
-            <a:ext cx="10353762" cy="970450"/>
+            <a:off x="1484311" y="685800"/>
+            <a:ext cx="10018713" cy="1752599"/>
           </a:xfrm>
           <a:prstGeom prst="rect">
             <a:avLst/>
           </a:prstGeom>
-          <a:effectLst>
-            <a:outerShdw blurRad="25400" dir="17880000">
-              <a:srgbClr val="000000">
-                <a:alpha val="46000"/>
-              </a:srgbClr>
-            </a:outerShdw>
-          </a:effectLst>
+          <a:effectLst/>
         </p:spPr>
         <p:txBody>
           <a:bodyPr vert="horz" lIns="91440" tIns="45720" rIns="91440" bIns="45720" rtlCol="0" anchor="ctr">
@@ -5295,125 +5559,70 @@
         </p:nvSpPr>
         <p:spPr>
           <a:xfrm>
-            <a:off x="913795" y="1732449"/>
-            <a:ext cx="10353762" cy="4058751"/>
-          </a:xfrm>
-          <a:prstGeom prst="rect">
-            <a:avLst/>
-          </a:prstGeom>
-          <a:effectLst>
-            <a:outerShdw blurRad="25400" dir="17880000">
-              <a:srgbClr val="000000">
-                <a:alpha val="46000"/>
-              </a:srgbClr>
-            </a:outerShdw>
-          </a:effectLst>
-        </p:spPr>
-        <p:txBody>
-          <a:bodyPr vert="horz" lIns="91440" tIns="45720" rIns="91440" bIns="45720" rtlCol="0" anchor="t">
-            <a:normAutofit/>
-          </a:bodyPr>
-          <a:lstStyle/>
-          <a:p>
-            <a:pPr lvl="0"/>
-            <a:r>
-              <a:rPr lang="en-US"/>
-              <a:t>Click to edit Master text styles</a:t>
-            </a:r>
-          </a:p>
-          <a:p>
-            <a:pPr lvl="1"/>
-            <a:r>
-              <a:rPr lang="en-US"/>
-              <a:t>Second level</a:t>
-            </a:r>
-          </a:p>
-          <a:p>
-            <a:pPr lvl="2"/>
-            <a:r>
-              <a:rPr lang="en-US"/>
-              <a:t>Third level</a:t>
-            </a:r>
-          </a:p>
-          <a:p>
-            <a:pPr lvl="3"/>
-            <a:r>
-              <a:rPr lang="en-US"/>
-              <a:t>Fourth level</a:t>
-            </a:r>
-          </a:p>
-          <a:p>
-            <a:pPr lvl="4"/>
-            <a:r>
-              <a:rPr lang="en-US"/>
-              <a:t>Fifth level</a:t>
-            </a:r>
-            <a:endParaRPr lang="en-US" dirty="0"/>
-          </a:p>
-        </p:txBody>
-      </p:sp>
-      <p:sp>
-        <p:nvSpPr>
-          <p:cNvPr id="4" name="Date Placeholder 3"/>
-          <p:cNvSpPr>
-            <a:spLocks noGrp="1"/>
-          </p:cNvSpPr>
-          <p:nvPr>
-            <p:ph type="dt" sz="half" idx="2"/>
-          </p:nvPr>
-        </p:nvSpPr>
-        <p:spPr>
-          <a:xfrm>
-            <a:off x="7678736" y="5883275"/>
-            <a:ext cx="2743200" cy="365125"/>
+            <a:off x="1484310" y="2666999"/>
+            <a:ext cx="10018713" cy="3124201"/>
           </a:xfrm>
           <a:prstGeom prst="rect">
             <a:avLst/>
           </a:prstGeom>
         </p:spPr>
         <p:txBody>
-          <a:bodyPr vert="horz" lIns="91440" tIns="45720" rIns="91440" bIns="45720" rtlCol="0" anchor="ctr"/>
-          <a:lstStyle>
-            <a:lvl1pPr algn="r">
-              <a:defRPr sz="1000">
-                <a:solidFill>
-                  <a:schemeClr val="tx1">
-                    <a:lumMod val="95000"/>
-                  </a:schemeClr>
-                </a:solidFill>
-                <a:effectLst>
-                  <a:outerShdw blurRad="50800" dist="38100" dir="2700000" algn="tl" rotWithShape="0">
-                    <a:schemeClr val="bg1">
-                      <a:alpha val="43000"/>
-                    </a:schemeClr>
-                  </a:outerShdw>
-                </a:effectLst>
-              </a:defRPr>
-            </a:lvl1pPr>
-          </a:lstStyle>
-          <a:p>
-            <a:fld id="{B6990C25-D7B9-40D8-BEBB-4A9D5AC8BFDB}" type="datetimeFigureOut">
-              <a:rPr lang="en-US" smtClean="0"/>
-              <a:t>5/10/2021</a:t>
-            </a:fld>
-            <a:endParaRPr lang="en-US"/>
-          </a:p>
-        </p:txBody>
-      </p:sp>
-      <p:sp>
-        <p:nvSpPr>
-          <p:cNvPr id="5" name="Footer Placeholder 4"/>
-          <p:cNvSpPr>
-            <a:spLocks noGrp="1"/>
-          </p:cNvSpPr>
-          <p:nvPr>
-            <p:ph type="ftr" sz="quarter" idx="3"/>
+          <a:bodyPr vert="horz" lIns="91440" tIns="45720" rIns="91440" bIns="45720" rtlCol="0" anchor="ctr">
+            <a:normAutofit/>
+          </a:bodyPr>
+          <a:lstStyle/>
+          <a:p>
+            <a:pPr lvl="0"/>
+            <a:r>
+              <a:rPr lang="en-US"/>
+              <a:t>Click to edit Master text styles</a:t>
+            </a:r>
+          </a:p>
+          <a:p>
+            <a:pPr lvl="1"/>
+            <a:r>
+              <a:rPr lang="en-US"/>
+              <a:t>Second level</a:t>
+            </a:r>
+          </a:p>
+          <a:p>
+            <a:pPr lvl="2"/>
+            <a:r>
+              <a:rPr lang="en-US"/>
+              <a:t>Third level</a:t>
+            </a:r>
+          </a:p>
+          <a:p>
+            <a:pPr lvl="3"/>
+            <a:r>
+              <a:rPr lang="en-US"/>
+              <a:t>Fourth level</a:t>
+            </a:r>
+          </a:p>
+          <a:p>
+            <a:pPr lvl="4"/>
+            <a:r>
+              <a:rPr lang="en-US"/>
+              <a:t>Fifth level</a:t>
+            </a:r>
+            <a:endParaRPr lang="en-US" dirty="0"/>
+          </a:p>
+        </p:txBody>
+      </p:sp>
+      <p:sp>
+        <p:nvSpPr>
+          <p:cNvPr id="4" name="Date Placeholder 3"/>
+          <p:cNvSpPr>
+            <a:spLocks noGrp="1"/>
+          </p:cNvSpPr>
+          <p:nvPr>
+            <p:ph type="dt" sz="half" idx="2"/>
           </p:nvPr>
         </p:nvSpPr>
         <p:spPr>
           <a:xfrm>
-            <a:off x="913795" y="5883275"/>
-            <a:ext cx="6672865" cy="365125"/>
+            <a:off x="9732656" y="5883275"/>
+            <a:ext cx="1143000" cy="365125"/>
           </a:xfrm>
           <a:prstGeom prst="rect">
             <a:avLst/>
@@ -5422,42 +5631,39 @@
         <p:txBody>
           <a:bodyPr vert="horz" lIns="91440" tIns="45720" rIns="91440" bIns="45720" rtlCol="0" anchor="ctr"/>
           <a:lstStyle>
-            <a:lvl1pPr algn="l">
-              <a:defRPr sz="1000">
-                <a:solidFill>
-                  <a:schemeClr val="tx1">
-                    <a:lumMod val="95000"/>
-                  </a:schemeClr>
-                </a:solidFill>
-                <a:effectLst>
-                  <a:outerShdw blurRad="50800" dist="38100" dir="2700000" algn="tl" rotWithShape="0">
-                    <a:schemeClr val="bg1">
-                      <a:alpha val="43000"/>
-                    </a:schemeClr>
-                  </a:outerShdw>
-                </a:effectLst>
+            <a:lvl1pPr algn="r">
+              <a:defRPr sz="1000" b="0" i="0">
+                <a:solidFill>
+                  <a:schemeClr val="tx1"/>
+                </a:solidFill>
+                <a:effectLst/>
+                <a:latin typeface="+mn-lt"/>
               </a:defRPr>
             </a:lvl1pPr>
           </a:lstStyle>
           <a:p>
+            <a:fld id="{B6990C25-D7B9-40D8-BEBB-4A9D5AC8BFDB}" type="datetimeFigureOut">
+              <a:rPr lang="en-US" smtClean="0"/>
+              <a:t>5/17/2021</a:t>
+            </a:fld>
             <a:endParaRPr lang="en-US"/>
           </a:p>
         </p:txBody>
       </p:sp>
       <p:sp>
         <p:nvSpPr>
-          <p:cNvPr id="6" name="Slide Number Placeholder 5"/>
-          <p:cNvSpPr>
-            <a:spLocks noGrp="1"/>
-          </p:cNvSpPr>
-          <p:nvPr>
-            <p:ph type="sldNum" sz="quarter" idx="4"/>
+          <p:cNvPr id="5" name="Footer Placeholder 4"/>
+          <p:cNvSpPr>
+            <a:spLocks noGrp="1"/>
+          </p:cNvSpPr>
+          <p:nvPr>
+            <p:ph type="ftr" sz="quarter" idx="3"/>
           </p:nvPr>
         </p:nvSpPr>
         <p:spPr>
           <a:xfrm>
-            <a:off x="10514011" y="5883275"/>
-            <a:ext cx="753545" cy="365125"/>
+            <a:off x="2572279" y="5883275"/>
+            <a:ext cx="7084177" cy="365125"/>
           </a:xfrm>
           <a:prstGeom prst="rect">
             <a:avLst/>
@@ -5466,20 +5672,50 @@
         <p:txBody>
           <a:bodyPr vert="horz" lIns="91440" tIns="45720" rIns="91440" bIns="45720" rtlCol="0" anchor="ctr"/>
           <a:lstStyle>
+            <a:lvl1pPr algn="l">
+              <a:defRPr sz="1000" b="0" i="0">
+                <a:solidFill>
+                  <a:schemeClr val="tx1"/>
+                </a:solidFill>
+                <a:effectLst/>
+                <a:latin typeface="+mn-lt"/>
+              </a:defRPr>
+            </a:lvl1pPr>
+          </a:lstStyle>
+          <a:p>
+            <a:endParaRPr lang="en-US"/>
+          </a:p>
+        </p:txBody>
+      </p:sp>
+      <p:sp>
+        <p:nvSpPr>
+          <p:cNvPr id="6" name="Slide Number Placeholder 5"/>
+          <p:cNvSpPr>
+            <a:spLocks noGrp="1"/>
+          </p:cNvSpPr>
+          <p:nvPr>
+            <p:ph type="sldNum" sz="quarter" idx="4"/>
+          </p:nvPr>
+        </p:nvSpPr>
+        <p:spPr>
+          <a:xfrm>
+            <a:off x="10951856" y="5883275"/>
+            <a:ext cx="551167" cy="365125"/>
+          </a:xfrm>
+          <a:prstGeom prst="rect">
+            <a:avLst/>
+          </a:prstGeom>
+        </p:spPr>
+        <p:txBody>
+          <a:bodyPr vert="horz" lIns="91440" tIns="45720" rIns="91440" bIns="45720" rtlCol="0" anchor="ctr"/>
+          <a:lstStyle>
             <a:lvl1pPr algn="r">
-              <a:defRPr sz="1000">
-                <a:solidFill>
-                  <a:schemeClr val="tx1">
-                    <a:lumMod val="95000"/>
-                  </a:schemeClr>
-                </a:solidFill>
-                <a:effectLst>
-                  <a:outerShdw blurRad="50800" dist="38100" dir="2700000" algn="tl" rotWithShape="0">
-                    <a:schemeClr val="bg1">
-                      <a:alpha val="43000"/>
-                    </a:schemeClr>
-                  </a:outerShdw>
-                </a:effectLst>
+              <a:defRPr sz="1000" b="0" i="0">
+                <a:solidFill>
+                  <a:schemeClr val="tx1"/>
+                </a:solidFill>
+                <a:effectLst/>
+                <a:latin typeface="+mn-lt"/>
               </a:defRPr>
             </a:lvl1pPr>
           </a:lstStyle>
@@ -5495,29 +5731,29 @@
     </p:spTree>
     <p:extLst>
       <p:ext uri="{BB962C8B-B14F-4D97-AF65-F5344CB8AC3E}">
-        <p14:creationId xmlns:p14="http://schemas.microsoft.com/office/powerpoint/2010/main" val="1949286741"/>
+        <p14:creationId xmlns:p14="http://schemas.microsoft.com/office/powerpoint/2010/main" val="205253663"/>
       </p:ext>
     </p:extLst>
   </p:cSld>
-  <p:clrMap bg1="dk1" tx1="lt1" bg2="dk2" tx2="lt2" accent1="accent1" accent2="accent2" accent3="accent3" accent4="accent4" accent5="accent5" accent6="accent6" hlink="hlink" folHlink="folHlink"/>
+  <p:clrMap bg1="lt1" tx1="dk1" bg2="lt2" tx2="dk2" accent1="accent1" accent2="accent2" accent3="accent3" accent4="accent4" accent5="accent5" accent6="accent6" hlink="hlink" folHlink="folHlink"/>
   <p:sldLayoutIdLst>
-    <p:sldLayoutId id="2147483751" r:id="rId1"/>
-    <p:sldLayoutId id="2147483752" r:id="rId2"/>
-    <p:sldLayoutId id="2147483753" r:id="rId3"/>
-    <p:sldLayoutId id="2147483754" r:id="rId4"/>
-    <p:sldLayoutId id="2147483755" r:id="rId5"/>
-    <p:sldLayoutId id="2147483756" r:id="rId6"/>
-    <p:sldLayoutId id="2147483757" r:id="rId7"/>
-    <p:sldLayoutId id="2147483758" r:id="rId8"/>
-    <p:sldLayoutId id="2147483759" r:id="rId9"/>
-    <p:sldLayoutId id="2147483760" r:id="rId10"/>
-    <p:sldLayoutId id="2147483761" r:id="rId11"/>
-    <p:sldLayoutId id="2147483762" r:id="rId12"/>
-    <p:sldLayoutId id="2147483763" r:id="rId13"/>
-    <p:sldLayoutId id="2147483764" r:id="rId14"/>
-    <p:sldLayoutId id="2147483765" r:id="rId15"/>
-    <p:sldLayoutId id="2147483766" r:id="rId16"/>
-    <p:sldLayoutId id="2147483767" r:id="rId17"/>
+    <p:sldLayoutId id="2147483906" r:id="rId1"/>
+    <p:sldLayoutId id="2147483907" r:id="rId2"/>
+    <p:sldLayoutId id="2147483908" r:id="rId3"/>
+    <p:sldLayoutId id="2147483909" r:id="rId4"/>
+    <p:sldLayoutId id="2147483910" r:id="rId5"/>
+    <p:sldLayoutId id="2147483911" r:id="rId6"/>
+    <p:sldLayoutId id="2147483912" r:id="rId7"/>
+    <p:sldLayoutId id="2147483913" r:id="rId8"/>
+    <p:sldLayoutId id="2147483914" r:id="rId9"/>
+    <p:sldLayoutId id="2147483915" r:id="rId10"/>
+    <p:sldLayoutId id="2147483916" r:id="rId11"/>
+    <p:sldLayoutId id="2147483917" r:id="rId12"/>
+    <p:sldLayoutId id="2147483918" r:id="rId13"/>
+    <p:sldLayoutId id="2147483919" r:id="rId14"/>
+    <p:sldLayoutId id="2147483920" r:id="rId15"/>
+    <p:sldLayoutId id="2147483921" r:id="rId16"/>
+    <p:sldLayoutId id="2147483922" r:id="rId17"/>
   </p:sldLayoutIdLst>
   <p:transition spd="slow">
     <p:wipe/>
@@ -5529,29 +5765,17 @@
           <a:spcPct val="0"/>
         </a:spcBef>
         <a:buNone/>
-        <a:defRPr sz="4000" kern="1200">
-          <a:ln>
-            <a:solidFill>
-              <a:schemeClr val="bg1">
-                <a:lumMod val="75000"/>
-                <a:lumOff val="25000"/>
-                <a:alpha val="10000"/>
-              </a:schemeClr>
-            </a:solidFill>
+        <a:defRPr sz="4000" kern="1200" cap="none">
+          <a:ln w="3175" cmpd="sng">
+            <a:noFill/>
           </a:ln>
           <a:solidFill>
-            <a:schemeClr val="tx2"/>
+            <a:schemeClr val="tx1"/>
           </a:solidFill>
-          <a:effectLst>
-            <a:outerShdw blurRad="9525" dist="25400" dir="14640000" algn="tl" rotWithShape="0">
-              <a:schemeClr val="bg1">
-                <a:alpha val="30000"/>
-              </a:schemeClr>
-            </a:outerShdw>
-          </a:effectLst>
+          <a:effectLst/>
           <a:latin typeface="+mj-lt"/>
           <a:ea typeface="+mj-ea"/>
-          <a:cs typeface="Trebuchet MS"/>
+          <a:cs typeface="+mj-cs"/>
         </a:defRPr>
       </a:lvl1pPr>
       <a:lvl2pPr eaLnBrk="1" hangingPunct="1">
@@ -5612,7 +5836,7 @@
       </a:lvl9pPr>
     </p:titleStyle>
     <p:bodyStyle>
-      <a:lvl1pPr marL="342900" indent="-306000" algn="l" defTabSz="457200" rtl="0" eaLnBrk="1" latinLnBrk="0" hangingPunct="1">
+      <a:lvl1pPr marL="285750" indent="-285750" algn="l" defTabSz="457200" rtl="0" eaLnBrk="1" latinLnBrk="0" hangingPunct="1">
         <a:spcBef>
           <a:spcPct val="20000"/>
         </a:spcBef>
@@ -5620,37 +5844,24 @@
           <a:spcPts val="600"/>
         </a:spcAft>
         <a:buClr>
-          <a:schemeClr val="tx2"/>
+          <a:schemeClr val="accent1">
+            <a:lumMod val="75000"/>
+          </a:schemeClr>
         </a:buClr>
-        <a:buSzPct val="70000"/>
-        <a:buFont typeface="Wingdings 2" charset="2"/>
-        <a:buChar char=""/>
-        <a:defRPr sz="2000" kern="1200">
-          <a:ln>
-            <a:solidFill>
-              <a:schemeClr val="bg1">
-                <a:lumMod val="75000"/>
-                <a:lumOff val="25000"/>
-                <a:alpha val="10000"/>
-              </a:schemeClr>
-            </a:solidFill>
-          </a:ln>
+        <a:buSzPct val="145000"/>
+        <a:buFont typeface="Arial"/>
+        <a:buChar char="•"/>
+        <a:defRPr sz="2400" kern="1200" cap="none">
           <a:solidFill>
-            <a:schemeClr val="tx2"/>
+            <a:schemeClr val="tx1"/>
           </a:solidFill>
-          <a:effectLst>
-            <a:outerShdw blurRad="9525" dist="25400" dir="14640000" algn="tl" rotWithShape="0">
-              <a:schemeClr val="bg1">
-                <a:alpha val="30000"/>
-              </a:schemeClr>
-            </a:outerShdw>
-          </a:effectLst>
+          <a:effectLst/>
           <a:latin typeface="+mn-lt"/>
           <a:ea typeface="+mn-ea"/>
           <a:cs typeface="+mn-cs"/>
         </a:defRPr>
       </a:lvl1pPr>
-      <a:lvl2pPr marL="720000" indent="-270000" algn="l" defTabSz="457200" rtl="0" eaLnBrk="1" latinLnBrk="0" hangingPunct="1">
+      <a:lvl2pPr marL="742950" indent="-285750" algn="l" defTabSz="457200" rtl="0" eaLnBrk="1" latinLnBrk="0" hangingPunct="1">
         <a:spcBef>
           <a:spcPct val="20000"/>
         </a:spcBef>
@@ -5658,37 +5869,24 @@
           <a:spcPts val="600"/>
         </a:spcAft>
         <a:buClr>
-          <a:schemeClr val="tx2"/>
+          <a:schemeClr val="accent1">
+            <a:lumMod val="75000"/>
+          </a:schemeClr>
         </a:buClr>
-        <a:buSzPct val="70000"/>
-        <a:buFont typeface="Wingdings 2" charset="2"/>
-        <a:buChar char=""/>
-        <a:defRPr sz="1800" kern="1200">
-          <a:ln>
-            <a:solidFill>
-              <a:schemeClr val="bg1">
-                <a:lumMod val="75000"/>
-                <a:lumOff val="25000"/>
-                <a:alpha val="10000"/>
-              </a:schemeClr>
-            </a:solidFill>
-          </a:ln>
+        <a:buSzPct val="145000"/>
+        <a:buFont typeface="Arial"/>
+        <a:buChar char="•"/>
+        <a:defRPr sz="2000" kern="1200" cap="none">
           <a:solidFill>
-            <a:schemeClr val="tx2"/>
+            <a:schemeClr val="tx1"/>
           </a:solidFill>
-          <a:effectLst>
-            <a:outerShdw blurRad="9525" dist="25400" dir="14640000" algn="tl" rotWithShape="0">
-              <a:schemeClr val="bg1">
-                <a:alpha val="30000"/>
-              </a:schemeClr>
-            </a:outerShdw>
-          </a:effectLst>
+          <a:effectLst/>
           <a:latin typeface="+mn-lt"/>
           <a:ea typeface="+mn-ea"/>
           <a:cs typeface="+mn-cs"/>
         </a:defRPr>
       </a:lvl2pPr>
-      <a:lvl3pPr marL="1026000" indent="-216000" algn="l" defTabSz="457200" rtl="0" eaLnBrk="1" latinLnBrk="0" hangingPunct="1">
+      <a:lvl3pPr marL="1200150" indent="-285750" algn="l" defTabSz="457200" rtl="0" eaLnBrk="1" latinLnBrk="0" hangingPunct="1">
         <a:spcBef>
           <a:spcPct val="20000"/>
         </a:spcBef>
@@ -5696,37 +5894,24 @@
           <a:spcPts val="600"/>
         </a:spcAft>
         <a:buClr>
-          <a:schemeClr val="tx2"/>
+          <a:schemeClr val="accent1">
+            <a:lumMod val="75000"/>
+          </a:schemeClr>
         </a:buClr>
-        <a:buSzPct val="70000"/>
-        <a:buFont typeface="Wingdings 2" charset="2"/>
-        <a:buChar char=""/>
-        <a:defRPr sz="1600" kern="1200">
-          <a:ln>
-            <a:solidFill>
-              <a:schemeClr val="bg1">
-                <a:lumMod val="75000"/>
-                <a:lumOff val="25000"/>
-                <a:alpha val="10000"/>
-              </a:schemeClr>
-            </a:solidFill>
-          </a:ln>
+        <a:buSzPct val="145000"/>
+        <a:buFont typeface="Arial"/>
+        <a:buChar char="•"/>
+        <a:defRPr sz="1800" kern="1200" cap="none">
           <a:solidFill>
-            <a:schemeClr val="tx2"/>
+            <a:schemeClr val="tx1"/>
           </a:solidFill>
-          <a:effectLst>
-            <a:outerShdw blurRad="9525" dist="25400" dir="14640000" algn="tl" rotWithShape="0">
-              <a:schemeClr val="bg1">
-                <a:alpha val="30000"/>
-              </a:schemeClr>
-            </a:outerShdw>
-          </a:effectLst>
+          <a:effectLst/>
           <a:latin typeface="+mn-lt"/>
           <a:ea typeface="+mn-ea"/>
           <a:cs typeface="+mn-cs"/>
         </a:defRPr>
       </a:lvl3pPr>
-      <a:lvl4pPr marL="1386000" indent="-216000" algn="l" defTabSz="457200" rtl="0" eaLnBrk="1" latinLnBrk="0" hangingPunct="1">
+      <a:lvl4pPr marL="1543050" indent="-171450" algn="l" defTabSz="457200" rtl="0" eaLnBrk="1" latinLnBrk="0" hangingPunct="1">
         <a:spcBef>
           <a:spcPct val="20000"/>
         </a:spcBef>
@@ -5734,37 +5919,24 @@
           <a:spcPts val="600"/>
         </a:spcAft>
         <a:buClr>
-          <a:schemeClr val="tx2"/>
+          <a:schemeClr val="accent1">
+            <a:lumMod val="75000"/>
+          </a:schemeClr>
         </a:buClr>
-        <a:buSzPct val="70000"/>
-        <a:buFont typeface="Wingdings 2" charset="2"/>
-        <a:buChar char=""/>
-        <a:defRPr sz="1400" kern="1200">
-          <a:ln>
-            <a:solidFill>
-              <a:schemeClr val="bg1">
-                <a:lumMod val="75000"/>
-                <a:lumOff val="25000"/>
-                <a:alpha val="10000"/>
-              </a:schemeClr>
-            </a:solidFill>
-          </a:ln>
+        <a:buSzPct val="145000"/>
+        <a:buFont typeface="Arial"/>
+        <a:buChar char="•"/>
+        <a:defRPr sz="1600" kern="1200" cap="none">
           <a:solidFill>
-            <a:schemeClr val="tx2"/>
+            <a:schemeClr val="tx1"/>
           </a:solidFill>
-          <a:effectLst>
-            <a:outerShdw blurRad="9525" dist="25400" dir="14640000" algn="tl" rotWithShape="0">
-              <a:schemeClr val="bg1">
-                <a:alpha val="30000"/>
-              </a:schemeClr>
-            </a:outerShdw>
-          </a:effectLst>
+          <a:effectLst/>
           <a:latin typeface="+mn-lt"/>
           <a:ea typeface="+mn-ea"/>
           <a:cs typeface="+mn-cs"/>
         </a:defRPr>
       </a:lvl4pPr>
-      <a:lvl5pPr marL="1674000" indent="-216000" algn="l" defTabSz="457200" rtl="0" eaLnBrk="1" latinLnBrk="0" hangingPunct="1">
+      <a:lvl5pPr marL="2000250" indent="-171450" algn="l" defTabSz="457200" rtl="0" eaLnBrk="1" latinLnBrk="0" hangingPunct="1">
         <a:spcBef>
           <a:spcPct val="20000"/>
         </a:spcBef>
@@ -5772,37 +5944,24 @@
           <a:spcPts val="600"/>
         </a:spcAft>
         <a:buClr>
-          <a:schemeClr val="tx2"/>
+          <a:schemeClr val="accent1">
+            <a:lumMod val="75000"/>
+          </a:schemeClr>
         </a:buClr>
-        <a:buSzPct val="70000"/>
-        <a:buFont typeface="Wingdings 2" charset="2"/>
-        <a:buChar char=""/>
-        <a:defRPr sz="1400" kern="1200">
-          <a:ln>
-            <a:solidFill>
-              <a:schemeClr val="bg1">
-                <a:lumMod val="75000"/>
-                <a:lumOff val="25000"/>
-                <a:alpha val="10000"/>
-              </a:schemeClr>
-            </a:solidFill>
-          </a:ln>
+        <a:buSzPct val="145000"/>
+        <a:buFont typeface="Arial"/>
+        <a:buChar char="•"/>
+        <a:defRPr sz="1400" kern="1200" cap="none">
           <a:solidFill>
-            <a:schemeClr val="tx2"/>
+            <a:schemeClr val="tx1"/>
           </a:solidFill>
-          <a:effectLst>
-            <a:outerShdw blurRad="9525" dist="25400" dir="14640000" algn="tl" rotWithShape="0">
-              <a:schemeClr val="bg1">
-                <a:alpha val="30000"/>
-              </a:schemeClr>
-            </a:outerShdw>
-          </a:effectLst>
+          <a:effectLst/>
           <a:latin typeface="+mn-lt"/>
           <a:ea typeface="+mn-ea"/>
           <a:cs typeface="+mn-cs"/>
         </a:defRPr>
       </a:lvl5pPr>
-      <a:lvl6pPr marL="2014600" indent="-228600" algn="l" defTabSz="457200" rtl="0" eaLnBrk="1" latinLnBrk="0" hangingPunct="1">
+      <a:lvl6pPr marL="2514600" indent="-228600" algn="l" defTabSz="457200" rtl="0" eaLnBrk="1" latinLnBrk="0" hangingPunct="1">
         <a:spcBef>
           <a:spcPct val="20000"/>
         </a:spcBef>
@@ -5810,37 +5969,24 @@
           <a:spcPts val="600"/>
         </a:spcAft>
         <a:buClr>
-          <a:schemeClr val="tx2"/>
+          <a:schemeClr val="accent1">
+            <a:lumMod val="75000"/>
+          </a:schemeClr>
         </a:buClr>
-        <a:buSzPct val="70000"/>
-        <a:buFont typeface="Wingdings 2" charset="2"/>
-        <a:buChar char=""/>
-        <a:defRPr sz="1400" kern="1200">
-          <a:ln>
-            <a:solidFill>
-              <a:schemeClr val="bg1">
-                <a:lumMod val="75000"/>
-                <a:lumOff val="25000"/>
-                <a:alpha val="10000"/>
-              </a:schemeClr>
-            </a:solidFill>
-          </a:ln>
+        <a:buSzPct val="145000"/>
+        <a:buFont typeface="Arial"/>
+        <a:buChar char="•"/>
+        <a:defRPr sz="1400" kern="1200" cap="none">
           <a:solidFill>
-            <a:schemeClr val="tx2"/>
+            <a:schemeClr val="tx1"/>
           </a:solidFill>
-          <a:effectLst>
-            <a:outerShdw blurRad="9525" dist="25400" dir="14640000" algn="tl" rotWithShape="0">
-              <a:schemeClr val="bg1">
-                <a:alpha val="30000"/>
-              </a:schemeClr>
-            </a:outerShdw>
-          </a:effectLst>
+          <a:effectLst/>
           <a:latin typeface="+mn-lt"/>
           <a:ea typeface="+mn-ea"/>
           <a:cs typeface="+mn-cs"/>
         </a:defRPr>
       </a:lvl6pPr>
-      <a:lvl7pPr marL="2401800" indent="-228600" algn="l" defTabSz="457200" rtl="0" eaLnBrk="1" latinLnBrk="0" hangingPunct="1">
+      <a:lvl7pPr marL="2971800" indent="-228600" algn="l" defTabSz="457200" rtl="0" eaLnBrk="1" latinLnBrk="0" hangingPunct="1">
         <a:spcBef>
           <a:spcPct val="20000"/>
         </a:spcBef>
@@ -5848,37 +5994,24 @@
           <a:spcPts val="600"/>
         </a:spcAft>
         <a:buClr>
-          <a:schemeClr val="tx2"/>
+          <a:schemeClr val="accent1">
+            <a:lumMod val="75000"/>
+          </a:schemeClr>
         </a:buClr>
-        <a:buSzPct val="70000"/>
-        <a:buFont typeface="Wingdings 2" charset="2"/>
-        <a:buChar char=""/>
-        <a:defRPr sz="1400" kern="1200">
-          <a:ln>
-            <a:solidFill>
-              <a:schemeClr val="bg1">
-                <a:lumMod val="75000"/>
-                <a:lumOff val="25000"/>
-                <a:alpha val="10000"/>
-              </a:schemeClr>
-            </a:solidFill>
-          </a:ln>
+        <a:buSzPct val="145000"/>
+        <a:buFont typeface="Arial"/>
+        <a:buChar char="•"/>
+        <a:defRPr sz="1400" kern="1200" cap="none">
           <a:solidFill>
-            <a:schemeClr val="tx2"/>
+            <a:schemeClr val="tx1"/>
           </a:solidFill>
-          <a:effectLst>
-            <a:outerShdw blurRad="9525" dist="25400" dir="14640000" algn="tl" rotWithShape="0">
-              <a:schemeClr val="bg1">
-                <a:alpha val="30000"/>
-              </a:schemeClr>
-            </a:outerShdw>
-          </a:effectLst>
+          <a:effectLst/>
           <a:latin typeface="+mn-lt"/>
           <a:ea typeface="+mn-ea"/>
           <a:cs typeface="+mn-cs"/>
         </a:defRPr>
       </a:lvl7pPr>
-      <a:lvl8pPr marL="2789000" indent="-228600" algn="l" defTabSz="457200" rtl="0" eaLnBrk="1" latinLnBrk="0" hangingPunct="1">
+      <a:lvl8pPr marL="3429000" indent="-228600" algn="l" defTabSz="457200" rtl="0" eaLnBrk="1" latinLnBrk="0" hangingPunct="1">
         <a:spcBef>
           <a:spcPct val="20000"/>
         </a:spcBef>
@@ -5886,37 +6019,24 @@
           <a:spcPts val="600"/>
         </a:spcAft>
         <a:buClr>
-          <a:schemeClr val="tx2"/>
+          <a:schemeClr val="accent1">
+            <a:lumMod val="75000"/>
+          </a:schemeClr>
         </a:buClr>
-        <a:buSzPct val="70000"/>
-        <a:buFont typeface="Wingdings 2" charset="2"/>
-        <a:buChar char=""/>
-        <a:defRPr sz="1400" kern="1200">
-          <a:ln>
-            <a:solidFill>
-              <a:schemeClr val="bg1">
-                <a:lumMod val="75000"/>
-                <a:lumOff val="25000"/>
-                <a:alpha val="10000"/>
-              </a:schemeClr>
-            </a:solidFill>
-          </a:ln>
+        <a:buSzPct val="145000"/>
+        <a:buFont typeface="Arial"/>
+        <a:buChar char="•"/>
+        <a:defRPr sz="1400" kern="1200" cap="none">
           <a:solidFill>
-            <a:schemeClr val="tx2"/>
+            <a:schemeClr val="tx1"/>
           </a:solidFill>
-          <a:effectLst>
-            <a:outerShdw blurRad="9525" dist="25400" dir="14640000" algn="tl" rotWithShape="0">
-              <a:schemeClr val="bg1">
-                <a:alpha val="30000"/>
-              </a:schemeClr>
-            </a:outerShdw>
-          </a:effectLst>
+          <a:effectLst/>
           <a:latin typeface="+mn-lt"/>
           <a:ea typeface="+mn-ea"/>
           <a:cs typeface="+mn-cs"/>
         </a:defRPr>
       </a:lvl8pPr>
-      <a:lvl9pPr marL="3106200" indent="-228600" algn="l" defTabSz="457200" rtl="0" eaLnBrk="1" latinLnBrk="0" hangingPunct="1">
+      <a:lvl9pPr marL="3886200" indent="-228600" algn="l" defTabSz="457200" rtl="0" eaLnBrk="1" latinLnBrk="0" hangingPunct="1">
         <a:spcBef>
           <a:spcPct val="20000"/>
         </a:spcBef>
@@ -5924,31 +6044,18 @@
           <a:spcPts val="600"/>
         </a:spcAft>
         <a:buClr>
-          <a:schemeClr val="tx2"/>
+          <a:schemeClr val="accent1">
+            <a:lumMod val="75000"/>
+          </a:schemeClr>
         </a:buClr>
-        <a:buSzPct val="70000"/>
-        <a:buFont typeface="Wingdings 2" charset="2"/>
-        <a:buChar char=""/>
-        <a:defRPr sz="1400" kern="1200">
-          <a:ln>
-            <a:solidFill>
-              <a:schemeClr val="bg1">
-                <a:lumMod val="75000"/>
-                <a:lumOff val="25000"/>
-                <a:alpha val="10000"/>
-              </a:schemeClr>
-            </a:solidFill>
-          </a:ln>
+        <a:buSzPct val="145000"/>
+        <a:buFont typeface="Arial"/>
+        <a:buChar char="•"/>
+        <a:defRPr sz="1400" kern="1200" cap="none">
           <a:solidFill>
-            <a:schemeClr val="tx2"/>
+            <a:schemeClr val="tx1"/>
           </a:solidFill>
-          <a:effectLst>
-            <a:outerShdw blurRad="9525" dist="25400" dir="14640000" algn="tl" rotWithShape="0">
-              <a:schemeClr val="bg1">
-                <a:alpha val="30000"/>
-              </a:schemeClr>
-            </a:outerShdw>
-          </a:effectLst>
+          <a:effectLst/>
           <a:latin typeface="+mn-lt"/>
           <a:ea typeface="+mn-ea"/>
           <a:cs typeface="+mn-cs"/>
@@ -6087,45 +6194,96 @@
             <p:ph type="title"/>
           </p:nvPr>
         </p:nvSpPr>
-        <p:spPr/>
+        <p:spPr>
+          <a:xfrm>
+            <a:off x="1497939" y="214895"/>
+            <a:ext cx="10018713" cy="1752599"/>
+          </a:xfrm>
+        </p:spPr>
         <p:txBody>
           <a:bodyPr>
-            <a:normAutofit fontScale="90000"/>
+            <a:normAutofit/>
           </a:bodyPr>
           <a:lstStyle/>
           <a:p>
             <a:r>
-              <a:rPr lang="en-US" dirty="0"/>
-              <a:t>SUPERMARKET MANAGEMENT SYSTEM </a:t>
-            </a:r>
-          </a:p>
-        </p:txBody>
-      </p:sp>
-      <p:sp>
-        <p:nvSpPr>
-          <p:cNvPr id="3" name="Content Placeholder 2">
+              <a:rPr lang="en-US" sz="3600" dirty="0"/>
+              <a:t>SUPERMARKET INVENTORY AND SALES MANAGEMENT SYSTEM </a:t>
+            </a:r>
+          </a:p>
+        </p:txBody>
+      </p:sp>
+      <p:pic>
+        <p:nvPicPr>
+          <p:cNvPr id="11" name="Content Placeholder 10">
             <a:extLst>
               <a:ext uri="{FF2B5EF4-FFF2-40B4-BE49-F238E27FC236}">
-                <a16:creationId xmlns:a16="http://schemas.microsoft.com/office/drawing/2014/main" id="{56273E60-2A0C-4782-86FB-3172B1E71F73}"/>
+                <a16:creationId xmlns:a16="http://schemas.microsoft.com/office/drawing/2014/main" id="{92797437-996D-4A5D-BE2D-F8F0424F5ED3}"/>
               </a:ext>
             </a:extLst>
           </p:cNvPr>
-          <p:cNvSpPr>
-            <a:spLocks noGrp="1"/>
-          </p:cNvSpPr>
+          <p:cNvPicPr>
+            <a:picLocks noGrp="1" noChangeAspect="1"/>
+          </p:cNvPicPr>
           <p:nvPr>
             <p:ph idx="1"/>
           </p:nvPr>
-        </p:nvSpPr>
-        <p:spPr/>
-        <p:txBody>
-          <a:bodyPr/>
-          <a:lstStyle/>
-          <a:p>
-            <a:endParaRPr lang="en-US" dirty="0"/>
-          </a:p>
-        </p:txBody>
-      </p:sp>
+        </p:nvPicPr>
+        <p:blipFill>
+          <a:blip r:embed="rId2">
+            <a:extLst>
+              <a:ext uri="{28A0092B-C50C-407E-A947-70E740481C1C}">
+                <a14:useLocalDpi xmlns:a14="http://schemas.microsoft.com/office/drawing/2010/main" val="0"/>
+              </a:ext>
+            </a:extLst>
+          </a:blip>
+          <a:stretch>
+            <a:fillRect/>
+          </a:stretch>
+        </p:blipFill>
+        <p:spPr>
+          <a:xfrm>
+            <a:off x="1241461" y="2038117"/>
+            <a:ext cx="5002263" cy="3682459"/>
+          </a:xfrm>
+        </p:spPr>
+      </p:pic>
+      <p:pic>
+        <p:nvPicPr>
+          <p:cNvPr id="13" name="Picture 12">
+            <a:extLst>
+              <a:ext uri="{FF2B5EF4-FFF2-40B4-BE49-F238E27FC236}">
+                <a16:creationId xmlns:a16="http://schemas.microsoft.com/office/drawing/2014/main" id="{AD916FD1-5A04-4E67-B191-54DB95ADBC1C}"/>
+              </a:ext>
+            </a:extLst>
+          </p:cNvPr>
+          <p:cNvPicPr>
+            <a:picLocks noChangeAspect="1"/>
+          </p:cNvPicPr>
+          <p:nvPr/>
+        </p:nvPicPr>
+        <p:blipFill>
+          <a:blip r:embed="rId3">
+            <a:extLst>
+              <a:ext uri="{28A0092B-C50C-407E-A947-70E740481C1C}">
+                <a14:useLocalDpi xmlns:a14="http://schemas.microsoft.com/office/drawing/2010/main" val="0"/>
+              </a:ext>
+            </a:extLst>
+          </a:blip>
+          <a:stretch>
+            <a:fillRect/>
+          </a:stretch>
+        </p:blipFill>
+        <p:spPr>
+          <a:xfrm>
+            <a:off x="6507296" y="2038119"/>
+            <a:ext cx="5035314" cy="3682458"/>
+          </a:xfrm>
+          <a:prstGeom prst="rect">
+            <a:avLst/>
+          </a:prstGeom>
+        </p:spPr>
+      </p:pic>
     </p:spTree>
     <p:extLst>
       <p:ext uri="{BB962C8B-B14F-4D97-AF65-F5344CB8AC3E}">
@@ -6164,7 +6322,7 @@
           <p:cNvPr id="2" name="Title 1">
             <a:extLst>
               <a:ext uri="{FF2B5EF4-FFF2-40B4-BE49-F238E27FC236}">
-                <a16:creationId xmlns:a16="http://schemas.microsoft.com/office/drawing/2014/main" id="{E6D181BD-9D61-4AC8-8B2A-A58A06671A21}"/>
+                <a16:creationId xmlns:a16="http://schemas.microsoft.com/office/drawing/2014/main" id="{FC0406A9-CD9F-469E-AAE2-13504419F1C0}"/>
               </a:ext>
             </a:extLst>
           </p:cNvPr>
@@ -6172,33 +6330,29 @@
             <a:spLocks noGrp="1"/>
           </p:cNvSpPr>
           <p:nvPr>
-            <p:ph type="ctrTitle"/>
-          </p:nvPr>
-        </p:nvSpPr>
-        <p:spPr>
-          <a:xfrm>
-            <a:off x="1375983" y="601753"/>
-            <a:ext cx="9440034" cy="1249082"/>
-          </a:xfrm>
-        </p:spPr>
-        <p:txBody>
-          <a:bodyPr/>
+            <p:ph type="title"/>
+          </p:nvPr>
+        </p:nvSpPr>
+        <p:spPr/>
+        <p:txBody>
+          <a:bodyPr>
+            <a:normAutofit/>
+          </a:bodyPr>
           <a:lstStyle/>
           <a:p>
-            <a:pPr algn="l"/>
-            <a:r>
-              <a:rPr lang="en-US" dirty="0"/>
-              <a:t>INSERTING</a:t>
-            </a:r>
-          </a:p>
-        </p:txBody>
-      </p:sp>
-      <p:sp>
-        <p:nvSpPr>
-          <p:cNvPr id="3" name="Subtitle 2">
+            <a:r>
+              <a:rPr lang="en-US" sz="3600" dirty="0"/>
+              <a:t>SUPERMARKET INVENTORY AND SALES MANAGEMENT SYSTEM </a:t>
+            </a:r>
+          </a:p>
+        </p:txBody>
+      </p:sp>
+      <p:sp>
+        <p:nvSpPr>
+          <p:cNvPr id="3" name="Content Placeholder 2">
             <a:extLst>
               <a:ext uri="{FF2B5EF4-FFF2-40B4-BE49-F238E27FC236}">
-                <a16:creationId xmlns:a16="http://schemas.microsoft.com/office/drawing/2014/main" id="{CADC1CFC-CC3F-4DA3-AC35-595DDF7BECE7}"/>
+                <a16:creationId xmlns:a16="http://schemas.microsoft.com/office/drawing/2014/main" id="{86E9223D-E9FF-4B94-8299-434DA4B28EB3}"/>
               </a:ext>
             </a:extLst>
           </p:cNvPr>
@@ -6206,36 +6360,63 @@
             <a:spLocks noGrp="1"/>
           </p:cNvSpPr>
           <p:nvPr>
-            <p:ph type="subTitle" idx="1"/>
+            <p:ph idx="1"/>
           </p:nvPr>
         </p:nvSpPr>
         <p:spPr>
           <a:xfrm>
-            <a:off x="1375983" y="2650889"/>
-            <a:ext cx="9440034" cy="3605359"/>
+            <a:off x="913795" y="2269474"/>
+            <a:ext cx="10353762" cy="3521725"/>
           </a:xfrm>
         </p:spPr>
         <p:txBody>
-          <a:bodyPr/>
+          <a:bodyPr>
+            <a:normAutofit/>
+          </a:bodyPr>
           <a:lstStyle/>
           <a:p>
-            <a:pPr marL="342900" indent="-342900" algn="l">
+            <a:pPr>
               <a:buFont typeface="Wingdings" panose="05000000000000000000" pitchFamily="2" charset="2"/>
-              <a:buChar char="v"/>
+              <a:buChar char="q"/>
             </a:pPr>
             <a:r>
-              <a:rPr lang="en-US" dirty="0"/>
-              <a:t>Adding new manufacturer</a:t>
-            </a:r>
-          </a:p>
-          <a:p>
-            <a:pPr marL="342900" indent="-342900" algn="l">
+              <a:rPr lang="en-US" b="0" i="0" dirty="0">
+                <a:solidFill>
+                  <a:schemeClr val="tx1"/>
+                </a:solidFill>
+                <a:effectLst/>
+              </a:rPr>
+              <a:t>This project aims at automation of various management procedures such as managing sales and purchases, stock details, etc.</a:t>
+            </a:r>
+          </a:p>
+          <a:p>
+            <a:pPr>
               <a:buFont typeface="Wingdings" panose="05000000000000000000" pitchFamily="2" charset="2"/>
-              <a:buChar char="v"/>
+              <a:buChar char="q"/>
             </a:pPr>
             <a:r>
-              <a:rPr lang="en-US" dirty="0"/>
-              <a:t>Adding new product and it’s stock available</a:t>
+              <a:rPr lang="en-US" dirty="0">
+                <a:solidFill>
+                  <a:schemeClr val="tx1"/>
+                </a:solidFill>
+                <a:effectLst/>
+              </a:rPr>
+              <a:t>All the details and records in the supermarket are maintained in a file system.</a:t>
+            </a:r>
+          </a:p>
+          <a:p>
+            <a:pPr>
+              <a:buFont typeface="Wingdings" panose="05000000000000000000" pitchFamily="2" charset="2"/>
+              <a:buChar char="q"/>
+            </a:pPr>
+            <a:r>
+              <a:rPr lang="en-US" b="0" i="0" dirty="0">
+                <a:solidFill>
+                  <a:schemeClr val="tx1"/>
+                </a:solidFill>
+                <a:effectLst/>
+              </a:rPr>
+              <a:t>Various operations like insertion, modification and deletion operations are done over the files to manage data</a:t>
             </a:r>
           </a:p>
         </p:txBody>
@@ -6243,7 +6424,7 @@
     </p:spTree>
     <p:extLst>
       <p:ext uri="{BB962C8B-B14F-4D97-AF65-F5344CB8AC3E}">
-        <p14:creationId xmlns:p14="http://schemas.microsoft.com/office/powerpoint/2010/main" val="2836088814"/>
+        <p14:creationId xmlns:p14="http://schemas.microsoft.com/office/powerpoint/2010/main" val="3612829974"/>
       </p:ext>
     </p:extLst>
   </p:cSld>
@@ -6286,23 +6467,20 @@
             <a:spLocks noGrp="1"/>
           </p:cNvSpPr>
           <p:nvPr>
-            <p:ph type="ctrTitle"/>
-          </p:nvPr>
-        </p:nvSpPr>
-        <p:spPr>
-          <a:xfrm>
-            <a:off x="1375983" y="601753"/>
-            <a:ext cx="9440034" cy="1249082"/>
-          </a:xfrm>
-        </p:spPr>
-        <p:txBody>
-          <a:bodyPr/>
+            <p:ph type="title"/>
+          </p:nvPr>
+        </p:nvSpPr>
+        <p:spPr/>
+        <p:txBody>
+          <a:bodyPr>
+            <a:normAutofit/>
+          </a:bodyPr>
           <a:lstStyle/>
           <a:p>
             <a:pPr algn="l"/>
             <a:r>
-              <a:rPr lang="en-US" dirty="0"/>
-              <a:t>MODIFYING</a:t>
+              <a:rPr lang="en-US" sz="3600" dirty="0"/>
+              <a:t>INSERTION</a:t>
             </a:r>
           </a:p>
         </p:txBody>
@@ -6320,15 +6498,10 @@
             <a:spLocks noGrp="1"/>
           </p:cNvSpPr>
           <p:nvPr>
-            <p:ph type="subTitle" idx="1"/>
-          </p:nvPr>
-        </p:nvSpPr>
-        <p:spPr>
-          <a:xfrm>
-            <a:off x="1375983" y="2650889"/>
-            <a:ext cx="9440034" cy="3605359"/>
-          </a:xfrm>
-        </p:spPr>
+            <p:ph idx="1"/>
+          </p:nvPr>
+        </p:nvSpPr>
+        <p:spPr/>
         <p:txBody>
           <a:bodyPr/>
           <a:lstStyle/>
@@ -6339,7 +6512,7 @@
             </a:pPr>
             <a:r>
               <a:rPr lang="en-US" dirty="0"/>
-              <a:t>Updating current stock available </a:t>
+              <a:t>Adding new product brand</a:t>
             </a:r>
           </a:p>
           <a:p>
@@ -6349,7 +6522,17 @@
             </a:pPr>
             <a:r>
               <a:rPr lang="en-US" dirty="0"/>
-              <a:t>Updating the price of the product</a:t>
+              <a:t>Adding new product type</a:t>
+            </a:r>
+          </a:p>
+          <a:p>
+            <a:pPr marL="342900" indent="-342900" algn="l">
+              <a:buFont typeface="Wingdings" panose="05000000000000000000" pitchFamily="2" charset="2"/>
+              <a:buChar char="v"/>
+            </a:pPr>
+            <a:r>
+              <a:rPr lang="en-US" dirty="0"/>
+              <a:t>Adding new product with details and stock available</a:t>
             </a:r>
           </a:p>
           <a:p>
@@ -6364,7 +6547,7 @@
     </p:spTree>
     <p:extLst>
       <p:ext uri="{BB962C8B-B14F-4D97-AF65-F5344CB8AC3E}">
-        <p14:creationId xmlns:p14="http://schemas.microsoft.com/office/powerpoint/2010/main" val="3550152915"/>
+        <p14:creationId xmlns:p14="http://schemas.microsoft.com/office/powerpoint/2010/main" val="2836088814"/>
       </p:ext>
     </p:extLst>
   </p:cSld>
@@ -6407,23 +6590,20 @@
             <a:spLocks noGrp="1"/>
           </p:cNvSpPr>
           <p:nvPr>
-            <p:ph type="ctrTitle"/>
-          </p:nvPr>
-        </p:nvSpPr>
-        <p:spPr>
-          <a:xfrm>
-            <a:off x="1375983" y="601753"/>
-            <a:ext cx="9440034" cy="1249082"/>
-          </a:xfrm>
-        </p:spPr>
-        <p:txBody>
-          <a:bodyPr/>
+            <p:ph type="title"/>
+          </p:nvPr>
+        </p:nvSpPr>
+        <p:spPr/>
+        <p:txBody>
+          <a:bodyPr>
+            <a:normAutofit/>
+          </a:bodyPr>
           <a:lstStyle/>
           <a:p>
             <a:pPr algn="l"/>
             <a:r>
-              <a:rPr lang="en-US" dirty="0"/>
-              <a:t>DELETING</a:t>
+              <a:rPr lang="en-US" sz="3600" dirty="0"/>
+              <a:t>MODIFICATION</a:t>
             </a:r>
           </a:p>
         </p:txBody>
@@ -6441,15 +6621,10 @@
             <a:spLocks noGrp="1"/>
           </p:cNvSpPr>
           <p:nvPr>
-            <p:ph type="subTitle" idx="1"/>
-          </p:nvPr>
-        </p:nvSpPr>
-        <p:spPr>
-          <a:xfrm>
-            <a:off x="1375983" y="2650889"/>
-            <a:ext cx="9440034" cy="3605359"/>
-          </a:xfrm>
-        </p:spPr>
+            <p:ph idx="1"/>
+          </p:nvPr>
+        </p:nvSpPr>
+        <p:spPr/>
         <p:txBody>
           <a:bodyPr/>
           <a:lstStyle/>
@@ -6460,7 +6635,135 @@
             </a:pPr>
             <a:r>
               <a:rPr lang="en-US" dirty="0"/>
-              <a:t>Deleting a manufacturer</a:t>
+              <a:t>Updating current stock available </a:t>
+            </a:r>
+          </a:p>
+          <a:p>
+            <a:pPr marL="342900" indent="-342900" algn="l">
+              <a:buFont typeface="Wingdings" panose="05000000000000000000" pitchFamily="2" charset="2"/>
+              <a:buChar char="v"/>
+            </a:pPr>
+            <a:r>
+              <a:rPr lang="en-US" dirty="0"/>
+              <a:t>Updating the price of the product</a:t>
+            </a:r>
+          </a:p>
+          <a:p>
+            <a:pPr marL="342900" indent="-342900" algn="l">
+              <a:buFont typeface="Wingdings" panose="05000000000000000000" pitchFamily="2" charset="2"/>
+              <a:buChar char="v"/>
+            </a:pPr>
+            <a:endParaRPr lang="en-US" dirty="0"/>
+          </a:p>
+        </p:txBody>
+      </p:sp>
+    </p:spTree>
+    <p:extLst>
+      <p:ext uri="{BB962C8B-B14F-4D97-AF65-F5344CB8AC3E}">
+        <p14:creationId xmlns:p14="http://schemas.microsoft.com/office/powerpoint/2010/main" val="3550152915"/>
+      </p:ext>
+    </p:extLst>
+  </p:cSld>
+  <p:clrMapOvr>
+    <a:masterClrMapping/>
+  </p:clrMapOvr>
+  <p:transition spd="slow">
+    <p:wipe/>
+  </p:transition>
+</p:sld>
+</file>
+
+<file path=ppt/slides/slide5.xml><?xml version="1.0" encoding="utf-8"?>
+<p:sld xmlns:a="http://schemas.openxmlformats.org/drawingml/2006/main" xmlns:r="http://schemas.openxmlformats.org/officeDocument/2006/relationships" xmlns:p="http://schemas.openxmlformats.org/presentationml/2006/main">
+  <p:cSld>
+    <p:spTree>
+      <p:nvGrpSpPr>
+        <p:cNvPr id="1" name=""/>
+        <p:cNvGrpSpPr/>
+        <p:nvPr/>
+      </p:nvGrpSpPr>
+      <p:grpSpPr>
+        <a:xfrm>
+          <a:off x="0" y="0"/>
+          <a:ext cx="0" cy="0"/>
+          <a:chOff x="0" y="0"/>
+          <a:chExt cx="0" cy="0"/>
+        </a:xfrm>
+      </p:grpSpPr>
+      <p:sp>
+        <p:nvSpPr>
+          <p:cNvPr id="2" name="Title 1">
+            <a:extLst>
+              <a:ext uri="{FF2B5EF4-FFF2-40B4-BE49-F238E27FC236}">
+                <a16:creationId xmlns:a16="http://schemas.microsoft.com/office/drawing/2014/main" id="{E6D181BD-9D61-4AC8-8B2A-A58A06671A21}"/>
+              </a:ext>
+            </a:extLst>
+          </p:cNvPr>
+          <p:cNvSpPr>
+            <a:spLocks noGrp="1"/>
+          </p:cNvSpPr>
+          <p:nvPr>
+            <p:ph type="title"/>
+          </p:nvPr>
+        </p:nvSpPr>
+        <p:spPr/>
+        <p:txBody>
+          <a:bodyPr>
+            <a:normAutofit/>
+          </a:bodyPr>
+          <a:lstStyle/>
+          <a:p>
+            <a:pPr algn="l"/>
+            <a:r>
+              <a:rPr lang="en-US" sz="3600" dirty="0"/>
+              <a:t>DELETION</a:t>
+            </a:r>
+          </a:p>
+        </p:txBody>
+      </p:sp>
+      <p:sp>
+        <p:nvSpPr>
+          <p:cNvPr id="3" name="Subtitle 2">
+            <a:extLst>
+              <a:ext uri="{FF2B5EF4-FFF2-40B4-BE49-F238E27FC236}">
+                <a16:creationId xmlns:a16="http://schemas.microsoft.com/office/drawing/2014/main" id="{CADC1CFC-CC3F-4DA3-AC35-595DDF7BECE7}"/>
+              </a:ext>
+            </a:extLst>
+          </p:cNvPr>
+          <p:cNvSpPr>
+            <a:spLocks noGrp="1"/>
+          </p:cNvSpPr>
+          <p:nvPr>
+            <p:ph idx="1"/>
+          </p:nvPr>
+        </p:nvSpPr>
+        <p:spPr>
+          <a:xfrm>
+            <a:off x="1484310" y="1884557"/>
+            <a:ext cx="10018713" cy="3590692"/>
+          </a:xfrm>
+        </p:spPr>
+        <p:txBody>
+          <a:bodyPr/>
+          <a:lstStyle/>
+          <a:p>
+            <a:pPr marL="342900" indent="-342900" algn="l">
+              <a:buFont typeface="Wingdings" panose="05000000000000000000" pitchFamily="2" charset="2"/>
+              <a:buChar char="v"/>
+            </a:pPr>
+            <a:r>
+              <a:rPr lang="en-US" dirty="0"/>
+              <a:t>Deleting a product brand</a:t>
+            </a:r>
+          </a:p>
+          <a:p>
+            <a:pPr marL="342900" indent="-342900" algn="l">
+              <a:buFont typeface="Wingdings" panose="05000000000000000000" pitchFamily="2" charset="2"/>
+              <a:buChar char="v"/>
+            </a:pPr>
+            <a:r>
+              <a:rPr lang="en-US" dirty="0"/>
+              <a:t>Deleting a product type</a:t>
             </a:r>
           </a:p>
           <a:p>
@@ -6491,10 +6794,104 @@
 </p:sld>
 </file>
 
+<file path=ppt/slides/slide6.xml><?xml version="1.0" encoding="utf-8"?>
+<p:sld xmlns:a="http://schemas.openxmlformats.org/drawingml/2006/main" xmlns:r="http://schemas.openxmlformats.org/officeDocument/2006/relationships" xmlns:p="http://schemas.openxmlformats.org/presentationml/2006/main">
+  <p:cSld>
+    <p:spTree>
+      <p:nvGrpSpPr>
+        <p:cNvPr id="1" name=""/>
+        <p:cNvGrpSpPr/>
+        <p:nvPr/>
+      </p:nvGrpSpPr>
+      <p:grpSpPr>
+        <a:xfrm>
+          <a:off x="0" y="0"/>
+          <a:ext cx="0" cy="0"/>
+          <a:chOff x="0" y="0"/>
+          <a:chExt cx="0" cy="0"/>
+        </a:xfrm>
+      </p:grpSpPr>
+      <p:sp>
+        <p:nvSpPr>
+          <p:cNvPr id="2" name="Title 1">
+            <a:extLst>
+              <a:ext uri="{FF2B5EF4-FFF2-40B4-BE49-F238E27FC236}">
+                <a16:creationId xmlns:a16="http://schemas.microsoft.com/office/drawing/2014/main" id="{506B45C5-BE08-4FAA-91FC-23676C830ECA}"/>
+              </a:ext>
+            </a:extLst>
+          </p:cNvPr>
+          <p:cNvSpPr>
+            <a:spLocks noGrp="1"/>
+          </p:cNvSpPr>
+          <p:nvPr>
+            <p:ph type="title"/>
+          </p:nvPr>
+        </p:nvSpPr>
+        <p:spPr/>
+        <p:txBody>
+          <a:bodyPr/>
+          <a:lstStyle/>
+          <a:p>
+            <a:endParaRPr lang="en-US" dirty="0"/>
+          </a:p>
+        </p:txBody>
+      </p:sp>
+      <p:sp>
+        <p:nvSpPr>
+          <p:cNvPr id="3" name="Content Placeholder 2">
+            <a:extLst>
+              <a:ext uri="{FF2B5EF4-FFF2-40B4-BE49-F238E27FC236}">
+                <a16:creationId xmlns:a16="http://schemas.microsoft.com/office/drawing/2014/main" id="{CC933C95-D7C4-4B74-850C-8FC47FB3B725}"/>
+              </a:ext>
+            </a:extLst>
+          </p:cNvPr>
+          <p:cNvSpPr>
+            <a:spLocks noGrp="1"/>
+          </p:cNvSpPr>
+          <p:nvPr>
+            <p:ph idx="1"/>
+          </p:nvPr>
+        </p:nvSpPr>
+        <p:spPr>
+          <a:xfrm>
+            <a:off x="1484310" y="2667000"/>
+            <a:ext cx="10018713" cy="1548162"/>
+          </a:xfrm>
+        </p:spPr>
+        <p:txBody>
+          <a:bodyPr/>
+          <a:lstStyle/>
+          <a:p>
+            <a:pPr marL="0" indent="0">
+              <a:buNone/>
+            </a:pPr>
+            <a:r>
+              <a:rPr lang="en-US" dirty="0"/>
+              <a:t>Thank you</a:t>
+            </a:r>
+          </a:p>
+        </p:txBody>
+      </p:sp>
+    </p:spTree>
+    <p:extLst>
+      <p:ext uri="{BB962C8B-B14F-4D97-AF65-F5344CB8AC3E}">
+        <p14:creationId xmlns:p14="http://schemas.microsoft.com/office/powerpoint/2010/main" val="930620100"/>
+      </p:ext>
+    </p:extLst>
+  </p:cSld>
+  <p:clrMapOvr>
+    <a:masterClrMapping/>
+  </p:clrMapOvr>
+  <p:transition spd="slow">
+    <p:wipe/>
+  </p:transition>
+</p:sld>
+</file>
+
 <file path=ppt/theme/theme1.xml><?xml version="1.0" encoding="utf-8"?>
-<a:theme xmlns:a="http://schemas.openxmlformats.org/drawingml/2006/main" name="Slate">
+<a:theme xmlns:a="http://schemas.openxmlformats.org/drawingml/2006/main" name="Parallax">
   <a:themeElements>
-    <a:clrScheme name="Slate">
+    <a:clrScheme name="Parallax">
       <a:dk1>
         <a:sysClr val="windowText" lastClr="000000"/>
       </a:dk1>
@@ -6502,48 +6899,48 @@
         <a:sysClr val="window" lastClr="FFFFFF"/>
       </a:lt1>
       <a:dk2>
-        <a:srgbClr val="212123"/>
+        <a:srgbClr val="212121"/>
       </a:dk2>
       <a:lt2>
-        <a:srgbClr val="DADADA"/>
+        <a:srgbClr val="CDD0D1"/>
       </a:lt2>
       <a:accent1>
-        <a:srgbClr val="BC451B"/>
+        <a:srgbClr val="30ACEC"/>
       </a:accent1>
       <a:accent2>
-        <a:srgbClr val="D3BA68"/>
+        <a:srgbClr val="80C34F"/>
       </a:accent2>
       <a:accent3>
-        <a:srgbClr val="BB8640"/>
+        <a:srgbClr val="E29D3E"/>
       </a:accent3>
       <a:accent4>
-        <a:srgbClr val="AD9277"/>
+        <a:srgbClr val="D64A3B"/>
       </a:accent4>
       <a:accent5>
-        <a:srgbClr val="A55A43"/>
+        <a:srgbClr val="D64787"/>
       </a:accent5>
       <a:accent6>
-        <a:srgbClr val="AD9D7B"/>
+        <a:srgbClr val="A666E1"/>
       </a:accent6>
       <a:hlink>
-        <a:srgbClr val="E98052"/>
+        <a:srgbClr val="3085ED"/>
       </a:hlink>
       <a:folHlink>
-        <a:srgbClr val="F4B69B"/>
+        <a:srgbClr val="82B6F4"/>
       </a:folHlink>
     </a:clrScheme>
-    <a:fontScheme name="Slate">
+    <a:fontScheme name="Parallax">
       <a:majorFont>
-        <a:latin typeface="Calisto MT" panose="02040603050505030304"/>
+        <a:latin typeface="Corbel" panose="020B0503020204020204"/>
         <a:ea typeface=""/>
         <a:cs typeface=""/>
-        <a:font script="Jpan" typeface="ＭＳ Ｐゴシック"/>
-        <a:font script="Hang" typeface="돋움"/>
-        <a:font script="Hans" typeface="方正舒体"/>
-        <a:font script="Hant" typeface="微軟正黑體"/>
-        <a:font script="Arab" typeface="Arial"/>
-        <a:font script="Hebr" typeface="Arial"/>
-        <a:font script="Thai" typeface="Cordia New"/>
+        <a:font script="Jpan" typeface="HGｺﾞｼｯｸM"/>
+        <a:font script="Hang" typeface="HY엽서L"/>
+        <a:font script="Hans" typeface="华文楷体"/>
+        <a:font script="Hant" typeface="新細明體"/>
+        <a:font script="Arab" typeface="Tahoma"/>
+        <a:font script="Hebr" typeface="Miriam"/>
+        <a:font script="Thai" typeface="DilleniaUPC"/>
         <a:font script="Ethi" typeface="Nyala"/>
         <a:font script="Beng" typeface="Vrinda"/>
         <a:font script="Gujr" typeface="Shruti"/>
@@ -6569,16 +6966,16 @@
         <a:font script="Geor" typeface="Sylfaen"/>
       </a:majorFont>
       <a:minorFont>
-        <a:latin typeface="Calisto MT" panose="02040603050505030304"/>
+        <a:latin typeface="Corbel" panose="020B0503020204020204"/>
         <a:ea typeface=""/>
         <a:cs typeface=""/>
-        <a:font script="Jpan" typeface="ＭＳ Ｐゴシック"/>
-        <a:font script="Hang" typeface="돋움"/>
-        <a:font script="Hans" typeface="方正舒体"/>
-        <a:font script="Hant" typeface="微軟正黑體"/>
-        <a:font script="Arab" typeface="Arial"/>
-        <a:font script="Hebr" typeface="Arial"/>
-        <a:font script="Thai" typeface="Cordia New"/>
+        <a:font script="Jpan" typeface="HGｺﾞｼｯｸM"/>
+        <a:font script="Hang" typeface="HY엽서L"/>
+        <a:font script="Hans" typeface="华文楷体"/>
+        <a:font script="Hant" typeface="新細明體"/>
+        <a:font script="Arab" typeface="Tahoma"/>
+        <a:font script="Hebr" typeface="Miriam"/>
+        <a:font script="Thai" typeface="DilleniaUPC"/>
         <a:font script="Ethi" typeface="Nyala"/>
         <a:font script="Beng" typeface="Vrinda"/>
         <a:font script="Gujr" typeface="Shruti"/>
@@ -6604,7 +7001,7 @@
         <a:font script="Geor" typeface="Sylfaen"/>
       </a:minorFont>
     </a:fontScheme>
-    <a:fmtScheme name="Slate">
+    <a:fmtScheme name="Parallax">
       <a:fillStyleLst>
         <a:solidFill>
           <a:schemeClr val="phClr"/>
@@ -6614,12 +7011,12 @@
             <a:gs pos="0">
               <a:schemeClr val="phClr">
                 <a:tint val="60000"/>
-                <a:lumMod val="110000"/>
+                <a:lumMod val="104000"/>
               </a:schemeClr>
             </a:gs>
             <a:gs pos="100000">
               <a:schemeClr val="phClr">
-                <a:tint val="88000"/>
+                <a:tint val="84000"/>
               </a:schemeClr>
             </a:gs>
           </a:gsLst>
@@ -6630,24 +7027,26 @@
             <a:gs pos="0">
               <a:schemeClr val="phClr">
                 <a:tint val="96000"/>
-                <a:lumMod val="104000"/>
+                <a:lumMod val="102000"/>
               </a:schemeClr>
             </a:gs>
             <a:gs pos="100000">
               <a:schemeClr val="phClr">
-                <a:shade val="90000"/>
-                <a:lumMod val="90000"/>
+                <a:shade val="88000"/>
+                <a:lumMod val="94000"/>
               </a:schemeClr>
             </a:gs>
           </a:gsLst>
-          <a:lin ang="5400000" scaled="0"/>
+          <a:path path="circle">
+            <a:fillToRect l="50000" t="100000" r="100000" b="50000"/>
+          </a:path>
         </a:gradFill>
       </a:fillStyleLst>
       <a:lnStyleLst>
         <a:ln w="9525" cap="rnd" cmpd="sng" algn="ctr">
           <a:solidFill>
             <a:schemeClr val="phClr">
-              <a:shade val="90000"/>
+              <a:tint val="60000"/>
             </a:schemeClr>
           </a:solidFill>
           <a:prstDash val="solid"/>
@@ -6658,7 +7057,7 @@
           </a:solidFill>
           <a:prstDash val="solid"/>
         </a:ln>
-        <a:ln w="25400" cap="rnd" cmpd="sng" algn="ctr">
+        <a:ln w="22225" cap="rnd" cmpd="sng" algn="ctr">
           <a:solidFill>
             <a:schemeClr val="phClr"/>
           </a:solidFill>
@@ -6671,18 +7070,14 @@
         </a:effectStyle>
         <a:effectStyle>
           <a:effectLst>
-            <a:outerShdw blurRad="63500" dist="25400" dir="5400000" rotWithShape="0">
-              <a:srgbClr val="000000">
-                <a:alpha val="60000"/>
-              </a:srgbClr>
-            </a:outerShdw>
+            <a:reflection blurRad="12700" stA="26000" endPos="32000" dist="12700" dir="5400000" sy="-100000" rotWithShape="0"/>
           </a:effectLst>
         </a:effectStyle>
         <a:effectStyle>
           <a:effectLst>
-            <a:outerShdw blurRad="76200" dist="38100" dir="5400000" rotWithShape="0">
+            <a:outerShdw blurRad="38100" dist="25400" dir="5400000" rotWithShape="0">
               <a:srgbClr val="000000">
-                <a:alpha val="75000"/>
+                <a:alpha val="64000"/>
               </a:srgbClr>
             </a:outerShdw>
           </a:effectLst>
@@ -6690,12 +7085,12 @@
             <a:camera prst="orthographicFront">
               <a:rot lat="0" lon="0" rev="0"/>
             </a:camera>
-            <a:lightRig rig="threePt" dir="t">
+            <a:lightRig rig="threePt" dir="tl">
               <a:rot lat="0" lon="0" rev="1200000"/>
             </a:lightRig>
           </a:scene3d>
           <a:sp3d>
-            <a:bevelT w="63500" h="25400" prst="hardEdge"/>
+            <a:bevelT w="25400" h="12700"/>
           </a:sp3d>
         </a:effectStyle>
       </a:effectStyleLst>
@@ -6703,18 +7098,34 @@
         <a:solidFill>
           <a:schemeClr val="phClr"/>
         </a:solidFill>
-        <a:solidFill>
-          <a:schemeClr val="phClr"/>
-        </a:solidFill>
+        <a:gradFill rotWithShape="1">
+          <a:gsLst>
+            <a:gs pos="0">
+              <a:schemeClr val="phClr">
+                <a:tint val="90000"/>
+                <a:lumMod val="110000"/>
+              </a:schemeClr>
+            </a:gs>
+            <a:gs pos="100000">
+              <a:schemeClr val="phClr">
+                <a:shade val="64000"/>
+                <a:lumMod val="98000"/>
+              </a:schemeClr>
+            </a:gs>
+          </a:gsLst>
+          <a:lin ang="5400000" scaled="0"/>
+        </a:gradFill>
         <a:blipFill rotWithShape="1">
           <a:blip xmlns:r="http://schemas.openxmlformats.org/officeDocument/2006/relationships" r:embed="rId1">
             <a:duotone>
               <a:schemeClr val="phClr">
-                <a:shade val="80000"/>
-                <a:lumMod val="80000"/>
+                <a:shade val="76000"/>
+                <a:satMod val="180000"/>
               </a:schemeClr>
               <a:schemeClr val="phClr">
-                <a:tint val="98000"/>
+                <a:tint val="80000"/>
+                <a:satMod val="120000"/>
+                <a:lumMod val="180000"/>
               </a:schemeClr>
             </a:duotone>
           </a:blip>
@@ -6727,7 +7138,7 @@
   <a:extraClrSchemeLst/>
   <a:extLst>
     <a:ext uri="{05A4C25C-085E-4340-85A3-A5531E510DB2}">
-      <thm15:themeFamily xmlns:thm15="http://schemas.microsoft.com/office/thememl/2012/main" name="Slate" id="{C3F70B94-7CE9-428E-ADC1-3269CC2C3385}" vid="{3F2DE9A5-64E6-437C-A389-CC4477E817E8}"/>
+      <thm15:themeFamily xmlns:thm15="http://schemas.microsoft.com/office/thememl/2012/main" name="Parallax" id="{3388167B-A2EB-4685-9635-1831D9AEF8C4}" vid="{4F7A876A-7598-49CA-AFC8-8EDA2551E4A7}"/>
     </a:ext>
   </a:extLst>
 </a:theme>

--- a/docs/SUPERMARKET MANAGEMENT SYSTEM.pptx
+++ b/docs/SUPERMARKET MANAGEMENT SYSTEM.pptx
@@ -7,10 +7,11 @@
   <p:sldIdLst>
     <p:sldId id="259" r:id="rId2"/>
     <p:sldId id="260" r:id="rId3"/>
-    <p:sldId id="256" r:id="rId4"/>
-    <p:sldId id="257" r:id="rId5"/>
-    <p:sldId id="258" r:id="rId6"/>
-    <p:sldId id="261" r:id="rId7"/>
+    <p:sldId id="262" r:id="rId4"/>
+    <p:sldId id="256" r:id="rId5"/>
+    <p:sldId id="257" r:id="rId6"/>
+    <p:sldId id="258" r:id="rId7"/>
+    <p:sldId id="261" r:id="rId8"/>
   </p:sldIdLst>
   <p:sldSz cx="12192000" cy="6858000"/>
   <p:notesSz cx="6858000" cy="9144000"/>
@@ -6459,7 +6460,7 @@
           <p:cNvPr id="2" name="Title 1">
             <a:extLst>
               <a:ext uri="{FF2B5EF4-FFF2-40B4-BE49-F238E27FC236}">
-                <a16:creationId xmlns:a16="http://schemas.microsoft.com/office/drawing/2014/main" id="{E6D181BD-9D61-4AC8-8B2A-A58A06671A21}"/>
+                <a16:creationId xmlns:a16="http://schemas.microsoft.com/office/drawing/2014/main" id="{7E0B4107-6C5E-4C09-BCBC-5BD2CBA69014}"/>
               </a:ext>
             </a:extLst>
           </p:cNvPr>
@@ -6472,25 +6473,23 @@
         </p:nvSpPr>
         <p:spPr/>
         <p:txBody>
-          <a:bodyPr>
-            <a:normAutofit/>
-          </a:bodyPr>
+          <a:bodyPr/>
           <a:lstStyle/>
           <a:p>
             <a:pPr algn="l"/>
             <a:r>
-              <a:rPr lang="en-US" sz="3600" dirty="0"/>
-              <a:t>INSERTION</a:t>
-            </a:r>
-          </a:p>
-        </p:txBody>
-      </p:sp>
-      <p:sp>
-        <p:nvSpPr>
-          <p:cNvPr id="3" name="Subtitle 2">
+              <a:rPr lang="en-US" dirty="0"/>
+              <a:t>REQUIREMENTS</a:t>
+            </a:r>
+          </a:p>
+        </p:txBody>
+      </p:sp>
+      <p:sp>
+        <p:nvSpPr>
+          <p:cNvPr id="3" name="Content Placeholder 2">
             <a:extLst>
               <a:ext uri="{FF2B5EF4-FFF2-40B4-BE49-F238E27FC236}">
-                <a16:creationId xmlns:a16="http://schemas.microsoft.com/office/drawing/2014/main" id="{CADC1CFC-CC3F-4DA3-AC35-595DDF7BECE7}"/>
+                <a16:creationId xmlns:a16="http://schemas.microsoft.com/office/drawing/2014/main" id="{20802EC3-898D-456D-B7FA-CC5CB2E6B3F3}"/>
               </a:ext>
             </a:extLst>
           </p:cNvPr>
@@ -6503,43 +6502,66 @@
         </p:nvSpPr>
         <p:spPr/>
         <p:txBody>
-          <a:bodyPr/>
+          <a:bodyPr>
+            <a:normAutofit fontScale="77500" lnSpcReduction="20000"/>
+          </a:bodyPr>
           <a:lstStyle/>
           <a:p>
-            <a:pPr marL="342900" indent="-342900" algn="l">
-              <a:buFont typeface="Wingdings" panose="05000000000000000000" pitchFamily="2" charset="2"/>
-              <a:buChar char="v"/>
-            </a:pPr>
             <a:r>
               <a:rPr lang="en-US" dirty="0"/>
-              <a:t>Adding new product brand</a:t>
-            </a:r>
-          </a:p>
-          <a:p>
-            <a:pPr marL="342900" indent="-342900" algn="l">
-              <a:buFont typeface="Wingdings" panose="05000000000000000000" pitchFamily="2" charset="2"/>
-              <a:buChar char="v"/>
-            </a:pPr>
+              <a:t>We use python programming language for developing the back-end and front-end.</a:t>
+            </a:r>
+          </a:p>
+          <a:p>
             <a:r>
               <a:rPr lang="en-US" dirty="0"/>
-              <a:t>Adding new product type</a:t>
-            </a:r>
-          </a:p>
-          <a:p>
-            <a:pPr marL="342900" indent="-342900" algn="l">
-              <a:buFont typeface="Wingdings" panose="05000000000000000000" pitchFamily="2" charset="2"/>
-              <a:buChar char="v"/>
-            </a:pPr>
+              <a:t>Front end is developed using PyQt5 library in python.</a:t>
+            </a:r>
+          </a:p>
+          <a:p>
             <a:r>
               <a:rPr lang="en-US" dirty="0"/>
-              <a:t>Adding new product with details and stock available</a:t>
-            </a:r>
-          </a:p>
-          <a:p>
-            <a:pPr marL="342900" indent="-342900" algn="l">
-              <a:buFont typeface="Wingdings" panose="05000000000000000000" pitchFamily="2" charset="2"/>
-              <a:buChar char="v"/>
-            </a:pPr>
+              <a:t>We use four files for managing the project</a:t>
+            </a:r>
+          </a:p>
+          <a:p>
+            <a:r>
+              <a:rPr lang="en-US" dirty="0"/>
+              <a:t>A category file is maintained to manage all the  product category available in the supermarket</a:t>
+            </a:r>
+          </a:p>
+          <a:p>
+            <a:r>
+              <a:rPr lang="en-US" dirty="0"/>
+              <a:t>A brand file is maintained to manage different product brands.</a:t>
+            </a:r>
+          </a:p>
+          <a:p>
+            <a:r>
+              <a:rPr lang="en-US" dirty="0"/>
+              <a:t>A product file is maintained to manage different products with all it’s details such as brand, category, stock available,  prize etc.</a:t>
+            </a:r>
+          </a:p>
+          <a:p>
+            <a:r>
+              <a:rPr lang="en-US" dirty="0"/>
+              <a:t>A purchase file will be managed for </a:t>
+            </a:r>
+            <a:r>
+              <a:rPr lang="en-US"/>
+              <a:t>managing sales </a:t>
+            </a:r>
+            <a:r>
+              <a:rPr lang="en-US" dirty="0"/>
+              <a:t>made from </a:t>
+            </a:r>
+            <a:r>
+              <a:rPr lang="en-US"/>
+              <a:t>the supermarket</a:t>
+            </a:r>
+            <a:endParaRPr lang="en-US" dirty="0"/>
+          </a:p>
+          <a:p>
             <a:endParaRPr lang="en-US" dirty="0"/>
           </a:p>
         </p:txBody>
@@ -6547,7 +6569,7 @@
     </p:spTree>
     <p:extLst>
       <p:ext uri="{BB962C8B-B14F-4D97-AF65-F5344CB8AC3E}">
-        <p14:creationId xmlns:p14="http://schemas.microsoft.com/office/powerpoint/2010/main" val="2836088814"/>
+        <p14:creationId xmlns:p14="http://schemas.microsoft.com/office/powerpoint/2010/main" val="325119131"/>
       </p:ext>
     </p:extLst>
   </p:cSld>
@@ -6603,7 +6625,7 @@
             <a:pPr algn="l"/>
             <a:r>
               <a:rPr lang="en-US" sz="3600" dirty="0"/>
-              <a:t>MODIFICATION</a:t>
+              <a:t>INSERTION</a:t>
             </a:r>
           </a:p>
         </p:txBody>
@@ -6635,7 +6657,7 @@
             </a:pPr>
             <a:r>
               <a:rPr lang="en-US" dirty="0"/>
-              <a:t>Updating current stock available </a:t>
+              <a:t>Adding new product brand</a:t>
             </a:r>
           </a:p>
           <a:p>
@@ -6645,7 +6667,17 @@
             </a:pPr>
             <a:r>
               <a:rPr lang="en-US" dirty="0"/>
-              <a:t>Updating the price of the product</a:t>
+              <a:t>Adding new product type</a:t>
+            </a:r>
+          </a:p>
+          <a:p>
+            <a:pPr marL="342900" indent="-342900" algn="l">
+              <a:buFont typeface="Wingdings" panose="05000000000000000000" pitchFamily="2" charset="2"/>
+              <a:buChar char="v"/>
+            </a:pPr>
+            <a:r>
+              <a:rPr lang="en-US" dirty="0"/>
+              <a:t>Adding new product with details and stock available</a:t>
             </a:r>
           </a:p>
           <a:p>
@@ -6660,7 +6692,7 @@
     </p:spTree>
     <p:extLst>
       <p:ext uri="{BB962C8B-B14F-4D97-AF65-F5344CB8AC3E}">
-        <p14:creationId xmlns:p14="http://schemas.microsoft.com/office/powerpoint/2010/main" val="3550152915"/>
+        <p14:creationId xmlns:p14="http://schemas.microsoft.com/office/powerpoint/2010/main" val="2836088814"/>
       </p:ext>
     </p:extLst>
   </p:cSld>
@@ -6716,6 +6748,119 @@
             <a:pPr algn="l"/>
             <a:r>
               <a:rPr lang="en-US" sz="3600" dirty="0"/>
+              <a:t>MODIFICATION</a:t>
+            </a:r>
+          </a:p>
+        </p:txBody>
+      </p:sp>
+      <p:sp>
+        <p:nvSpPr>
+          <p:cNvPr id="3" name="Subtitle 2">
+            <a:extLst>
+              <a:ext uri="{FF2B5EF4-FFF2-40B4-BE49-F238E27FC236}">
+                <a16:creationId xmlns:a16="http://schemas.microsoft.com/office/drawing/2014/main" id="{CADC1CFC-CC3F-4DA3-AC35-595DDF7BECE7}"/>
+              </a:ext>
+            </a:extLst>
+          </p:cNvPr>
+          <p:cNvSpPr>
+            <a:spLocks noGrp="1"/>
+          </p:cNvSpPr>
+          <p:nvPr>
+            <p:ph idx="1"/>
+          </p:nvPr>
+        </p:nvSpPr>
+        <p:spPr/>
+        <p:txBody>
+          <a:bodyPr/>
+          <a:lstStyle/>
+          <a:p>
+            <a:pPr marL="342900" indent="-342900" algn="l">
+              <a:buFont typeface="Wingdings" panose="05000000000000000000" pitchFamily="2" charset="2"/>
+              <a:buChar char="v"/>
+            </a:pPr>
+            <a:r>
+              <a:rPr lang="en-US" dirty="0"/>
+              <a:t>Updating current stock available </a:t>
+            </a:r>
+          </a:p>
+          <a:p>
+            <a:pPr marL="342900" indent="-342900" algn="l">
+              <a:buFont typeface="Wingdings" panose="05000000000000000000" pitchFamily="2" charset="2"/>
+              <a:buChar char="v"/>
+            </a:pPr>
+            <a:r>
+              <a:rPr lang="en-US" dirty="0"/>
+              <a:t>Updating the price of the product</a:t>
+            </a:r>
+          </a:p>
+          <a:p>
+            <a:pPr marL="342900" indent="-342900" algn="l">
+              <a:buFont typeface="Wingdings" panose="05000000000000000000" pitchFamily="2" charset="2"/>
+              <a:buChar char="v"/>
+            </a:pPr>
+            <a:endParaRPr lang="en-US" dirty="0"/>
+          </a:p>
+        </p:txBody>
+      </p:sp>
+    </p:spTree>
+    <p:extLst>
+      <p:ext uri="{BB962C8B-B14F-4D97-AF65-F5344CB8AC3E}">
+        <p14:creationId xmlns:p14="http://schemas.microsoft.com/office/powerpoint/2010/main" val="3550152915"/>
+      </p:ext>
+    </p:extLst>
+  </p:cSld>
+  <p:clrMapOvr>
+    <a:masterClrMapping/>
+  </p:clrMapOvr>
+  <p:transition spd="slow">
+    <p:wipe/>
+  </p:transition>
+</p:sld>
+</file>
+
+<file path=ppt/slides/slide6.xml><?xml version="1.0" encoding="utf-8"?>
+<p:sld xmlns:a="http://schemas.openxmlformats.org/drawingml/2006/main" xmlns:r="http://schemas.openxmlformats.org/officeDocument/2006/relationships" xmlns:p="http://schemas.openxmlformats.org/presentationml/2006/main">
+  <p:cSld>
+    <p:spTree>
+      <p:nvGrpSpPr>
+        <p:cNvPr id="1" name=""/>
+        <p:cNvGrpSpPr/>
+        <p:nvPr/>
+      </p:nvGrpSpPr>
+      <p:grpSpPr>
+        <a:xfrm>
+          <a:off x="0" y="0"/>
+          <a:ext cx="0" cy="0"/>
+          <a:chOff x="0" y="0"/>
+          <a:chExt cx="0" cy="0"/>
+        </a:xfrm>
+      </p:grpSpPr>
+      <p:sp>
+        <p:nvSpPr>
+          <p:cNvPr id="2" name="Title 1">
+            <a:extLst>
+              <a:ext uri="{FF2B5EF4-FFF2-40B4-BE49-F238E27FC236}">
+                <a16:creationId xmlns:a16="http://schemas.microsoft.com/office/drawing/2014/main" id="{E6D181BD-9D61-4AC8-8B2A-A58A06671A21}"/>
+              </a:ext>
+            </a:extLst>
+          </p:cNvPr>
+          <p:cNvSpPr>
+            <a:spLocks noGrp="1"/>
+          </p:cNvSpPr>
+          <p:nvPr>
+            <p:ph type="title"/>
+          </p:nvPr>
+        </p:nvSpPr>
+        <p:spPr/>
+        <p:txBody>
+          <a:bodyPr>
+            <a:normAutofit/>
+          </a:bodyPr>
+          <a:lstStyle/>
+          <a:p>
+            <a:pPr algn="l"/>
+            <a:r>
+              <a:rPr lang="en-US" sz="3600" dirty="0"/>
               <a:t>DELETION</a:t>
             </a:r>
           </a:p>
@@ -6794,7 +6939,7 @@
 </p:sld>
 </file>
 
-<file path=ppt/slides/slide6.xml><?xml version="1.0" encoding="utf-8"?>
+<file path=ppt/slides/slide7.xml><?xml version="1.0" encoding="utf-8"?>
 <p:sld xmlns:a="http://schemas.openxmlformats.org/drawingml/2006/main" xmlns:r="http://schemas.openxmlformats.org/officeDocument/2006/relationships" xmlns:p="http://schemas.openxmlformats.org/presentationml/2006/main">
   <p:cSld>
     <p:spTree>

--- a/docs/SUPERMARKET MANAGEMENT SYSTEM.pptx
+++ b/docs/SUPERMARKET MANAGEMENT SYSTEM.pptx
@@ -6500,7 +6500,12 @@
             <p:ph idx="1"/>
           </p:nvPr>
         </p:nvSpPr>
-        <p:spPr/>
+        <p:spPr>
+          <a:xfrm>
+            <a:off x="1484310" y="1961002"/>
+            <a:ext cx="10018713" cy="3830198"/>
+          </a:xfrm>
+        </p:spPr>
         <p:txBody>
           <a:bodyPr>
             <a:normAutofit fontScale="77500" lnSpcReduction="20000"/>
@@ -6509,7 +6514,7 @@
           <a:p>
             <a:r>
               <a:rPr lang="en-US" dirty="0"/>
-              <a:t>We use python programming language for developing the back-end and front-end.</a:t>
+              <a:t>We use python programming language for developing the back-end and front-end of the project.</a:t>
             </a:r>
           </a:p>
           <a:p>
@@ -6539,27 +6544,20 @@
           <a:p>
             <a:r>
               <a:rPr lang="en-US" dirty="0"/>
-              <a:t>A product file is maintained to manage different products with all it’s details such as brand, category, stock available,  prize etc.</a:t>
+              <a:t>A product file is maintained to manage different products with all it’s details such as name, brand, category, stock available,  prize etc.</a:t>
             </a:r>
           </a:p>
           <a:p>
             <a:r>
               <a:rPr lang="en-US" dirty="0"/>
-              <a:t>A purchase file will be managed for </a:t>
-            </a:r>
-            <a:r>
-              <a:rPr lang="en-US"/>
-              <a:t>managing sales </a:t>
-            </a:r>
+              <a:t>A purchase file will be managed for managing sales made from the supermarket</a:t>
+            </a:r>
+          </a:p>
+          <a:p>
             <a:r>
               <a:rPr lang="en-US" dirty="0"/>
-              <a:t>made from </a:t>
-            </a:r>
-            <a:r>
-              <a:rPr lang="en-US"/>
-              <a:t>the supermarket</a:t>
-            </a:r>
-            <a:endParaRPr lang="en-US" dirty="0"/>
+              <a:t>There will be different pages for purchasing, adding new product, updating stock, viewing stock and for viewing the sales history</a:t>
+            </a:r>
           </a:p>
           <a:p>
             <a:endParaRPr lang="en-US" dirty="0"/>
